--- a/DELIVERIES/DD_Delivery_Presentation.pptx
+++ b/DELIVERIES/DD_Delivery_Presentation.pptx
@@ -3,33 +3,36 @@
 <p:presentation xmlns:a="http://schemas.openxmlformats.org/drawingml/2006/main" xmlns:p="http://schemas.openxmlformats.org/presentationml/2006/main" xmlns:r="http://schemas.openxmlformats.org/officeDocument/2006/relationships">
   <p:sldMasterIdLst>
     <p:sldMasterId id="2147483648" r:id="rId2"/>
+    <p:sldMasterId id="2147483661" r:id="rId3"/>
+    <p:sldMasterId id="2147483674" r:id="rId4"/>
+    <p:sldMasterId id="2147483687" r:id="rId5"/>
   </p:sldMasterIdLst>
   <p:sldIdLst>
-    <p:sldId id="256" r:id="rId3"/>
-    <p:sldId id="257" r:id="rId4"/>
-    <p:sldId id="258" r:id="rId5"/>
-    <p:sldId id="259" r:id="rId6"/>
-    <p:sldId id="260" r:id="rId7"/>
-    <p:sldId id="261" r:id="rId8"/>
-    <p:sldId id="262" r:id="rId9"/>
-    <p:sldId id="263" r:id="rId10"/>
-    <p:sldId id="264" r:id="rId11"/>
-    <p:sldId id="265" r:id="rId12"/>
-    <p:sldId id="266" r:id="rId13"/>
-    <p:sldId id="267" r:id="rId14"/>
-    <p:sldId id="268" r:id="rId15"/>
-    <p:sldId id="269" r:id="rId16"/>
-    <p:sldId id="270" r:id="rId17"/>
-    <p:sldId id="271" r:id="rId18"/>
-    <p:sldId id="272" r:id="rId19"/>
-    <p:sldId id="273" r:id="rId20"/>
-    <p:sldId id="274" r:id="rId21"/>
-    <p:sldId id="275" r:id="rId22"/>
-    <p:sldId id="276" r:id="rId23"/>
-    <p:sldId id="277" r:id="rId24"/>
-    <p:sldId id="278" r:id="rId25"/>
-    <p:sldId id="279" r:id="rId26"/>
-    <p:sldId id="280" r:id="rId27"/>
+    <p:sldId id="256" r:id="rId6"/>
+    <p:sldId id="257" r:id="rId7"/>
+    <p:sldId id="258" r:id="rId8"/>
+    <p:sldId id="259" r:id="rId9"/>
+    <p:sldId id="260" r:id="rId10"/>
+    <p:sldId id="261" r:id="rId11"/>
+    <p:sldId id="262" r:id="rId12"/>
+    <p:sldId id="263" r:id="rId13"/>
+    <p:sldId id="264" r:id="rId14"/>
+    <p:sldId id="265" r:id="rId15"/>
+    <p:sldId id="266" r:id="rId16"/>
+    <p:sldId id="267" r:id="rId17"/>
+    <p:sldId id="268" r:id="rId18"/>
+    <p:sldId id="269" r:id="rId19"/>
+    <p:sldId id="270" r:id="rId20"/>
+    <p:sldId id="271" r:id="rId21"/>
+    <p:sldId id="272" r:id="rId22"/>
+    <p:sldId id="273" r:id="rId23"/>
+    <p:sldId id="274" r:id="rId24"/>
+    <p:sldId id="275" r:id="rId25"/>
+    <p:sldId id="276" r:id="rId26"/>
+    <p:sldId id="277" r:id="rId27"/>
+    <p:sldId id="278" r:id="rId28"/>
+    <p:sldId id="279" r:id="rId29"/>
+    <p:sldId id="280" r:id="rId30"/>
   </p:sldIdLst>
   <p:sldSz cx="10080625" cy="7559675"/>
   <p:notesSz cx="7559675" cy="10691812"/>
@@ -77,7 +80,7 @@
       </p:grpSpPr>
       <p:sp>
         <p:nvSpPr>
-          <p:cNvPr id="26" name="PlaceHolder 1"/>
+          <p:cNvPr id="23" name="PlaceHolder 1"/>
           <p:cNvSpPr>
             <a:spLocks noGrp="1"/>
           </p:cNvSpPr>
@@ -88,7 +91,7 @@
         <p:spPr>
           <a:xfrm>
             <a:off x="504000" y="301320"/>
-            <a:ext cx="9071640" cy="1262160"/>
+            <a:ext cx="9072000" cy="1261800"/>
           </a:xfrm>
           <a:prstGeom prst="rect">
             <a:avLst/>
@@ -104,7 +107,7 @@
       </p:sp>
       <p:sp>
         <p:nvSpPr>
-          <p:cNvPr id="27" name="PlaceHolder 2"/>
+          <p:cNvPr id="24" name="PlaceHolder 2"/>
           <p:cNvSpPr>
             <a:spLocks noGrp="1"/>
           </p:cNvSpPr>
@@ -114,8 +117,8 @@
         </p:nvSpPr>
         <p:spPr>
           <a:xfrm>
-            <a:off x="504000" y="1769040"/>
-            <a:ext cx="9071640" cy="2091240"/>
+            <a:off x="504000" y="1768680"/>
+            <a:ext cx="9072000" cy="2090880"/>
           </a:xfrm>
           <a:prstGeom prst="rect">
             <a:avLst/>
@@ -130,7 +133,7 @@
       </p:sp>
       <p:sp>
         <p:nvSpPr>
-          <p:cNvPr id="28" name="PlaceHolder 3"/>
+          <p:cNvPr id="25" name="PlaceHolder 3"/>
           <p:cNvSpPr>
             <a:spLocks noGrp="1"/>
           </p:cNvSpPr>
@@ -140,8 +143,8 @@
         </p:nvSpPr>
         <p:spPr>
           <a:xfrm>
-            <a:off x="504000" y="4059360"/>
-            <a:ext cx="9071640" cy="2091240"/>
+            <a:off x="504000" y="4058640"/>
+            <a:ext cx="9072000" cy="2090880"/>
           </a:xfrm>
           <a:prstGeom prst="rect">
             <a:avLst/>
@@ -178,7 +181,7 @@
       </p:grpSpPr>
       <p:sp>
         <p:nvSpPr>
-          <p:cNvPr id="29" name="PlaceHolder 1"/>
+          <p:cNvPr id="26" name="PlaceHolder 1"/>
           <p:cNvSpPr>
             <a:spLocks noGrp="1"/>
           </p:cNvSpPr>
@@ -189,7 +192,7 @@
         <p:spPr>
           <a:xfrm>
             <a:off x="504000" y="301320"/>
-            <a:ext cx="9071640" cy="1262160"/>
+            <a:ext cx="9072000" cy="1261800"/>
           </a:xfrm>
           <a:prstGeom prst="rect">
             <a:avLst/>
@@ -205,7 +208,7 @@
       </p:sp>
       <p:sp>
         <p:nvSpPr>
-          <p:cNvPr id="30" name="PlaceHolder 2"/>
+          <p:cNvPr id="27" name="PlaceHolder 2"/>
           <p:cNvSpPr>
             <a:spLocks noGrp="1"/>
           </p:cNvSpPr>
@@ -215,8 +218,8 @@
         </p:nvSpPr>
         <p:spPr>
           <a:xfrm>
-            <a:off x="504000" y="1769040"/>
-            <a:ext cx="4426920" cy="2091240"/>
+            <a:off x="504000" y="1768680"/>
+            <a:ext cx="4426920" cy="2090880"/>
           </a:xfrm>
           <a:prstGeom prst="rect">
             <a:avLst/>
@@ -231,7 +234,7 @@
       </p:sp>
       <p:sp>
         <p:nvSpPr>
-          <p:cNvPr id="31" name="PlaceHolder 3"/>
+          <p:cNvPr id="28" name="PlaceHolder 3"/>
           <p:cNvSpPr>
             <a:spLocks noGrp="1"/>
           </p:cNvSpPr>
@@ -241,8 +244,8 @@
         </p:nvSpPr>
         <p:spPr>
           <a:xfrm>
-            <a:off x="5152680" y="1769040"/>
-            <a:ext cx="4426920" cy="2091240"/>
+            <a:off x="5152680" y="1768680"/>
+            <a:ext cx="4426920" cy="2090880"/>
           </a:xfrm>
           <a:prstGeom prst="rect">
             <a:avLst/>
@@ -257,7 +260,7 @@
       </p:sp>
       <p:sp>
         <p:nvSpPr>
-          <p:cNvPr id="32" name="PlaceHolder 4"/>
+          <p:cNvPr id="29" name="PlaceHolder 4"/>
           <p:cNvSpPr>
             <a:spLocks noGrp="1"/>
           </p:cNvSpPr>
@@ -267,8 +270,8 @@
         </p:nvSpPr>
         <p:spPr>
           <a:xfrm>
-            <a:off x="5152680" y="4059360"/>
-            <a:ext cx="4426920" cy="2091240"/>
+            <a:off x="5152680" y="4058640"/>
+            <a:ext cx="4426920" cy="2090880"/>
           </a:xfrm>
           <a:prstGeom prst="rect">
             <a:avLst/>
@@ -283,7 +286,7 @@
       </p:sp>
       <p:sp>
         <p:nvSpPr>
-          <p:cNvPr id="33" name="PlaceHolder 5"/>
+          <p:cNvPr id="30" name="PlaceHolder 5"/>
           <p:cNvSpPr>
             <a:spLocks noGrp="1"/>
           </p:cNvSpPr>
@@ -293,8 +296,8 @@
         </p:nvSpPr>
         <p:spPr>
           <a:xfrm>
-            <a:off x="504000" y="4059360"/>
-            <a:ext cx="4426920" cy="2091240"/>
+            <a:off x="504000" y="4058640"/>
+            <a:ext cx="4426920" cy="2090880"/>
           </a:xfrm>
           <a:prstGeom prst="rect">
             <a:avLst/>
@@ -331,7 +334,7 @@
       </p:grpSpPr>
       <p:sp>
         <p:nvSpPr>
-          <p:cNvPr id="34" name="PlaceHolder 1"/>
+          <p:cNvPr id="31" name="PlaceHolder 1"/>
           <p:cNvSpPr>
             <a:spLocks noGrp="1"/>
           </p:cNvSpPr>
@@ -342,7 +345,7 @@
         <p:spPr>
           <a:xfrm>
             <a:off x="504000" y="301320"/>
-            <a:ext cx="9071640" cy="1262160"/>
+            <a:ext cx="9072000" cy="1261800"/>
           </a:xfrm>
           <a:prstGeom prst="rect">
             <a:avLst/>
@@ -358,7 +361,7 @@
       </p:sp>
       <p:sp>
         <p:nvSpPr>
-          <p:cNvPr id="35" name="PlaceHolder 2"/>
+          <p:cNvPr id="32" name="PlaceHolder 2"/>
           <p:cNvSpPr>
             <a:spLocks noGrp="1"/>
           </p:cNvSpPr>
@@ -368,8 +371,8 @@
         </p:nvSpPr>
         <p:spPr>
           <a:xfrm>
-            <a:off x="504000" y="1769040"/>
-            <a:ext cx="9071640" cy="4384440"/>
+            <a:off x="504000" y="1768680"/>
+            <a:ext cx="9072000" cy="4384080"/>
           </a:xfrm>
           <a:prstGeom prst="rect">
             <a:avLst/>
@@ -384,7 +387,7 @@
       </p:sp>
       <p:sp>
         <p:nvSpPr>
-          <p:cNvPr id="36" name="PlaceHolder 3"/>
+          <p:cNvPr id="33" name="PlaceHolder 3"/>
           <p:cNvSpPr>
             <a:spLocks noGrp="1"/>
           </p:cNvSpPr>
@@ -394,8 +397,8 @@
         </p:nvSpPr>
         <p:spPr>
           <a:xfrm>
-            <a:off x="504000" y="1769040"/>
-            <a:ext cx="9071640" cy="4384440"/>
+            <a:off x="504000" y="1768680"/>
+            <a:ext cx="9072000" cy="4384080"/>
           </a:xfrm>
           <a:prstGeom prst="rect">
             <a:avLst/>
@@ -410,7 +413,7 @@
       </p:sp>
       <p:pic>
         <p:nvPicPr>
-          <p:cNvPr id="37" name="" descr=""/>
+          <p:cNvPr id="34" name="" descr=""/>
           <p:cNvPicPr/>
           <p:nvPr/>
         </p:nvPicPr>
@@ -420,8 +423,8 @@
         </p:blipFill>
         <p:spPr>
           <a:xfrm>
-            <a:off x="2292120" y="1768680"/>
-            <a:ext cx="5495040" cy="4384440"/>
+            <a:off x="2292480" y="1768680"/>
+            <a:ext cx="5494680" cy="4384080"/>
           </a:xfrm>
           <a:prstGeom prst="rect">
             <a:avLst/>
@@ -433,7 +436,7 @@
       </p:pic>
       <p:pic>
         <p:nvPicPr>
-          <p:cNvPr id="38" name="" descr=""/>
+          <p:cNvPr id="35" name="" descr=""/>
           <p:cNvPicPr/>
           <p:nvPr/>
         </p:nvPicPr>
@@ -443,8 +446,8 @@
         </p:blipFill>
         <p:spPr>
           <a:xfrm>
-            <a:off x="2292120" y="1768680"/>
-            <a:ext cx="5495040" cy="4384440"/>
+            <a:off x="2292480" y="1768680"/>
+            <a:ext cx="5494680" cy="4384080"/>
           </a:xfrm>
           <a:prstGeom prst="rect">
             <a:avLst/>
@@ -454,6 +457,505 @@
           </a:ln>
         </p:spPr>
       </p:pic>
+    </p:spTree>
+  </p:cSld>
+</p:sldLayout>
+</file>
+
+<file path=ppt/slideLayouts/slideLayout13.xml><?xml version="1.0" encoding="utf-8"?>
+<p:sldLayout xmlns:a="http://schemas.openxmlformats.org/drawingml/2006/main" xmlns:p="http://schemas.openxmlformats.org/presentationml/2006/main" xmlns:r="http://schemas.openxmlformats.org/officeDocument/2006/relationships" type="blank" preserve="1">
+  <p:cSld name="Blank Slide">
+    <p:spTree>
+      <p:nvGrpSpPr>
+        <p:cNvPr id="1" name=""/>
+        <p:cNvGrpSpPr/>
+        <p:nvPr/>
+      </p:nvGrpSpPr>
+      <p:grpSpPr>
+        <a:xfrm>
+          <a:off x="0" y="0"/>
+          <a:ext cx="0" cy="0"/>
+          <a:chOff x="0" y="0"/>
+          <a:chExt cx="0" cy="0"/>
+        </a:xfrm>
+      </p:grpSpPr>
+    </p:spTree>
+  </p:cSld>
+</p:sldLayout>
+</file>
+
+<file path=ppt/slideLayouts/slideLayout14.xml><?xml version="1.0" encoding="utf-8"?>
+<p:sldLayout xmlns:a="http://schemas.openxmlformats.org/drawingml/2006/main" xmlns:p="http://schemas.openxmlformats.org/presentationml/2006/main" xmlns:r="http://schemas.openxmlformats.org/officeDocument/2006/relationships" type="tx" preserve="1">
+  <p:cSld name="Title Slide">
+    <p:spTree>
+      <p:nvGrpSpPr>
+        <p:cNvPr id="1" name=""/>
+        <p:cNvGrpSpPr/>
+        <p:nvPr/>
+      </p:nvGrpSpPr>
+      <p:grpSpPr>
+        <a:xfrm>
+          <a:off x="0" y="0"/>
+          <a:ext cx="0" cy="0"/>
+          <a:chOff x="0" y="0"/>
+          <a:chExt cx="0" cy="0"/>
+        </a:xfrm>
+      </p:grpSpPr>
+      <p:sp>
+        <p:nvSpPr>
+          <p:cNvPr id="38" name="PlaceHolder 1"/>
+          <p:cNvSpPr>
+            <a:spLocks noGrp="1"/>
+          </p:cNvSpPr>
+          <p:nvPr>
+            <p:ph type="title"/>
+          </p:nvPr>
+        </p:nvSpPr>
+        <p:spPr>
+          <a:xfrm>
+            <a:off x="504000" y="301320"/>
+            <a:ext cx="9072000" cy="1261800"/>
+          </a:xfrm>
+          <a:prstGeom prst="rect">
+            <a:avLst/>
+          </a:prstGeom>
+        </p:spPr>
+        <p:txBody>
+          <a:bodyPr lIns="0" rIns="0" tIns="0" bIns="0" anchor="ctr"/>
+          <a:p>
+            <a:pPr algn="ctr"/>
+            <a:endParaRPr/>
+          </a:p>
+        </p:txBody>
+      </p:sp>
+      <p:sp>
+        <p:nvSpPr>
+          <p:cNvPr id="39" name="PlaceHolder 2"/>
+          <p:cNvSpPr>
+            <a:spLocks noGrp="1"/>
+          </p:cNvSpPr>
+          <p:nvPr>
+            <p:ph type="subTitle"/>
+          </p:nvPr>
+        </p:nvSpPr>
+        <p:spPr>
+          <a:xfrm>
+            <a:off x="504000" y="1768680"/>
+            <a:ext cx="9072000" cy="4384080"/>
+          </a:xfrm>
+          <a:prstGeom prst="rect">
+            <a:avLst/>
+          </a:prstGeom>
+        </p:spPr>
+        <p:txBody>
+          <a:bodyPr lIns="0" rIns="0" tIns="0" bIns="0" anchor="ctr"/>
+          <a:p>
+            <a:pPr algn="ctr"/>
+            <a:endParaRPr/>
+          </a:p>
+        </p:txBody>
+      </p:sp>
+    </p:spTree>
+  </p:cSld>
+</p:sldLayout>
+</file>
+
+<file path=ppt/slideLayouts/slideLayout15.xml><?xml version="1.0" encoding="utf-8"?>
+<p:sldLayout xmlns:a="http://schemas.openxmlformats.org/drawingml/2006/main" xmlns:p="http://schemas.openxmlformats.org/presentationml/2006/main" xmlns:r="http://schemas.openxmlformats.org/officeDocument/2006/relationships" type="obj" preserve="1">
+  <p:cSld name="Title, Content">
+    <p:spTree>
+      <p:nvGrpSpPr>
+        <p:cNvPr id="1" name=""/>
+        <p:cNvGrpSpPr/>
+        <p:nvPr/>
+      </p:nvGrpSpPr>
+      <p:grpSpPr>
+        <a:xfrm>
+          <a:off x="0" y="0"/>
+          <a:ext cx="0" cy="0"/>
+          <a:chOff x="0" y="0"/>
+          <a:chExt cx="0" cy="0"/>
+        </a:xfrm>
+      </p:grpSpPr>
+      <p:sp>
+        <p:nvSpPr>
+          <p:cNvPr id="40" name="PlaceHolder 1"/>
+          <p:cNvSpPr>
+            <a:spLocks noGrp="1"/>
+          </p:cNvSpPr>
+          <p:nvPr>
+            <p:ph type="title"/>
+          </p:nvPr>
+        </p:nvSpPr>
+        <p:spPr>
+          <a:xfrm>
+            <a:off x="504000" y="301320"/>
+            <a:ext cx="9072000" cy="1261800"/>
+          </a:xfrm>
+          <a:prstGeom prst="rect">
+            <a:avLst/>
+          </a:prstGeom>
+        </p:spPr>
+        <p:txBody>
+          <a:bodyPr lIns="0" rIns="0" tIns="0" bIns="0" anchor="ctr"/>
+          <a:p>
+            <a:pPr algn="ctr"/>
+            <a:endParaRPr/>
+          </a:p>
+        </p:txBody>
+      </p:sp>
+      <p:sp>
+        <p:nvSpPr>
+          <p:cNvPr id="41" name="PlaceHolder 2"/>
+          <p:cNvSpPr>
+            <a:spLocks noGrp="1"/>
+          </p:cNvSpPr>
+          <p:nvPr>
+            <p:ph type="body"/>
+          </p:nvPr>
+        </p:nvSpPr>
+        <p:spPr>
+          <a:xfrm>
+            <a:off x="504000" y="1768680"/>
+            <a:ext cx="9072000" cy="4384080"/>
+          </a:xfrm>
+          <a:prstGeom prst="rect">
+            <a:avLst/>
+          </a:prstGeom>
+        </p:spPr>
+        <p:txBody>
+          <a:bodyPr lIns="0" rIns="0" tIns="0" bIns="0"/>
+          <a:p>
+            <a:endParaRPr/>
+          </a:p>
+        </p:txBody>
+      </p:sp>
+    </p:spTree>
+  </p:cSld>
+</p:sldLayout>
+</file>
+
+<file path=ppt/slideLayouts/slideLayout16.xml><?xml version="1.0" encoding="utf-8"?>
+<p:sldLayout xmlns:a="http://schemas.openxmlformats.org/drawingml/2006/main" xmlns:p="http://schemas.openxmlformats.org/presentationml/2006/main" xmlns:r="http://schemas.openxmlformats.org/officeDocument/2006/relationships" type="twoObj" preserve="1">
+  <p:cSld name="Title, 2 Content">
+    <p:spTree>
+      <p:nvGrpSpPr>
+        <p:cNvPr id="1" name=""/>
+        <p:cNvGrpSpPr/>
+        <p:nvPr/>
+      </p:nvGrpSpPr>
+      <p:grpSpPr>
+        <a:xfrm>
+          <a:off x="0" y="0"/>
+          <a:ext cx="0" cy="0"/>
+          <a:chOff x="0" y="0"/>
+          <a:chExt cx="0" cy="0"/>
+        </a:xfrm>
+      </p:grpSpPr>
+      <p:sp>
+        <p:nvSpPr>
+          <p:cNvPr id="42" name="PlaceHolder 1"/>
+          <p:cNvSpPr>
+            <a:spLocks noGrp="1"/>
+          </p:cNvSpPr>
+          <p:nvPr>
+            <p:ph type="title"/>
+          </p:nvPr>
+        </p:nvSpPr>
+        <p:spPr>
+          <a:xfrm>
+            <a:off x="504000" y="301320"/>
+            <a:ext cx="9072000" cy="1261800"/>
+          </a:xfrm>
+          <a:prstGeom prst="rect">
+            <a:avLst/>
+          </a:prstGeom>
+        </p:spPr>
+        <p:txBody>
+          <a:bodyPr lIns="0" rIns="0" tIns="0" bIns="0" anchor="ctr"/>
+          <a:p>
+            <a:pPr algn="ctr"/>
+            <a:endParaRPr/>
+          </a:p>
+        </p:txBody>
+      </p:sp>
+      <p:sp>
+        <p:nvSpPr>
+          <p:cNvPr id="43" name="PlaceHolder 2"/>
+          <p:cNvSpPr>
+            <a:spLocks noGrp="1"/>
+          </p:cNvSpPr>
+          <p:nvPr>
+            <p:ph type="body"/>
+          </p:nvPr>
+        </p:nvSpPr>
+        <p:spPr>
+          <a:xfrm>
+            <a:off x="504000" y="1768680"/>
+            <a:ext cx="4426920" cy="4384080"/>
+          </a:xfrm>
+          <a:prstGeom prst="rect">
+            <a:avLst/>
+          </a:prstGeom>
+        </p:spPr>
+        <p:txBody>
+          <a:bodyPr lIns="0" rIns="0" tIns="0" bIns="0"/>
+          <a:p>
+            <a:endParaRPr/>
+          </a:p>
+        </p:txBody>
+      </p:sp>
+      <p:sp>
+        <p:nvSpPr>
+          <p:cNvPr id="44" name="PlaceHolder 3"/>
+          <p:cNvSpPr>
+            <a:spLocks noGrp="1"/>
+          </p:cNvSpPr>
+          <p:nvPr>
+            <p:ph type="body"/>
+          </p:nvPr>
+        </p:nvSpPr>
+        <p:spPr>
+          <a:xfrm>
+            <a:off x="5152680" y="1768680"/>
+            <a:ext cx="4426920" cy="4384080"/>
+          </a:xfrm>
+          <a:prstGeom prst="rect">
+            <a:avLst/>
+          </a:prstGeom>
+        </p:spPr>
+        <p:txBody>
+          <a:bodyPr lIns="0" rIns="0" tIns="0" bIns="0"/>
+          <a:p>
+            <a:endParaRPr/>
+          </a:p>
+        </p:txBody>
+      </p:sp>
+    </p:spTree>
+  </p:cSld>
+</p:sldLayout>
+</file>
+
+<file path=ppt/slideLayouts/slideLayout17.xml><?xml version="1.0" encoding="utf-8"?>
+<p:sldLayout xmlns:a="http://schemas.openxmlformats.org/drawingml/2006/main" xmlns:p="http://schemas.openxmlformats.org/presentationml/2006/main" xmlns:r="http://schemas.openxmlformats.org/officeDocument/2006/relationships" type="titleOnly" preserve="1">
+  <p:cSld name="Title Only">
+    <p:spTree>
+      <p:nvGrpSpPr>
+        <p:cNvPr id="1" name=""/>
+        <p:cNvGrpSpPr/>
+        <p:nvPr/>
+      </p:nvGrpSpPr>
+      <p:grpSpPr>
+        <a:xfrm>
+          <a:off x="0" y="0"/>
+          <a:ext cx="0" cy="0"/>
+          <a:chOff x="0" y="0"/>
+          <a:chExt cx="0" cy="0"/>
+        </a:xfrm>
+      </p:grpSpPr>
+      <p:sp>
+        <p:nvSpPr>
+          <p:cNvPr id="45" name="PlaceHolder 1"/>
+          <p:cNvSpPr>
+            <a:spLocks noGrp="1"/>
+          </p:cNvSpPr>
+          <p:nvPr>
+            <p:ph type="title"/>
+          </p:nvPr>
+        </p:nvSpPr>
+        <p:spPr>
+          <a:xfrm>
+            <a:off x="504000" y="301320"/>
+            <a:ext cx="9072000" cy="1261800"/>
+          </a:xfrm>
+          <a:prstGeom prst="rect">
+            <a:avLst/>
+          </a:prstGeom>
+        </p:spPr>
+        <p:txBody>
+          <a:bodyPr lIns="0" rIns="0" tIns="0" bIns="0" anchor="ctr"/>
+          <a:p>
+            <a:pPr algn="ctr"/>
+            <a:endParaRPr/>
+          </a:p>
+        </p:txBody>
+      </p:sp>
+    </p:spTree>
+  </p:cSld>
+</p:sldLayout>
+</file>
+
+<file path=ppt/slideLayouts/slideLayout18.xml><?xml version="1.0" encoding="utf-8"?>
+<p:sldLayout xmlns:a="http://schemas.openxmlformats.org/drawingml/2006/main" xmlns:p="http://schemas.openxmlformats.org/presentationml/2006/main" xmlns:r="http://schemas.openxmlformats.org/officeDocument/2006/relationships" type="objOnly" preserve="1">
+  <p:cSld name="Centered Text">
+    <p:spTree>
+      <p:nvGrpSpPr>
+        <p:cNvPr id="1" name=""/>
+        <p:cNvGrpSpPr/>
+        <p:nvPr/>
+      </p:nvGrpSpPr>
+      <p:grpSpPr>
+        <a:xfrm>
+          <a:off x="0" y="0"/>
+          <a:ext cx="0" cy="0"/>
+          <a:chOff x="0" y="0"/>
+          <a:chExt cx="0" cy="0"/>
+        </a:xfrm>
+      </p:grpSpPr>
+      <p:sp>
+        <p:nvSpPr>
+          <p:cNvPr id="46" name="PlaceHolder 1"/>
+          <p:cNvSpPr>
+            <a:spLocks noGrp="1"/>
+          </p:cNvSpPr>
+          <p:nvPr>
+            <p:ph type="subTitle"/>
+          </p:nvPr>
+        </p:nvSpPr>
+        <p:spPr>
+          <a:xfrm>
+            <a:off x="504000" y="301320"/>
+            <a:ext cx="9072000" cy="5850360"/>
+          </a:xfrm>
+          <a:prstGeom prst="rect">
+            <a:avLst/>
+          </a:prstGeom>
+        </p:spPr>
+        <p:txBody>
+          <a:bodyPr lIns="0" rIns="0" tIns="0" bIns="0" anchor="ctr"/>
+          <a:p>
+            <a:pPr algn="ctr"/>
+            <a:endParaRPr/>
+          </a:p>
+        </p:txBody>
+      </p:sp>
+    </p:spTree>
+  </p:cSld>
+</p:sldLayout>
+</file>
+
+<file path=ppt/slideLayouts/slideLayout19.xml><?xml version="1.0" encoding="utf-8"?>
+<p:sldLayout xmlns:a="http://schemas.openxmlformats.org/drawingml/2006/main" xmlns:p="http://schemas.openxmlformats.org/presentationml/2006/main" xmlns:r="http://schemas.openxmlformats.org/officeDocument/2006/relationships" type="twoObjAndObj" preserve="1">
+  <p:cSld name="Title, 2 Content and Content">
+    <p:spTree>
+      <p:nvGrpSpPr>
+        <p:cNvPr id="1" name=""/>
+        <p:cNvGrpSpPr/>
+        <p:nvPr/>
+      </p:nvGrpSpPr>
+      <p:grpSpPr>
+        <a:xfrm>
+          <a:off x="0" y="0"/>
+          <a:ext cx="0" cy="0"/>
+          <a:chOff x="0" y="0"/>
+          <a:chExt cx="0" cy="0"/>
+        </a:xfrm>
+      </p:grpSpPr>
+      <p:sp>
+        <p:nvSpPr>
+          <p:cNvPr id="47" name="PlaceHolder 1"/>
+          <p:cNvSpPr>
+            <a:spLocks noGrp="1"/>
+          </p:cNvSpPr>
+          <p:nvPr>
+            <p:ph type="title"/>
+          </p:nvPr>
+        </p:nvSpPr>
+        <p:spPr>
+          <a:xfrm>
+            <a:off x="504000" y="301320"/>
+            <a:ext cx="9072000" cy="1261800"/>
+          </a:xfrm>
+          <a:prstGeom prst="rect">
+            <a:avLst/>
+          </a:prstGeom>
+        </p:spPr>
+        <p:txBody>
+          <a:bodyPr lIns="0" rIns="0" tIns="0" bIns="0" anchor="ctr"/>
+          <a:p>
+            <a:pPr algn="ctr"/>
+            <a:endParaRPr/>
+          </a:p>
+        </p:txBody>
+      </p:sp>
+      <p:sp>
+        <p:nvSpPr>
+          <p:cNvPr id="48" name="PlaceHolder 2"/>
+          <p:cNvSpPr>
+            <a:spLocks noGrp="1"/>
+          </p:cNvSpPr>
+          <p:nvPr>
+            <p:ph type="body"/>
+          </p:nvPr>
+        </p:nvSpPr>
+        <p:spPr>
+          <a:xfrm>
+            <a:off x="504000" y="1768680"/>
+            <a:ext cx="4426920" cy="2090880"/>
+          </a:xfrm>
+          <a:prstGeom prst="rect">
+            <a:avLst/>
+          </a:prstGeom>
+        </p:spPr>
+        <p:txBody>
+          <a:bodyPr lIns="0" rIns="0" tIns="0" bIns="0"/>
+          <a:p>
+            <a:endParaRPr/>
+          </a:p>
+        </p:txBody>
+      </p:sp>
+      <p:sp>
+        <p:nvSpPr>
+          <p:cNvPr id="49" name="PlaceHolder 3"/>
+          <p:cNvSpPr>
+            <a:spLocks noGrp="1"/>
+          </p:cNvSpPr>
+          <p:nvPr>
+            <p:ph type="body"/>
+          </p:nvPr>
+        </p:nvSpPr>
+        <p:spPr>
+          <a:xfrm>
+            <a:off x="504000" y="4058640"/>
+            <a:ext cx="4426920" cy="2090880"/>
+          </a:xfrm>
+          <a:prstGeom prst="rect">
+            <a:avLst/>
+          </a:prstGeom>
+        </p:spPr>
+        <p:txBody>
+          <a:bodyPr lIns="0" rIns="0" tIns="0" bIns="0"/>
+          <a:p>
+            <a:endParaRPr/>
+          </a:p>
+        </p:txBody>
+      </p:sp>
+      <p:sp>
+        <p:nvSpPr>
+          <p:cNvPr id="50" name="PlaceHolder 4"/>
+          <p:cNvSpPr>
+            <a:spLocks noGrp="1"/>
+          </p:cNvSpPr>
+          <p:nvPr>
+            <p:ph type="body"/>
+          </p:nvPr>
+        </p:nvSpPr>
+        <p:spPr>
+          <a:xfrm>
+            <a:off x="5152680" y="1768680"/>
+            <a:ext cx="4426920" cy="4384080"/>
+          </a:xfrm>
+          <a:prstGeom prst="rect">
+            <a:avLst/>
+          </a:prstGeom>
+        </p:spPr>
+        <p:txBody>
+          <a:bodyPr lIns="0" rIns="0" tIns="0" bIns="0"/>
+          <a:p>
+            <a:endParaRPr/>
+          </a:p>
+        </p:txBody>
+      </p:sp>
     </p:spTree>
   </p:cSld>
 </p:sldLayout>
@@ -478,7 +980,7 @@
       </p:grpSpPr>
       <p:sp>
         <p:nvSpPr>
-          <p:cNvPr id="5" name="PlaceHolder 1"/>
+          <p:cNvPr id="2" name="PlaceHolder 1"/>
           <p:cNvSpPr>
             <a:spLocks noGrp="1"/>
           </p:cNvSpPr>
@@ -489,7 +991,7 @@
         <p:spPr>
           <a:xfrm>
             <a:off x="504000" y="301320"/>
-            <a:ext cx="9071640" cy="1262160"/>
+            <a:ext cx="9072000" cy="1261800"/>
           </a:xfrm>
           <a:prstGeom prst="rect">
             <a:avLst/>
@@ -505,7 +1007,7 @@
       </p:sp>
       <p:sp>
         <p:nvSpPr>
-          <p:cNvPr id="6" name="PlaceHolder 2"/>
+          <p:cNvPr id="3" name="PlaceHolder 2"/>
           <p:cNvSpPr>
             <a:spLocks noGrp="1"/>
           </p:cNvSpPr>
@@ -515,8 +1017,986 @@
         </p:nvSpPr>
         <p:spPr>
           <a:xfrm>
-            <a:off x="504000" y="1769040"/>
-            <a:ext cx="9071640" cy="4384440"/>
+            <a:off x="504000" y="1768680"/>
+            <a:ext cx="9072000" cy="4384080"/>
+          </a:xfrm>
+          <a:prstGeom prst="rect">
+            <a:avLst/>
+          </a:prstGeom>
+        </p:spPr>
+        <p:txBody>
+          <a:bodyPr lIns="0" rIns="0" tIns="0" bIns="0" anchor="ctr"/>
+          <a:p>
+            <a:pPr algn="ctr"/>
+            <a:endParaRPr/>
+          </a:p>
+        </p:txBody>
+      </p:sp>
+    </p:spTree>
+  </p:cSld>
+</p:sldLayout>
+</file>
+
+<file path=ppt/slideLayouts/slideLayout20.xml><?xml version="1.0" encoding="utf-8"?>
+<p:sldLayout xmlns:a="http://schemas.openxmlformats.org/drawingml/2006/main" xmlns:p="http://schemas.openxmlformats.org/presentationml/2006/main" xmlns:r="http://schemas.openxmlformats.org/officeDocument/2006/relationships" type="objAndTwoObj" preserve="1">
+  <p:cSld name="Title Content and 2 Content">
+    <p:spTree>
+      <p:nvGrpSpPr>
+        <p:cNvPr id="1" name=""/>
+        <p:cNvGrpSpPr/>
+        <p:nvPr/>
+      </p:nvGrpSpPr>
+      <p:grpSpPr>
+        <a:xfrm>
+          <a:off x="0" y="0"/>
+          <a:ext cx="0" cy="0"/>
+          <a:chOff x="0" y="0"/>
+          <a:chExt cx="0" cy="0"/>
+        </a:xfrm>
+      </p:grpSpPr>
+      <p:sp>
+        <p:nvSpPr>
+          <p:cNvPr id="51" name="PlaceHolder 1"/>
+          <p:cNvSpPr>
+            <a:spLocks noGrp="1"/>
+          </p:cNvSpPr>
+          <p:nvPr>
+            <p:ph type="title"/>
+          </p:nvPr>
+        </p:nvSpPr>
+        <p:spPr>
+          <a:xfrm>
+            <a:off x="504000" y="301320"/>
+            <a:ext cx="9072000" cy="1261800"/>
+          </a:xfrm>
+          <a:prstGeom prst="rect">
+            <a:avLst/>
+          </a:prstGeom>
+        </p:spPr>
+        <p:txBody>
+          <a:bodyPr lIns="0" rIns="0" tIns="0" bIns="0" anchor="ctr"/>
+          <a:p>
+            <a:pPr algn="ctr"/>
+            <a:endParaRPr/>
+          </a:p>
+        </p:txBody>
+      </p:sp>
+      <p:sp>
+        <p:nvSpPr>
+          <p:cNvPr id="52" name="PlaceHolder 2"/>
+          <p:cNvSpPr>
+            <a:spLocks noGrp="1"/>
+          </p:cNvSpPr>
+          <p:nvPr>
+            <p:ph type="body"/>
+          </p:nvPr>
+        </p:nvSpPr>
+        <p:spPr>
+          <a:xfrm>
+            <a:off x="504000" y="1768680"/>
+            <a:ext cx="4426920" cy="4384080"/>
+          </a:xfrm>
+          <a:prstGeom prst="rect">
+            <a:avLst/>
+          </a:prstGeom>
+        </p:spPr>
+        <p:txBody>
+          <a:bodyPr lIns="0" rIns="0" tIns="0" bIns="0"/>
+          <a:p>
+            <a:endParaRPr/>
+          </a:p>
+        </p:txBody>
+      </p:sp>
+      <p:sp>
+        <p:nvSpPr>
+          <p:cNvPr id="53" name="PlaceHolder 3"/>
+          <p:cNvSpPr>
+            <a:spLocks noGrp="1"/>
+          </p:cNvSpPr>
+          <p:nvPr>
+            <p:ph type="body"/>
+          </p:nvPr>
+        </p:nvSpPr>
+        <p:spPr>
+          <a:xfrm>
+            <a:off x="5152680" y="1768680"/>
+            <a:ext cx="4426920" cy="2090880"/>
+          </a:xfrm>
+          <a:prstGeom prst="rect">
+            <a:avLst/>
+          </a:prstGeom>
+        </p:spPr>
+        <p:txBody>
+          <a:bodyPr lIns="0" rIns="0" tIns="0" bIns="0"/>
+          <a:p>
+            <a:endParaRPr/>
+          </a:p>
+        </p:txBody>
+      </p:sp>
+      <p:sp>
+        <p:nvSpPr>
+          <p:cNvPr id="54" name="PlaceHolder 4"/>
+          <p:cNvSpPr>
+            <a:spLocks noGrp="1"/>
+          </p:cNvSpPr>
+          <p:nvPr>
+            <p:ph type="body"/>
+          </p:nvPr>
+        </p:nvSpPr>
+        <p:spPr>
+          <a:xfrm>
+            <a:off x="5152680" y="4058640"/>
+            <a:ext cx="4426920" cy="2090880"/>
+          </a:xfrm>
+          <a:prstGeom prst="rect">
+            <a:avLst/>
+          </a:prstGeom>
+        </p:spPr>
+        <p:txBody>
+          <a:bodyPr lIns="0" rIns="0" tIns="0" bIns="0"/>
+          <a:p>
+            <a:endParaRPr/>
+          </a:p>
+        </p:txBody>
+      </p:sp>
+    </p:spTree>
+  </p:cSld>
+</p:sldLayout>
+</file>
+
+<file path=ppt/slideLayouts/slideLayout21.xml><?xml version="1.0" encoding="utf-8"?>
+<p:sldLayout xmlns:a="http://schemas.openxmlformats.org/drawingml/2006/main" xmlns:p="http://schemas.openxmlformats.org/presentationml/2006/main" xmlns:r="http://schemas.openxmlformats.org/officeDocument/2006/relationships" type="twoObjOverTx" preserve="1">
+  <p:cSld name="Title, 2 Content over Content">
+    <p:spTree>
+      <p:nvGrpSpPr>
+        <p:cNvPr id="1" name=""/>
+        <p:cNvGrpSpPr/>
+        <p:nvPr/>
+      </p:nvGrpSpPr>
+      <p:grpSpPr>
+        <a:xfrm>
+          <a:off x="0" y="0"/>
+          <a:ext cx="0" cy="0"/>
+          <a:chOff x="0" y="0"/>
+          <a:chExt cx="0" cy="0"/>
+        </a:xfrm>
+      </p:grpSpPr>
+      <p:sp>
+        <p:nvSpPr>
+          <p:cNvPr id="55" name="PlaceHolder 1"/>
+          <p:cNvSpPr>
+            <a:spLocks noGrp="1"/>
+          </p:cNvSpPr>
+          <p:nvPr>
+            <p:ph type="title"/>
+          </p:nvPr>
+        </p:nvSpPr>
+        <p:spPr>
+          <a:xfrm>
+            <a:off x="504000" y="301320"/>
+            <a:ext cx="9072000" cy="1261800"/>
+          </a:xfrm>
+          <a:prstGeom prst="rect">
+            <a:avLst/>
+          </a:prstGeom>
+        </p:spPr>
+        <p:txBody>
+          <a:bodyPr lIns="0" rIns="0" tIns="0" bIns="0" anchor="ctr"/>
+          <a:p>
+            <a:pPr algn="ctr"/>
+            <a:endParaRPr/>
+          </a:p>
+        </p:txBody>
+      </p:sp>
+      <p:sp>
+        <p:nvSpPr>
+          <p:cNvPr id="56" name="PlaceHolder 2"/>
+          <p:cNvSpPr>
+            <a:spLocks noGrp="1"/>
+          </p:cNvSpPr>
+          <p:nvPr>
+            <p:ph type="body"/>
+          </p:nvPr>
+        </p:nvSpPr>
+        <p:spPr>
+          <a:xfrm>
+            <a:off x="504000" y="1768680"/>
+            <a:ext cx="4426920" cy="2090880"/>
+          </a:xfrm>
+          <a:prstGeom prst="rect">
+            <a:avLst/>
+          </a:prstGeom>
+        </p:spPr>
+        <p:txBody>
+          <a:bodyPr lIns="0" rIns="0" tIns="0" bIns="0"/>
+          <a:p>
+            <a:endParaRPr/>
+          </a:p>
+        </p:txBody>
+      </p:sp>
+      <p:sp>
+        <p:nvSpPr>
+          <p:cNvPr id="57" name="PlaceHolder 3"/>
+          <p:cNvSpPr>
+            <a:spLocks noGrp="1"/>
+          </p:cNvSpPr>
+          <p:nvPr>
+            <p:ph type="body"/>
+          </p:nvPr>
+        </p:nvSpPr>
+        <p:spPr>
+          <a:xfrm>
+            <a:off x="5152680" y="1768680"/>
+            <a:ext cx="4426920" cy="2090880"/>
+          </a:xfrm>
+          <a:prstGeom prst="rect">
+            <a:avLst/>
+          </a:prstGeom>
+        </p:spPr>
+        <p:txBody>
+          <a:bodyPr lIns="0" rIns="0" tIns="0" bIns="0"/>
+          <a:p>
+            <a:endParaRPr/>
+          </a:p>
+        </p:txBody>
+      </p:sp>
+      <p:sp>
+        <p:nvSpPr>
+          <p:cNvPr id="58" name="PlaceHolder 4"/>
+          <p:cNvSpPr>
+            <a:spLocks noGrp="1"/>
+          </p:cNvSpPr>
+          <p:nvPr>
+            <p:ph type="body"/>
+          </p:nvPr>
+        </p:nvSpPr>
+        <p:spPr>
+          <a:xfrm>
+            <a:off x="504000" y="4058640"/>
+            <a:ext cx="9072000" cy="2090880"/>
+          </a:xfrm>
+          <a:prstGeom prst="rect">
+            <a:avLst/>
+          </a:prstGeom>
+        </p:spPr>
+        <p:txBody>
+          <a:bodyPr lIns="0" rIns="0" tIns="0" bIns="0"/>
+          <a:p>
+            <a:endParaRPr/>
+          </a:p>
+        </p:txBody>
+      </p:sp>
+    </p:spTree>
+  </p:cSld>
+</p:sldLayout>
+</file>
+
+<file path=ppt/slideLayouts/slideLayout22.xml><?xml version="1.0" encoding="utf-8"?>
+<p:sldLayout xmlns:a="http://schemas.openxmlformats.org/drawingml/2006/main" xmlns:p="http://schemas.openxmlformats.org/presentationml/2006/main" xmlns:r="http://schemas.openxmlformats.org/officeDocument/2006/relationships" type="objOverTx" preserve="1">
+  <p:cSld name="Title, Content over Content">
+    <p:spTree>
+      <p:nvGrpSpPr>
+        <p:cNvPr id="1" name=""/>
+        <p:cNvGrpSpPr/>
+        <p:nvPr/>
+      </p:nvGrpSpPr>
+      <p:grpSpPr>
+        <a:xfrm>
+          <a:off x="0" y="0"/>
+          <a:ext cx="0" cy="0"/>
+          <a:chOff x="0" y="0"/>
+          <a:chExt cx="0" cy="0"/>
+        </a:xfrm>
+      </p:grpSpPr>
+      <p:sp>
+        <p:nvSpPr>
+          <p:cNvPr id="59" name="PlaceHolder 1"/>
+          <p:cNvSpPr>
+            <a:spLocks noGrp="1"/>
+          </p:cNvSpPr>
+          <p:nvPr>
+            <p:ph type="title"/>
+          </p:nvPr>
+        </p:nvSpPr>
+        <p:spPr>
+          <a:xfrm>
+            <a:off x="504000" y="301320"/>
+            <a:ext cx="9072000" cy="1261800"/>
+          </a:xfrm>
+          <a:prstGeom prst="rect">
+            <a:avLst/>
+          </a:prstGeom>
+        </p:spPr>
+        <p:txBody>
+          <a:bodyPr lIns="0" rIns="0" tIns="0" bIns="0" anchor="ctr"/>
+          <a:p>
+            <a:pPr algn="ctr"/>
+            <a:endParaRPr/>
+          </a:p>
+        </p:txBody>
+      </p:sp>
+      <p:sp>
+        <p:nvSpPr>
+          <p:cNvPr id="60" name="PlaceHolder 2"/>
+          <p:cNvSpPr>
+            <a:spLocks noGrp="1"/>
+          </p:cNvSpPr>
+          <p:nvPr>
+            <p:ph type="body"/>
+          </p:nvPr>
+        </p:nvSpPr>
+        <p:spPr>
+          <a:xfrm>
+            <a:off x="504000" y="1768680"/>
+            <a:ext cx="9072000" cy="2090880"/>
+          </a:xfrm>
+          <a:prstGeom prst="rect">
+            <a:avLst/>
+          </a:prstGeom>
+        </p:spPr>
+        <p:txBody>
+          <a:bodyPr lIns="0" rIns="0" tIns="0" bIns="0"/>
+          <a:p>
+            <a:endParaRPr/>
+          </a:p>
+        </p:txBody>
+      </p:sp>
+      <p:sp>
+        <p:nvSpPr>
+          <p:cNvPr id="61" name="PlaceHolder 3"/>
+          <p:cNvSpPr>
+            <a:spLocks noGrp="1"/>
+          </p:cNvSpPr>
+          <p:nvPr>
+            <p:ph type="body"/>
+          </p:nvPr>
+        </p:nvSpPr>
+        <p:spPr>
+          <a:xfrm>
+            <a:off x="504000" y="4058640"/>
+            <a:ext cx="9072000" cy="2090880"/>
+          </a:xfrm>
+          <a:prstGeom prst="rect">
+            <a:avLst/>
+          </a:prstGeom>
+        </p:spPr>
+        <p:txBody>
+          <a:bodyPr lIns="0" rIns="0" tIns="0" bIns="0"/>
+          <a:p>
+            <a:endParaRPr/>
+          </a:p>
+        </p:txBody>
+      </p:sp>
+    </p:spTree>
+  </p:cSld>
+</p:sldLayout>
+</file>
+
+<file path=ppt/slideLayouts/slideLayout23.xml><?xml version="1.0" encoding="utf-8"?>
+<p:sldLayout xmlns:a="http://schemas.openxmlformats.org/drawingml/2006/main" xmlns:p="http://schemas.openxmlformats.org/presentationml/2006/main" xmlns:r="http://schemas.openxmlformats.org/officeDocument/2006/relationships" type="fourObj" preserve="1">
+  <p:cSld name="Title, 4 Content">
+    <p:spTree>
+      <p:nvGrpSpPr>
+        <p:cNvPr id="1" name=""/>
+        <p:cNvGrpSpPr/>
+        <p:nvPr/>
+      </p:nvGrpSpPr>
+      <p:grpSpPr>
+        <a:xfrm>
+          <a:off x="0" y="0"/>
+          <a:ext cx="0" cy="0"/>
+          <a:chOff x="0" y="0"/>
+          <a:chExt cx="0" cy="0"/>
+        </a:xfrm>
+      </p:grpSpPr>
+      <p:sp>
+        <p:nvSpPr>
+          <p:cNvPr id="62" name="PlaceHolder 1"/>
+          <p:cNvSpPr>
+            <a:spLocks noGrp="1"/>
+          </p:cNvSpPr>
+          <p:nvPr>
+            <p:ph type="title"/>
+          </p:nvPr>
+        </p:nvSpPr>
+        <p:spPr>
+          <a:xfrm>
+            <a:off x="504000" y="301320"/>
+            <a:ext cx="9072000" cy="1261800"/>
+          </a:xfrm>
+          <a:prstGeom prst="rect">
+            <a:avLst/>
+          </a:prstGeom>
+        </p:spPr>
+        <p:txBody>
+          <a:bodyPr lIns="0" rIns="0" tIns="0" bIns="0" anchor="ctr"/>
+          <a:p>
+            <a:pPr algn="ctr"/>
+            <a:endParaRPr/>
+          </a:p>
+        </p:txBody>
+      </p:sp>
+      <p:sp>
+        <p:nvSpPr>
+          <p:cNvPr id="63" name="PlaceHolder 2"/>
+          <p:cNvSpPr>
+            <a:spLocks noGrp="1"/>
+          </p:cNvSpPr>
+          <p:nvPr>
+            <p:ph type="body"/>
+          </p:nvPr>
+        </p:nvSpPr>
+        <p:spPr>
+          <a:xfrm>
+            <a:off x="504000" y="1768680"/>
+            <a:ext cx="4426920" cy="2090880"/>
+          </a:xfrm>
+          <a:prstGeom prst="rect">
+            <a:avLst/>
+          </a:prstGeom>
+        </p:spPr>
+        <p:txBody>
+          <a:bodyPr lIns="0" rIns="0" tIns="0" bIns="0"/>
+          <a:p>
+            <a:endParaRPr/>
+          </a:p>
+        </p:txBody>
+      </p:sp>
+      <p:sp>
+        <p:nvSpPr>
+          <p:cNvPr id="64" name="PlaceHolder 3"/>
+          <p:cNvSpPr>
+            <a:spLocks noGrp="1"/>
+          </p:cNvSpPr>
+          <p:nvPr>
+            <p:ph type="body"/>
+          </p:nvPr>
+        </p:nvSpPr>
+        <p:spPr>
+          <a:xfrm>
+            <a:off x="5152680" y="1768680"/>
+            <a:ext cx="4426920" cy="2090880"/>
+          </a:xfrm>
+          <a:prstGeom prst="rect">
+            <a:avLst/>
+          </a:prstGeom>
+        </p:spPr>
+        <p:txBody>
+          <a:bodyPr lIns="0" rIns="0" tIns="0" bIns="0"/>
+          <a:p>
+            <a:endParaRPr/>
+          </a:p>
+        </p:txBody>
+      </p:sp>
+      <p:sp>
+        <p:nvSpPr>
+          <p:cNvPr id="65" name="PlaceHolder 4"/>
+          <p:cNvSpPr>
+            <a:spLocks noGrp="1"/>
+          </p:cNvSpPr>
+          <p:nvPr>
+            <p:ph type="body"/>
+          </p:nvPr>
+        </p:nvSpPr>
+        <p:spPr>
+          <a:xfrm>
+            <a:off x="5152680" y="4058640"/>
+            <a:ext cx="4426920" cy="2090880"/>
+          </a:xfrm>
+          <a:prstGeom prst="rect">
+            <a:avLst/>
+          </a:prstGeom>
+        </p:spPr>
+        <p:txBody>
+          <a:bodyPr lIns="0" rIns="0" tIns="0" bIns="0"/>
+          <a:p>
+            <a:endParaRPr/>
+          </a:p>
+        </p:txBody>
+      </p:sp>
+      <p:sp>
+        <p:nvSpPr>
+          <p:cNvPr id="66" name="PlaceHolder 5"/>
+          <p:cNvSpPr>
+            <a:spLocks noGrp="1"/>
+          </p:cNvSpPr>
+          <p:nvPr>
+            <p:ph type="body"/>
+          </p:nvPr>
+        </p:nvSpPr>
+        <p:spPr>
+          <a:xfrm>
+            <a:off x="504000" y="4058640"/>
+            <a:ext cx="4426920" cy="2090880"/>
+          </a:xfrm>
+          <a:prstGeom prst="rect">
+            <a:avLst/>
+          </a:prstGeom>
+        </p:spPr>
+        <p:txBody>
+          <a:bodyPr lIns="0" rIns="0" tIns="0" bIns="0"/>
+          <a:p>
+            <a:endParaRPr/>
+          </a:p>
+        </p:txBody>
+      </p:sp>
+    </p:spTree>
+  </p:cSld>
+</p:sldLayout>
+</file>
+
+<file path=ppt/slideLayouts/slideLayout24.xml><?xml version="1.0" encoding="utf-8"?>
+<p:sldLayout xmlns:a="http://schemas.openxmlformats.org/drawingml/2006/main" xmlns:p="http://schemas.openxmlformats.org/presentationml/2006/main" xmlns:r="http://schemas.openxmlformats.org/officeDocument/2006/relationships" type="blank" preserve="1">
+  <p:cSld name="Title, 6 Content">
+    <p:spTree>
+      <p:nvGrpSpPr>
+        <p:cNvPr id="1" name=""/>
+        <p:cNvGrpSpPr/>
+        <p:nvPr/>
+      </p:nvGrpSpPr>
+      <p:grpSpPr>
+        <a:xfrm>
+          <a:off x="0" y="0"/>
+          <a:ext cx="0" cy="0"/>
+          <a:chOff x="0" y="0"/>
+          <a:chExt cx="0" cy="0"/>
+        </a:xfrm>
+      </p:grpSpPr>
+      <p:sp>
+        <p:nvSpPr>
+          <p:cNvPr id="67" name="PlaceHolder 1"/>
+          <p:cNvSpPr>
+            <a:spLocks noGrp="1"/>
+          </p:cNvSpPr>
+          <p:nvPr>
+            <p:ph type="title"/>
+          </p:nvPr>
+        </p:nvSpPr>
+        <p:spPr>
+          <a:xfrm>
+            <a:off x="504000" y="301320"/>
+            <a:ext cx="9072000" cy="1261800"/>
+          </a:xfrm>
+          <a:prstGeom prst="rect">
+            <a:avLst/>
+          </a:prstGeom>
+        </p:spPr>
+        <p:txBody>
+          <a:bodyPr lIns="0" rIns="0" tIns="0" bIns="0" anchor="ctr"/>
+          <a:p>
+            <a:pPr algn="ctr"/>
+            <a:endParaRPr/>
+          </a:p>
+        </p:txBody>
+      </p:sp>
+      <p:sp>
+        <p:nvSpPr>
+          <p:cNvPr id="68" name="PlaceHolder 2"/>
+          <p:cNvSpPr>
+            <a:spLocks noGrp="1"/>
+          </p:cNvSpPr>
+          <p:nvPr>
+            <p:ph type="body"/>
+          </p:nvPr>
+        </p:nvSpPr>
+        <p:spPr>
+          <a:xfrm>
+            <a:off x="504000" y="1768680"/>
+            <a:ext cx="9072000" cy="4384080"/>
+          </a:xfrm>
+          <a:prstGeom prst="rect">
+            <a:avLst/>
+          </a:prstGeom>
+        </p:spPr>
+        <p:txBody>
+          <a:bodyPr lIns="0" rIns="0" tIns="0" bIns="0"/>
+          <a:p>
+            <a:endParaRPr/>
+          </a:p>
+        </p:txBody>
+      </p:sp>
+      <p:sp>
+        <p:nvSpPr>
+          <p:cNvPr id="69" name="PlaceHolder 3"/>
+          <p:cNvSpPr>
+            <a:spLocks noGrp="1"/>
+          </p:cNvSpPr>
+          <p:nvPr>
+            <p:ph type="body"/>
+          </p:nvPr>
+        </p:nvSpPr>
+        <p:spPr>
+          <a:xfrm>
+            <a:off x="504000" y="1768680"/>
+            <a:ext cx="9072000" cy="4384080"/>
+          </a:xfrm>
+          <a:prstGeom prst="rect">
+            <a:avLst/>
+          </a:prstGeom>
+        </p:spPr>
+        <p:txBody>
+          <a:bodyPr lIns="0" rIns="0" tIns="0" bIns="0"/>
+          <a:p>
+            <a:endParaRPr/>
+          </a:p>
+        </p:txBody>
+      </p:sp>
+      <p:pic>
+        <p:nvPicPr>
+          <p:cNvPr id="70" name="" descr=""/>
+          <p:cNvPicPr/>
+          <p:nvPr/>
+        </p:nvPicPr>
+        <p:blipFill>
+          <a:blip r:embed="rId2"/>
+          <a:stretch/>
+        </p:blipFill>
+        <p:spPr>
+          <a:xfrm>
+            <a:off x="2292480" y="1768680"/>
+            <a:ext cx="5494680" cy="4384080"/>
+          </a:xfrm>
+          <a:prstGeom prst="rect">
+            <a:avLst/>
+          </a:prstGeom>
+          <a:ln>
+            <a:noFill/>
+          </a:ln>
+        </p:spPr>
+      </p:pic>
+      <p:pic>
+        <p:nvPicPr>
+          <p:cNvPr id="71" name="" descr=""/>
+          <p:cNvPicPr/>
+          <p:nvPr/>
+        </p:nvPicPr>
+        <p:blipFill>
+          <a:blip r:embed="rId3"/>
+          <a:stretch/>
+        </p:blipFill>
+        <p:spPr>
+          <a:xfrm>
+            <a:off x="2292480" y="1768680"/>
+            <a:ext cx="5494680" cy="4384080"/>
+          </a:xfrm>
+          <a:prstGeom prst="rect">
+            <a:avLst/>
+          </a:prstGeom>
+          <a:ln>
+            <a:noFill/>
+          </a:ln>
+        </p:spPr>
+      </p:pic>
+    </p:spTree>
+  </p:cSld>
+</p:sldLayout>
+</file>
+
+<file path=ppt/slideLayouts/slideLayout25.xml><?xml version="1.0" encoding="utf-8"?>
+<p:sldLayout xmlns:a="http://schemas.openxmlformats.org/drawingml/2006/main" xmlns:p="http://schemas.openxmlformats.org/presentationml/2006/main" xmlns:r="http://schemas.openxmlformats.org/officeDocument/2006/relationships" type="blank" preserve="1">
+  <p:cSld name="Blank Slide">
+    <p:spTree>
+      <p:nvGrpSpPr>
+        <p:cNvPr id="1" name=""/>
+        <p:cNvGrpSpPr/>
+        <p:nvPr/>
+      </p:nvGrpSpPr>
+      <p:grpSpPr>
+        <a:xfrm>
+          <a:off x="0" y="0"/>
+          <a:ext cx="0" cy="0"/>
+          <a:chOff x="0" y="0"/>
+          <a:chExt cx="0" cy="0"/>
+        </a:xfrm>
+      </p:grpSpPr>
+    </p:spTree>
+  </p:cSld>
+</p:sldLayout>
+</file>
+
+<file path=ppt/slideLayouts/slideLayout26.xml><?xml version="1.0" encoding="utf-8"?>
+<p:sldLayout xmlns:a="http://schemas.openxmlformats.org/drawingml/2006/main" xmlns:p="http://schemas.openxmlformats.org/presentationml/2006/main" xmlns:r="http://schemas.openxmlformats.org/officeDocument/2006/relationships" type="tx" preserve="1">
+  <p:cSld name="Title Slide">
+    <p:spTree>
+      <p:nvGrpSpPr>
+        <p:cNvPr id="1" name=""/>
+        <p:cNvGrpSpPr/>
+        <p:nvPr/>
+      </p:nvGrpSpPr>
+      <p:grpSpPr>
+        <a:xfrm>
+          <a:off x="0" y="0"/>
+          <a:ext cx="0" cy="0"/>
+          <a:chOff x="0" y="0"/>
+          <a:chExt cx="0" cy="0"/>
+        </a:xfrm>
+      </p:grpSpPr>
+      <p:sp>
+        <p:nvSpPr>
+          <p:cNvPr id="74" name="PlaceHolder 1"/>
+          <p:cNvSpPr>
+            <a:spLocks noGrp="1"/>
+          </p:cNvSpPr>
+          <p:nvPr>
+            <p:ph type="title"/>
+          </p:nvPr>
+        </p:nvSpPr>
+        <p:spPr>
+          <a:xfrm>
+            <a:off x="504000" y="301320"/>
+            <a:ext cx="9072000" cy="1261800"/>
+          </a:xfrm>
+          <a:prstGeom prst="rect">
+            <a:avLst/>
+          </a:prstGeom>
+        </p:spPr>
+        <p:txBody>
+          <a:bodyPr lIns="0" rIns="0" tIns="0" bIns="0" anchor="ctr"/>
+          <a:p>
+            <a:pPr algn="ctr"/>
+            <a:endParaRPr/>
+          </a:p>
+        </p:txBody>
+      </p:sp>
+      <p:sp>
+        <p:nvSpPr>
+          <p:cNvPr id="75" name="PlaceHolder 2"/>
+          <p:cNvSpPr>
+            <a:spLocks noGrp="1"/>
+          </p:cNvSpPr>
+          <p:nvPr>
+            <p:ph type="subTitle"/>
+          </p:nvPr>
+        </p:nvSpPr>
+        <p:spPr>
+          <a:xfrm>
+            <a:off x="504000" y="1768680"/>
+            <a:ext cx="9072000" cy="4384080"/>
+          </a:xfrm>
+          <a:prstGeom prst="rect">
+            <a:avLst/>
+          </a:prstGeom>
+        </p:spPr>
+        <p:txBody>
+          <a:bodyPr lIns="0" rIns="0" tIns="0" bIns="0" anchor="ctr"/>
+          <a:p>
+            <a:pPr algn="ctr"/>
+            <a:endParaRPr/>
+          </a:p>
+        </p:txBody>
+      </p:sp>
+    </p:spTree>
+  </p:cSld>
+</p:sldLayout>
+</file>
+
+<file path=ppt/slideLayouts/slideLayout27.xml><?xml version="1.0" encoding="utf-8"?>
+<p:sldLayout xmlns:a="http://schemas.openxmlformats.org/drawingml/2006/main" xmlns:p="http://schemas.openxmlformats.org/presentationml/2006/main" xmlns:r="http://schemas.openxmlformats.org/officeDocument/2006/relationships" type="obj" preserve="1">
+  <p:cSld name="Title, Content">
+    <p:spTree>
+      <p:nvGrpSpPr>
+        <p:cNvPr id="1" name=""/>
+        <p:cNvGrpSpPr/>
+        <p:nvPr/>
+      </p:nvGrpSpPr>
+      <p:grpSpPr>
+        <a:xfrm>
+          <a:off x="0" y="0"/>
+          <a:ext cx="0" cy="0"/>
+          <a:chOff x="0" y="0"/>
+          <a:chExt cx="0" cy="0"/>
+        </a:xfrm>
+      </p:grpSpPr>
+      <p:sp>
+        <p:nvSpPr>
+          <p:cNvPr id="76" name="PlaceHolder 1"/>
+          <p:cNvSpPr>
+            <a:spLocks noGrp="1"/>
+          </p:cNvSpPr>
+          <p:nvPr>
+            <p:ph type="title"/>
+          </p:nvPr>
+        </p:nvSpPr>
+        <p:spPr>
+          <a:xfrm>
+            <a:off x="504000" y="301320"/>
+            <a:ext cx="9072000" cy="1261800"/>
+          </a:xfrm>
+          <a:prstGeom prst="rect">
+            <a:avLst/>
+          </a:prstGeom>
+        </p:spPr>
+        <p:txBody>
+          <a:bodyPr lIns="0" rIns="0" tIns="0" bIns="0" anchor="ctr"/>
+          <a:p>
+            <a:pPr algn="ctr"/>
+            <a:endParaRPr/>
+          </a:p>
+        </p:txBody>
+      </p:sp>
+      <p:sp>
+        <p:nvSpPr>
+          <p:cNvPr id="77" name="PlaceHolder 2"/>
+          <p:cNvSpPr>
+            <a:spLocks noGrp="1"/>
+          </p:cNvSpPr>
+          <p:nvPr>
+            <p:ph type="body"/>
+          </p:nvPr>
+        </p:nvSpPr>
+        <p:spPr>
+          <a:xfrm>
+            <a:off x="504000" y="1768680"/>
+            <a:ext cx="9072000" cy="4384080"/>
+          </a:xfrm>
+          <a:prstGeom prst="rect">
+            <a:avLst/>
+          </a:prstGeom>
+        </p:spPr>
+        <p:txBody>
+          <a:bodyPr lIns="0" rIns="0" tIns="0" bIns="0"/>
+          <a:p>
+            <a:endParaRPr/>
+          </a:p>
+        </p:txBody>
+      </p:sp>
+    </p:spTree>
+  </p:cSld>
+</p:sldLayout>
+</file>
+
+<file path=ppt/slideLayouts/slideLayout28.xml><?xml version="1.0" encoding="utf-8"?>
+<p:sldLayout xmlns:a="http://schemas.openxmlformats.org/drawingml/2006/main" xmlns:p="http://schemas.openxmlformats.org/presentationml/2006/main" xmlns:r="http://schemas.openxmlformats.org/officeDocument/2006/relationships" type="twoObj" preserve="1">
+  <p:cSld name="Title, 2 Content">
+    <p:spTree>
+      <p:nvGrpSpPr>
+        <p:cNvPr id="1" name=""/>
+        <p:cNvGrpSpPr/>
+        <p:nvPr/>
+      </p:nvGrpSpPr>
+      <p:grpSpPr>
+        <a:xfrm>
+          <a:off x="0" y="0"/>
+          <a:ext cx="0" cy="0"/>
+          <a:chOff x="0" y="0"/>
+          <a:chExt cx="0" cy="0"/>
+        </a:xfrm>
+      </p:grpSpPr>
+      <p:sp>
+        <p:nvSpPr>
+          <p:cNvPr id="78" name="PlaceHolder 1"/>
+          <p:cNvSpPr>
+            <a:spLocks noGrp="1"/>
+          </p:cNvSpPr>
+          <p:nvPr>
+            <p:ph type="title"/>
+          </p:nvPr>
+        </p:nvSpPr>
+        <p:spPr>
+          <a:xfrm>
+            <a:off x="504000" y="301320"/>
+            <a:ext cx="9072000" cy="1261800"/>
+          </a:xfrm>
+          <a:prstGeom prst="rect">
+            <a:avLst/>
+          </a:prstGeom>
+        </p:spPr>
+        <p:txBody>
+          <a:bodyPr lIns="0" rIns="0" tIns="0" bIns="0" anchor="ctr"/>
+          <a:p>
+            <a:pPr algn="ctr"/>
+            <a:endParaRPr/>
+          </a:p>
+        </p:txBody>
+      </p:sp>
+      <p:sp>
+        <p:nvSpPr>
+          <p:cNvPr id="79" name="PlaceHolder 2"/>
+          <p:cNvSpPr>
+            <a:spLocks noGrp="1"/>
+          </p:cNvSpPr>
+          <p:nvPr>
+            <p:ph type="body"/>
+          </p:nvPr>
+        </p:nvSpPr>
+        <p:spPr>
+          <a:xfrm>
+            <a:off x="504000" y="1768680"/>
+            <a:ext cx="4426920" cy="4384080"/>
+          </a:xfrm>
+          <a:prstGeom prst="rect">
+            <a:avLst/>
+          </a:prstGeom>
+        </p:spPr>
+        <p:txBody>
+          <a:bodyPr lIns="0" rIns="0" tIns="0" bIns="0"/>
+          <a:p>
+            <a:endParaRPr/>
+          </a:p>
+        </p:txBody>
+      </p:sp>
+      <p:sp>
+        <p:nvSpPr>
+          <p:cNvPr id="80" name="PlaceHolder 3"/>
+          <p:cNvSpPr>
+            <a:spLocks noGrp="1"/>
+          </p:cNvSpPr>
+          <p:nvPr>
+            <p:ph type="body"/>
+          </p:nvPr>
+        </p:nvSpPr>
+        <p:spPr>
+          <a:xfrm>
+            <a:off x="5152680" y="1768680"/>
+            <a:ext cx="4426920" cy="4384080"/>
+          </a:xfrm>
+          <a:prstGeom prst="rect">
+            <a:avLst/>
+          </a:prstGeom>
+        </p:spPr>
+        <p:txBody>
+          <a:bodyPr lIns="0" rIns="0" tIns="0" bIns="0"/>
+          <a:p>
+            <a:endParaRPr/>
+          </a:p>
+        </p:txBody>
+      </p:sp>
+    </p:spTree>
+  </p:cSld>
+</p:sldLayout>
+</file>
+
+<file path=ppt/slideLayouts/slideLayout29.xml><?xml version="1.0" encoding="utf-8"?>
+<p:sldLayout xmlns:a="http://schemas.openxmlformats.org/drawingml/2006/main" xmlns:p="http://schemas.openxmlformats.org/presentationml/2006/main" xmlns:r="http://schemas.openxmlformats.org/officeDocument/2006/relationships" type="titleOnly" preserve="1">
+  <p:cSld name="Title Only">
+    <p:spTree>
+      <p:nvGrpSpPr>
+        <p:cNvPr id="1" name=""/>
+        <p:cNvGrpSpPr/>
+        <p:nvPr/>
+      </p:nvGrpSpPr>
+      <p:grpSpPr>
+        <a:xfrm>
+          <a:off x="0" y="0"/>
+          <a:ext cx="0" cy="0"/>
+          <a:chOff x="0" y="0"/>
+          <a:chExt cx="0" cy="0"/>
+        </a:xfrm>
+      </p:grpSpPr>
+      <p:sp>
+        <p:nvSpPr>
+          <p:cNvPr id="81" name="PlaceHolder 1"/>
+          <p:cNvSpPr>
+            <a:spLocks noGrp="1"/>
+          </p:cNvSpPr>
+          <p:nvPr>
+            <p:ph type="title"/>
+          </p:nvPr>
+        </p:nvSpPr>
+        <p:spPr>
+          <a:xfrm>
+            <a:off x="504000" y="301320"/>
+            <a:ext cx="9072000" cy="1261800"/>
           </a:xfrm>
           <a:prstGeom prst="rect">
             <a:avLst/>
@@ -554,7 +2034,7 @@
       </p:grpSpPr>
       <p:sp>
         <p:nvSpPr>
-          <p:cNvPr id="7" name="PlaceHolder 1"/>
+          <p:cNvPr id="4" name="PlaceHolder 1"/>
           <p:cNvSpPr>
             <a:spLocks noGrp="1"/>
           </p:cNvSpPr>
@@ -565,7 +2045,7 @@
         <p:spPr>
           <a:xfrm>
             <a:off x="504000" y="301320"/>
-            <a:ext cx="9071640" cy="1262160"/>
+            <a:ext cx="9072000" cy="1261800"/>
           </a:xfrm>
           <a:prstGeom prst="rect">
             <a:avLst/>
@@ -581,7 +2061,7 @@
       </p:sp>
       <p:sp>
         <p:nvSpPr>
-          <p:cNvPr id="8" name="PlaceHolder 2"/>
+          <p:cNvPr id="5" name="PlaceHolder 2"/>
           <p:cNvSpPr>
             <a:spLocks noGrp="1"/>
           </p:cNvSpPr>
@@ -591,8 +2071,1012 @@
         </p:nvSpPr>
         <p:spPr>
           <a:xfrm>
-            <a:off x="504000" y="1769040"/>
-            <a:ext cx="9071640" cy="4384440"/>
+            <a:off x="504000" y="1768680"/>
+            <a:ext cx="9072000" cy="4384080"/>
+          </a:xfrm>
+          <a:prstGeom prst="rect">
+            <a:avLst/>
+          </a:prstGeom>
+        </p:spPr>
+        <p:txBody>
+          <a:bodyPr lIns="0" rIns="0" tIns="0" bIns="0"/>
+          <a:p>
+            <a:endParaRPr/>
+          </a:p>
+        </p:txBody>
+      </p:sp>
+    </p:spTree>
+  </p:cSld>
+</p:sldLayout>
+</file>
+
+<file path=ppt/slideLayouts/slideLayout30.xml><?xml version="1.0" encoding="utf-8"?>
+<p:sldLayout xmlns:a="http://schemas.openxmlformats.org/drawingml/2006/main" xmlns:p="http://schemas.openxmlformats.org/presentationml/2006/main" xmlns:r="http://schemas.openxmlformats.org/officeDocument/2006/relationships" type="objOnly" preserve="1">
+  <p:cSld name="Centered Text">
+    <p:spTree>
+      <p:nvGrpSpPr>
+        <p:cNvPr id="1" name=""/>
+        <p:cNvGrpSpPr/>
+        <p:nvPr/>
+      </p:nvGrpSpPr>
+      <p:grpSpPr>
+        <a:xfrm>
+          <a:off x="0" y="0"/>
+          <a:ext cx="0" cy="0"/>
+          <a:chOff x="0" y="0"/>
+          <a:chExt cx="0" cy="0"/>
+        </a:xfrm>
+      </p:grpSpPr>
+      <p:sp>
+        <p:nvSpPr>
+          <p:cNvPr id="82" name="PlaceHolder 1"/>
+          <p:cNvSpPr>
+            <a:spLocks noGrp="1"/>
+          </p:cNvSpPr>
+          <p:nvPr>
+            <p:ph type="subTitle"/>
+          </p:nvPr>
+        </p:nvSpPr>
+        <p:spPr>
+          <a:xfrm>
+            <a:off x="504000" y="301320"/>
+            <a:ext cx="9072000" cy="5850360"/>
+          </a:xfrm>
+          <a:prstGeom prst="rect">
+            <a:avLst/>
+          </a:prstGeom>
+        </p:spPr>
+        <p:txBody>
+          <a:bodyPr lIns="0" rIns="0" tIns="0" bIns="0" anchor="ctr"/>
+          <a:p>
+            <a:pPr algn="ctr"/>
+            <a:endParaRPr/>
+          </a:p>
+        </p:txBody>
+      </p:sp>
+    </p:spTree>
+  </p:cSld>
+</p:sldLayout>
+</file>
+
+<file path=ppt/slideLayouts/slideLayout31.xml><?xml version="1.0" encoding="utf-8"?>
+<p:sldLayout xmlns:a="http://schemas.openxmlformats.org/drawingml/2006/main" xmlns:p="http://schemas.openxmlformats.org/presentationml/2006/main" xmlns:r="http://schemas.openxmlformats.org/officeDocument/2006/relationships" type="twoObjAndObj" preserve="1">
+  <p:cSld name="Title, 2 Content and Content">
+    <p:spTree>
+      <p:nvGrpSpPr>
+        <p:cNvPr id="1" name=""/>
+        <p:cNvGrpSpPr/>
+        <p:nvPr/>
+      </p:nvGrpSpPr>
+      <p:grpSpPr>
+        <a:xfrm>
+          <a:off x="0" y="0"/>
+          <a:ext cx="0" cy="0"/>
+          <a:chOff x="0" y="0"/>
+          <a:chExt cx="0" cy="0"/>
+        </a:xfrm>
+      </p:grpSpPr>
+      <p:sp>
+        <p:nvSpPr>
+          <p:cNvPr id="83" name="PlaceHolder 1"/>
+          <p:cNvSpPr>
+            <a:spLocks noGrp="1"/>
+          </p:cNvSpPr>
+          <p:nvPr>
+            <p:ph type="title"/>
+          </p:nvPr>
+        </p:nvSpPr>
+        <p:spPr>
+          <a:xfrm>
+            <a:off x="504000" y="301320"/>
+            <a:ext cx="9072000" cy="1261800"/>
+          </a:xfrm>
+          <a:prstGeom prst="rect">
+            <a:avLst/>
+          </a:prstGeom>
+        </p:spPr>
+        <p:txBody>
+          <a:bodyPr lIns="0" rIns="0" tIns="0" bIns="0" anchor="ctr"/>
+          <a:p>
+            <a:pPr algn="ctr"/>
+            <a:endParaRPr/>
+          </a:p>
+        </p:txBody>
+      </p:sp>
+      <p:sp>
+        <p:nvSpPr>
+          <p:cNvPr id="84" name="PlaceHolder 2"/>
+          <p:cNvSpPr>
+            <a:spLocks noGrp="1"/>
+          </p:cNvSpPr>
+          <p:nvPr>
+            <p:ph type="body"/>
+          </p:nvPr>
+        </p:nvSpPr>
+        <p:spPr>
+          <a:xfrm>
+            <a:off x="504000" y="1768680"/>
+            <a:ext cx="4426920" cy="2090880"/>
+          </a:xfrm>
+          <a:prstGeom prst="rect">
+            <a:avLst/>
+          </a:prstGeom>
+        </p:spPr>
+        <p:txBody>
+          <a:bodyPr lIns="0" rIns="0" tIns="0" bIns="0"/>
+          <a:p>
+            <a:endParaRPr/>
+          </a:p>
+        </p:txBody>
+      </p:sp>
+      <p:sp>
+        <p:nvSpPr>
+          <p:cNvPr id="85" name="PlaceHolder 3"/>
+          <p:cNvSpPr>
+            <a:spLocks noGrp="1"/>
+          </p:cNvSpPr>
+          <p:nvPr>
+            <p:ph type="body"/>
+          </p:nvPr>
+        </p:nvSpPr>
+        <p:spPr>
+          <a:xfrm>
+            <a:off x="504000" y="4058640"/>
+            <a:ext cx="4426920" cy="2090880"/>
+          </a:xfrm>
+          <a:prstGeom prst="rect">
+            <a:avLst/>
+          </a:prstGeom>
+        </p:spPr>
+        <p:txBody>
+          <a:bodyPr lIns="0" rIns="0" tIns="0" bIns="0"/>
+          <a:p>
+            <a:endParaRPr/>
+          </a:p>
+        </p:txBody>
+      </p:sp>
+      <p:sp>
+        <p:nvSpPr>
+          <p:cNvPr id="86" name="PlaceHolder 4"/>
+          <p:cNvSpPr>
+            <a:spLocks noGrp="1"/>
+          </p:cNvSpPr>
+          <p:nvPr>
+            <p:ph type="body"/>
+          </p:nvPr>
+        </p:nvSpPr>
+        <p:spPr>
+          <a:xfrm>
+            <a:off x="5152680" y="1768680"/>
+            <a:ext cx="4426920" cy="4384080"/>
+          </a:xfrm>
+          <a:prstGeom prst="rect">
+            <a:avLst/>
+          </a:prstGeom>
+        </p:spPr>
+        <p:txBody>
+          <a:bodyPr lIns="0" rIns="0" tIns="0" bIns="0"/>
+          <a:p>
+            <a:endParaRPr/>
+          </a:p>
+        </p:txBody>
+      </p:sp>
+    </p:spTree>
+  </p:cSld>
+</p:sldLayout>
+</file>
+
+<file path=ppt/slideLayouts/slideLayout32.xml><?xml version="1.0" encoding="utf-8"?>
+<p:sldLayout xmlns:a="http://schemas.openxmlformats.org/drawingml/2006/main" xmlns:p="http://schemas.openxmlformats.org/presentationml/2006/main" xmlns:r="http://schemas.openxmlformats.org/officeDocument/2006/relationships" type="objAndTwoObj" preserve="1">
+  <p:cSld name="Title Content and 2 Content">
+    <p:spTree>
+      <p:nvGrpSpPr>
+        <p:cNvPr id="1" name=""/>
+        <p:cNvGrpSpPr/>
+        <p:nvPr/>
+      </p:nvGrpSpPr>
+      <p:grpSpPr>
+        <a:xfrm>
+          <a:off x="0" y="0"/>
+          <a:ext cx="0" cy="0"/>
+          <a:chOff x="0" y="0"/>
+          <a:chExt cx="0" cy="0"/>
+        </a:xfrm>
+      </p:grpSpPr>
+      <p:sp>
+        <p:nvSpPr>
+          <p:cNvPr id="87" name="PlaceHolder 1"/>
+          <p:cNvSpPr>
+            <a:spLocks noGrp="1"/>
+          </p:cNvSpPr>
+          <p:nvPr>
+            <p:ph type="title"/>
+          </p:nvPr>
+        </p:nvSpPr>
+        <p:spPr>
+          <a:xfrm>
+            <a:off x="504000" y="301320"/>
+            <a:ext cx="9072000" cy="1261800"/>
+          </a:xfrm>
+          <a:prstGeom prst="rect">
+            <a:avLst/>
+          </a:prstGeom>
+        </p:spPr>
+        <p:txBody>
+          <a:bodyPr lIns="0" rIns="0" tIns="0" bIns="0" anchor="ctr"/>
+          <a:p>
+            <a:pPr algn="ctr"/>
+            <a:endParaRPr/>
+          </a:p>
+        </p:txBody>
+      </p:sp>
+      <p:sp>
+        <p:nvSpPr>
+          <p:cNvPr id="88" name="PlaceHolder 2"/>
+          <p:cNvSpPr>
+            <a:spLocks noGrp="1"/>
+          </p:cNvSpPr>
+          <p:nvPr>
+            <p:ph type="body"/>
+          </p:nvPr>
+        </p:nvSpPr>
+        <p:spPr>
+          <a:xfrm>
+            <a:off x="504000" y="1768680"/>
+            <a:ext cx="4426920" cy="4384080"/>
+          </a:xfrm>
+          <a:prstGeom prst="rect">
+            <a:avLst/>
+          </a:prstGeom>
+        </p:spPr>
+        <p:txBody>
+          <a:bodyPr lIns="0" rIns="0" tIns="0" bIns="0"/>
+          <a:p>
+            <a:endParaRPr/>
+          </a:p>
+        </p:txBody>
+      </p:sp>
+      <p:sp>
+        <p:nvSpPr>
+          <p:cNvPr id="89" name="PlaceHolder 3"/>
+          <p:cNvSpPr>
+            <a:spLocks noGrp="1"/>
+          </p:cNvSpPr>
+          <p:nvPr>
+            <p:ph type="body"/>
+          </p:nvPr>
+        </p:nvSpPr>
+        <p:spPr>
+          <a:xfrm>
+            <a:off x="5152680" y="1768680"/>
+            <a:ext cx="4426920" cy="2090880"/>
+          </a:xfrm>
+          <a:prstGeom prst="rect">
+            <a:avLst/>
+          </a:prstGeom>
+        </p:spPr>
+        <p:txBody>
+          <a:bodyPr lIns="0" rIns="0" tIns="0" bIns="0"/>
+          <a:p>
+            <a:endParaRPr/>
+          </a:p>
+        </p:txBody>
+      </p:sp>
+      <p:sp>
+        <p:nvSpPr>
+          <p:cNvPr id="90" name="PlaceHolder 4"/>
+          <p:cNvSpPr>
+            <a:spLocks noGrp="1"/>
+          </p:cNvSpPr>
+          <p:nvPr>
+            <p:ph type="body"/>
+          </p:nvPr>
+        </p:nvSpPr>
+        <p:spPr>
+          <a:xfrm>
+            <a:off x="5152680" y="4058640"/>
+            <a:ext cx="4426920" cy="2090880"/>
+          </a:xfrm>
+          <a:prstGeom prst="rect">
+            <a:avLst/>
+          </a:prstGeom>
+        </p:spPr>
+        <p:txBody>
+          <a:bodyPr lIns="0" rIns="0" tIns="0" bIns="0"/>
+          <a:p>
+            <a:endParaRPr/>
+          </a:p>
+        </p:txBody>
+      </p:sp>
+    </p:spTree>
+  </p:cSld>
+</p:sldLayout>
+</file>
+
+<file path=ppt/slideLayouts/slideLayout33.xml><?xml version="1.0" encoding="utf-8"?>
+<p:sldLayout xmlns:a="http://schemas.openxmlformats.org/drawingml/2006/main" xmlns:p="http://schemas.openxmlformats.org/presentationml/2006/main" xmlns:r="http://schemas.openxmlformats.org/officeDocument/2006/relationships" type="twoObjOverTx" preserve="1">
+  <p:cSld name="Title, 2 Content over Content">
+    <p:spTree>
+      <p:nvGrpSpPr>
+        <p:cNvPr id="1" name=""/>
+        <p:cNvGrpSpPr/>
+        <p:nvPr/>
+      </p:nvGrpSpPr>
+      <p:grpSpPr>
+        <a:xfrm>
+          <a:off x="0" y="0"/>
+          <a:ext cx="0" cy="0"/>
+          <a:chOff x="0" y="0"/>
+          <a:chExt cx="0" cy="0"/>
+        </a:xfrm>
+      </p:grpSpPr>
+      <p:sp>
+        <p:nvSpPr>
+          <p:cNvPr id="91" name="PlaceHolder 1"/>
+          <p:cNvSpPr>
+            <a:spLocks noGrp="1"/>
+          </p:cNvSpPr>
+          <p:nvPr>
+            <p:ph type="title"/>
+          </p:nvPr>
+        </p:nvSpPr>
+        <p:spPr>
+          <a:xfrm>
+            <a:off x="504000" y="301320"/>
+            <a:ext cx="9072000" cy="1261800"/>
+          </a:xfrm>
+          <a:prstGeom prst="rect">
+            <a:avLst/>
+          </a:prstGeom>
+        </p:spPr>
+        <p:txBody>
+          <a:bodyPr lIns="0" rIns="0" tIns="0" bIns="0" anchor="ctr"/>
+          <a:p>
+            <a:pPr algn="ctr"/>
+            <a:endParaRPr/>
+          </a:p>
+        </p:txBody>
+      </p:sp>
+      <p:sp>
+        <p:nvSpPr>
+          <p:cNvPr id="92" name="PlaceHolder 2"/>
+          <p:cNvSpPr>
+            <a:spLocks noGrp="1"/>
+          </p:cNvSpPr>
+          <p:nvPr>
+            <p:ph type="body"/>
+          </p:nvPr>
+        </p:nvSpPr>
+        <p:spPr>
+          <a:xfrm>
+            <a:off x="504000" y="1768680"/>
+            <a:ext cx="4426920" cy="2090880"/>
+          </a:xfrm>
+          <a:prstGeom prst="rect">
+            <a:avLst/>
+          </a:prstGeom>
+        </p:spPr>
+        <p:txBody>
+          <a:bodyPr lIns="0" rIns="0" tIns="0" bIns="0"/>
+          <a:p>
+            <a:endParaRPr/>
+          </a:p>
+        </p:txBody>
+      </p:sp>
+      <p:sp>
+        <p:nvSpPr>
+          <p:cNvPr id="93" name="PlaceHolder 3"/>
+          <p:cNvSpPr>
+            <a:spLocks noGrp="1"/>
+          </p:cNvSpPr>
+          <p:nvPr>
+            <p:ph type="body"/>
+          </p:nvPr>
+        </p:nvSpPr>
+        <p:spPr>
+          <a:xfrm>
+            <a:off x="5152680" y="1768680"/>
+            <a:ext cx="4426920" cy="2090880"/>
+          </a:xfrm>
+          <a:prstGeom prst="rect">
+            <a:avLst/>
+          </a:prstGeom>
+        </p:spPr>
+        <p:txBody>
+          <a:bodyPr lIns="0" rIns="0" tIns="0" bIns="0"/>
+          <a:p>
+            <a:endParaRPr/>
+          </a:p>
+        </p:txBody>
+      </p:sp>
+      <p:sp>
+        <p:nvSpPr>
+          <p:cNvPr id="94" name="PlaceHolder 4"/>
+          <p:cNvSpPr>
+            <a:spLocks noGrp="1"/>
+          </p:cNvSpPr>
+          <p:nvPr>
+            <p:ph type="body"/>
+          </p:nvPr>
+        </p:nvSpPr>
+        <p:spPr>
+          <a:xfrm>
+            <a:off x="504000" y="4058640"/>
+            <a:ext cx="9072000" cy="2090880"/>
+          </a:xfrm>
+          <a:prstGeom prst="rect">
+            <a:avLst/>
+          </a:prstGeom>
+        </p:spPr>
+        <p:txBody>
+          <a:bodyPr lIns="0" rIns="0" tIns="0" bIns="0"/>
+          <a:p>
+            <a:endParaRPr/>
+          </a:p>
+        </p:txBody>
+      </p:sp>
+    </p:spTree>
+  </p:cSld>
+</p:sldLayout>
+</file>
+
+<file path=ppt/slideLayouts/slideLayout34.xml><?xml version="1.0" encoding="utf-8"?>
+<p:sldLayout xmlns:a="http://schemas.openxmlformats.org/drawingml/2006/main" xmlns:p="http://schemas.openxmlformats.org/presentationml/2006/main" xmlns:r="http://schemas.openxmlformats.org/officeDocument/2006/relationships" type="objOverTx" preserve="1">
+  <p:cSld name="Title, Content over Content">
+    <p:spTree>
+      <p:nvGrpSpPr>
+        <p:cNvPr id="1" name=""/>
+        <p:cNvGrpSpPr/>
+        <p:nvPr/>
+      </p:nvGrpSpPr>
+      <p:grpSpPr>
+        <a:xfrm>
+          <a:off x="0" y="0"/>
+          <a:ext cx="0" cy="0"/>
+          <a:chOff x="0" y="0"/>
+          <a:chExt cx="0" cy="0"/>
+        </a:xfrm>
+      </p:grpSpPr>
+      <p:sp>
+        <p:nvSpPr>
+          <p:cNvPr id="95" name="PlaceHolder 1"/>
+          <p:cNvSpPr>
+            <a:spLocks noGrp="1"/>
+          </p:cNvSpPr>
+          <p:nvPr>
+            <p:ph type="title"/>
+          </p:nvPr>
+        </p:nvSpPr>
+        <p:spPr>
+          <a:xfrm>
+            <a:off x="504000" y="301320"/>
+            <a:ext cx="9072000" cy="1261800"/>
+          </a:xfrm>
+          <a:prstGeom prst="rect">
+            <a:avLst/>
+          </a:prstGeom>
+        </p:spPr>
+        <p:txBody>
+          <a:bodyPr lIns="0" rIns="0" tIns="0" bIns="0" anchor="ctr"/>
+          <a:p>
+            <a:pPr algn="ctr"/>
+            <a:endParaRPr/>
+          </a:p>
+        </p:txBody>
+      </p:sp>
+      <p:sp>
+        <p:nvSpPr>
+          <p:cNvPr id="96" name="PlaceHolder 2"/>
+          <p:cNvSpPr>
+            <a:spLocks noGrp="1"/>
+          </p:cNvSpPr>
+          <p:nvPr>
+            <p:ph type="body"/>
+          </p:nvPr>
+        </p:nvSpPr>
+        <p:spPr>
+          <a:xfrm>
+            <a:off x="504000" y="1768680"/>
+            <a:ext cx="9072000" cy="2090880"/>
+          </a:xfrm>
+          <a:prstGeom prst="rect">
+            <a:avLst/>
+          </a:prstGeom>
+        </p:spPr>
+        <p:txBody>
+          <a:bodyPr lIns="0" rIns="0" tIns="0" bIns="0"/>
+          <a:p>
+            <a:endParaRPr/>
+          </a:p>
+        </p:txBody>
+      </p:sp>
+      <p:sp>
+        <p:nvSpPr>
+          <p:cNvPr id="97" name="PlaceHolder 3"/>
+          <p:cNvSpPr>
+            <a:spLocks noGrp="1"/>
+          </p:cNvSpPr>
+          <p:nvPr>
+            <p:ph type="body"/>
+          </p:nvPr>
+        </p:nvSpPr>
+        <p:spPr>
+          <a:xfrm>
+            <a:off x="504000" y="4058640"/>
+            <a:ext cx="9072000" cy="2090880"/>
+          </a:xfrm>
+          <a:prstGeom prst="rect">
+            <a:avLst/>
+          </a:prstGeom>
+        </p:spPr>
+        <p:txBody>
+          <a:bodyPr lIns="0" rIns="0" tIns="0" bIns="0"/>
+          <a:p>
+            <a:endParaRPr/>
+          </a:p>
+        </p:txBody>
+      </p:sp>
+    </p:spTree>
+  </p:cSld>
+</p:sldLayout>
+</file>
+
+<file path=ppt/slideLayouts/slideLayout35.xml><?xml version="1.0" encoding="utf-8"?>
+<p:sldLayout xmlns:a="http://schemas.openxmlformats.org/drawingml/2006/main" xmlns:p="http://schemas.openxmlformats.org/presentationml/2006/main" xmlns:r="http://schemas.openxmlformats.org/officeDocument/2006/relationships" type="fourObj" preserve="1">
+  <p:cSld name="Title, 4 Content">
+    <p:spTree>
+      <p:nvGrpSpPr>
+        <p:cNvPr id="1" name=""/>
+        <p:cNvGrpSpPr/>
+        <p:nvPr/>
+      </p:nvGrpSpPr>
+      <p:grpSpPr>
+        <a:xfrm>
+          <a:off x="0" y="0"/>
+          <a:ext cx="0" cy="0"/>
+          <a:chOff x="0" y="0"/>
+          <a:chExt cx="0" cy="0"/>
+        </a:xfrm>
+      </p:grpSpPr>
+      <p:sp>
+        <p:nvSpPr>
+          <p:cNvPr id="98" name="PlaceHolder 1"/>
+          <p:cNvSpPr>
+            <a:spLocks noGrp="1"/>
+          </p:cNvSpPr>
+          <p:nvPr>
+            <p:ph type="title"/>
+          </p:nvPr>
+        </p:nvSpPr>
+        <p:spPr>
+          <a:xfrm>
+            <a:off x="504000" y="301320"/>
+            <a:ext cx="9072000" cy="1261800"/>
+          </a:xfrm>
+          <a:prstGeom prst="rect">
+            <a:avLst/>
+          </a:prstGeom>
+        </p:spPr>
+        <p:txBody>
+          <a:bodyPr lIns="0" rIns="0" tIns="0" bIns="0" anchor="ctr"/>
+          <a:p>
+            <a:pPr algn="ctr"/>
+            <a:endParaRPr/>
+          </a:p>
+        </p:txBody>
+      </p:sp>
+      <p:sp>
+        <p:nvSpPr>
+          <p:cNvPr id="99" name="PlaceHolder 2"/>
+          <p:cNvSpPr>
+            <a:spLocks noGrp="1"/>
+          </p:cNvSpPr>
+          <p:nvPr>
+            <p:ph type="body"/>
+          </p:nvPr>
+        </p:nvSpPr>
+        <p:spPr>
+          <a:xfrm>
+            <a:off x="504000" y="1768680"/>
+            <a:ext cx="4426920" cy="2090880"/>
+          </a:xfrm>
+          <a:prstGeom prst="rect">
+            <a:avLst/>
+          </a:prstGeom>
+        </p:spPr>
+        <p:txBody>
+          <a:bodyPr lIns="0" rIns="0" tIns="0" bIns="0"/>
+          <a:p>
+            <a:endParaRPr/>
+          </a:p>
+        </p:txBody>
+      </p:sp>
+      <p:sp>
+        <p:nvSpPr>
+          <p:cNvPr id="100" name="PlaceHolder 3"/>
+          <p:cNvSpPr>
+            <a:spLocks noGrp="1"/>
+          </p:cNvSpPr>
+          <p:nvPr>
+            <p:ph type="body"/>
+          </p:nvPr>
+        </p:nvSpPr>
+        <p:spPr>
+          <a:xfrm>
+            <a:off x="5152680" y="1768680"/>
+            <a:ext cx="4426920" cy="2090880"/>
+          </a:xfrm>
+          <a:prstGeom prst="rect">
+            <a:avLst/>
+          </a:prstGeom>
+        </p:spPr>
+        <p:txBody>
+          <a:bodyPr lIns="0" rIns="0" tIns="0" bIns="0"/>
+          <a:p>
+            <a:endParaRPr/>
+          </a:p>
+        </p:txBody>
+      </p:sp>
+      <p:sp>
+        <p:nvSpPr>
+          <p:cNvPr id="101" name="PlaceHolder 4"/>
+          <p:cNvSpPr>
+            <a:spLocks noGrp="1"/>
+          </p:cNvSpPr>
+          <p:nvPr>
+            <p:ph type="body"/>
+          </p:nvPr>
+        </p:nvSpPr>
+        <p:spPr>
+          <a:xfrm>
+            <a:off x="5152680" y="4058640"/>
+            <a:ext cx="4426920" cy="2090880"/>
+          </a:xfrm>
+          <a:prstGeom prst="rect">
+            <a:avLst/>
+          </a:prstGeom>
+        </p:spPr>
+        <p:txBody>
+          <a:bodyPr lIns="0" rIns="0" tIns="0" bIns="0"/>
+          <a:p>
+            <a:endParaRPr/>
+          </a:p>
+        </p:txBody>
+      </p:sp>
+      <p:sp>
+        <p:nvSpPr>
+          <p:cNvPr id="102" name="PlaceHolder 5"/>
+          <p:cNvSpPr>
+            <a:spLocks noGrp="1"/>
+          </p:cNvSpPr>
+          <p:nvPr>
+            <p:ph type="body"/>
+          </p:nvPr>
+        </p:nvSpPr>
+        <p:spPr>
+          <a:xfrm>
+            <a:off x="504000" y="4058640"/>
+            <a:ext cx="4426920" cy="2090880"/>
+          </a:xfrm>
+          <a:prstGeom prst="rect">
+            <a:avLst/>
+          </a:prstGeom>
+        </p:spPr>
+        <p:txBody>
+          <a:bodyPr lIns="0" rIns="0" tIns="0" bIns="0"/>
+          <a:p>
+            <a:endParaRPr/>
+          </a:p>
+        </p:txBody>
+      </p:sp>
+    </p:spTree>
+  </p:cSld>
+</p:sldLayout>
+</file>
+
+<file path=ppt/slideLayouts/slideLayout36.xml><?xml version="1.0" encoding="utf-8"?>
+<p:sldLayout xmlns:a="http://schemas.openxmlformats.org/drawingml/2006/main" xmlns:p="http://schemas.openxmlformats.org/presentationml/2006/main" xmlns:r="http://schemas.openxmlformats.org/officeDocument/2006/relationships" type="blank" preserve="1">
+  <p:cSld name="Title, 6 Content">
+    <p:spTree>
+      <p:nvGrpSpPr>
+        <p:cNvPr id="1" name=""/>
+        <p:cNvGrpSpPr/>
+        <p:nvPr/>
+      </p:nvGrpSpPr>
+      <p:grpSpPr>
+        <a:xfrm>
+          <a:off x="0" y="0"/>
+          <a:ext cx="0" cy="0"/>
+          <a:chOff x="0" y="0"/>
+          <a:chExt cx="0" cy="0"/>
+        </a:xfrm>
+      </p:grpSpPr>
+      <p:sp>
+        <p:nvSpPr>
+          <p:cNvPr id="103" name="PlaceHolder 1"/>
+          <p:cNvSpPr>
+            <a:spLocks noGrp="1"/>
+          </p:cNvSpPr>
+          <p:nvPr>
+            <p:ph type="title"/>
+          </p:nvPr>
+        </p:nvSpPr>
+        <p:spPr>
+          <a:xfrm>
+            <a:off x="504000" y="301320"/>
+            <a:ext cx="9072000" cy="1261800"/>
+          </a:xfrm>
+          <a:prstGeom prst="rect">
+            <a:avLst/>
+          </a:prstGeom>
+        </p:spPr>
+        <p:txBody>
+          <a:bodyPr lIns="0" rIns="0" tIns="0" bIns="0" anchor="ctr"/>
+          <a:p>
+            <a:pPr algn="ctr"/>
+            <a:endParaRPr/>
+          </a:p>
+        </p:txBody>
+      </p:sp>
+      <p:sp>
+        <p:nvSpPr>
+          <p:cNvPr id="104" name="PlaceHolder 2"/>
+          <p:cNvSpPr>
+            <a:spLocks noGrp="1"/>
+          </p:cNvSpPr>
+          <p:nvPr>
+            <p:ph type="body"/>
+          </p:nvPr>
+        </p:nvSpPr>
+        <p:spPr>
+          <a:xfrm>
+            <a:off x="504000" y="1768680"/>
+            <a:ext cx="9072000" cy="4384080"/>
+          </a:xfrm>
+          <a:prstGeom prst="rect">
+            <a:avLst/>
+          </a:prstGeom>
+        </p:spPr>
+        <p:txBody>
+          <a:bodyPr lIns="0" rIns="0" tIns="0" bIns="0"/>
+          <a:p>
+            <a:endParaRPr/>
+          </a:p>
+        </p:txBody>
+      </p:sp>
+      <p:sp>
+        <p:nvSpPr>
+          <p:cNvPr id="105" name="PlaceHolder 3"/>
+          <p:cNvSpPr>
+            <a:spLocks noGrp="1"/>
+          </p:cNvSpPr>
+          <p:nvPr>
+            <p:ph type="body"/>
+          </p:nvPr>
+        </p:nvSpPr>
+        <p:spPr>
+          <a:xfrm>
+            <a:off x="504000" y="1768680"/>
+            <a:ext cx="9072000" cy="4384080"/>
+          </a:xfrm>
+          <a:prstGeom prst="rect">
+            <a:avLst/>
+          </a:prstGeom>
+        </p:spPr>
+        <p:txBody>
+          <a:bodyPr lIns="0" rIns="0" tIns="0" bIns="0"/>
+          <a:p>
+            <a:endParaRPr/>
+          </a:p>
+        </p:txBody>
+      </p:sp>
+      <p:pic>
+        <p:nvPicPr>
+          <p:cNvPr id="106" name="" descr=""/>
+          <p:cNvPicPr/>
+          <p:nvPr/>
+        </p:nvPicPr>
+        <p:blipFill>
+          <a:blip r:embed="rId2"/>
+          <a:stretch/>
+        </p:blipFill>
+        <p:spPr>
+          <a:xfrm>
+            <a:off x="2292480" y="1768680"/>
+            <a:ext cx="5494680" cy="4384080"/>
+          </a:xfrm>
+          <a:prstGeom prst="rect">
+            <a:avLst/>
+          </a:prstGeom>
+          <a:ln>
+            <a:noFill/>
+          </a:ln>
+        </p:spPr>
+      </p:pic>
+      <p:pic>
+        <p:nvPicPr>
+          <p:cNvPr id="107" name="" descr=""/>
+          <p:cNvPicPr/>
+          <p:nvPr/>
+        </p:nvPicPr>
+        <p:blipFill>
+          <a:blip r:embed="rId3"/>
+          <a:stretch/>
+        </p:blipFill>
+        <p:spPr>
+          <a:xfrm>
+            <a:off x="2292480" y="1768680"/>
+            <a:ext cx="5494680" cy="4384080"/>
+          </a:xfrm>
+          <a:prstGeom prst="rect">
+            <a:avLst/>
+          </a:prstGeom>
+          <a:ln>
+            <a:noFill/>
+          </a:ln>
+        </p:spPr>
+      </p:pic>
+    </p:spTree>
+  </p:cSld>
+</p:sldLayout>
+</file>
+
+<file path=ppt/slideLayouts/slideLayout37.xml><?xml version="1.0" encoding="utf-8"?>
+<p:sldLayout xmlns:a="http://schemas.openxmlformats.org/drawingml/2006/main" xmlns:p="http://schemas.openxmlformats.org/presentationml/2006/main" xmlns:r="http://schemas.openxmlformats.org/officeDocument/2006/relationships" type="blank" preserve="1">
+  <p:cSld name="Blank Slide">
+    <p:spTree>
+      <p:nvGrpSpPr>
+        <p:cNvPr id="1" name=""/>
+        <p:cNvGrpSpPr/>
+        <p:nvPr/>
+      </p:nvGrpSpPr>
+      <p:grpSpPr>
+        <a:xfrm>
+          <a:off x="0" y="0"/>
+          <a:ext cx="0" cy="0"/>
+          <a:chOff x="0" y="0"/>
+          <a:chExt cx="0" cy="0"/>
+        </a:xfrm>
+      </p:grpSpPr>
+    </p:spTree>
+  </p:cSld>
+</p:sldLayout>
+</file>
+
+<file path=ppt/slideLayouts/slideLayout38.xml><?xml version="1.0" encoding="utf-8"?>
+<p:sldLayout xmlns:a="http://schemas.openxmlformats.org/drawingml/2006/main" xmlns:p="http://schemas.openxmlformats.org/presentationml/2006/main" xmlns:r="http://schemas.openxmlformats.org/officeDocument/2006/relationships" type="tx" preserve="1">
+  <p:cSld name="Title Slide">
+    <p:spTree>
+      <p:nvGrpSpPr>
+        <p:cNvPr id="1" name=""/>
+        <p:cNvGrpSpPr/>
+        <p:nvPr/>
+      </p:nvGrpSpPr>
+      <p:grpSpPr>
+        <a:xfrm>
+          <a:off x="0" y="0"/>
+          <a:ext cx="0" cy="0"/>
+          <a:chOff x="0" y="0"/>
+          <a:chExt cx="0" cy="0"/>
+        </a:xfrm>
+      </p:grpSpPr>
+      <p:sp>
+        <p:nvSpPr>
+          <p:cNvPr id="110" name="PlaceHolder 1"/>
+          <p:cNvSpPr>
+            <a:spLocks noGrp="1"/>
+          </p:cNvSpPr>
+          <p:nvPr>
+            <p:ph type="title"/>
+          </p:nvPr>
+        </p:nvSpPr>
+        <p:spPr>
+          <a:xfrm>
+            <a:off x="504000" y="301320"/>
+            <a:ext cx="9072000" cy="1261800"/>
+          </a:xfrm>
+          <a:prstGeom prst="rect">
+            <a:avLst/>
+          </a:prstGeom>
+        </p:spPr>
+        <p:txBody>
+          <a:bodyPr lIns="0" rIns="0" tIns="0" bIns="0" anchor="ctr"/>
+          <a:p>
+            <a:pPr algn="ctr"/>
+            <a:endParaRPr/>
+          </a:p>
+        </p:txBody>
+      </p:sp>
+      <p:sp>
+        <p:nvSpPr>
+          <p:cNvPr id="111" name="PlaceHolder 2"/>
+          <p:cNvSpPr>
+            <a:spLocks noGrp="1"/>
+          </p:cNvSpPr>
+          <p:nvPr>
+            <p:ph type="subTitle"/>
+          </p:nvPr>
+        </p:nvSpPr>
+        <p:spPr>
+          <a:xfrm>
+            <a:off x="504000" y="1768680"/>
+            <a:ext cx="9072000" cy="4384080"/>
+          </a:xfrm>
+          <a:prstGeom prst="rect">
+            <a:avLst/>
+          </a:prstGeom>
+        </p:spPr>
+        <p:txBody>
+          <a:bodyPr lIns="0" rIns="0" tIns="0" bIns="0" anchor="ctr"/>
+          <a:p>
+            <a:pPr algn="ctr"/>
+            <a:endParaRPr/>
+          </a:p>
+        </p:txBody>
+      </p:sp>
+    </p:spTree>
+  </p:cSld>
+</p:sldLayout>
+</file>
+
+<file path=ppt/slideLayouts/slideLayout39.xml><?xml version="1.0" encoding="utf-8"?>
+<p:sldLayout xmlns:a="http://schemas.openxmlformats.org/drawingml/2006/main" xmlns:p="http://schemas.openxmlformats.org/presentationml/2006/main" xmlns:r="http://schemas.openxmlformats.org/officeDocument/2006/relationships" type="obj" preserve="1">
+  <p:cSld name="Title, Content">
+    <p:spTree>
+      <p:nvGrpSpPr>
+        <p:cNvPr id="1" name=""/>
+        <p:cNvGrpSpPr/>
+        <p:nvPr/>
+      </p:nvGrpSpPr>
+      <p:grpSpPr>
+        <a:xfrm>
+          <a:off x="0" y="0"/>
+          <a:ext cx="0" cy="0"/>
+          <a:chOff x="0" y="0"/>
+          <a:chExt cx="0" cy="0"/>
+        </a:xfrm>
+      </p:grpSpPr>
+      <p:sp>
+        <p:nvSpPr>
+          <p:cNvPr id="112" name="PlaceHolder 1"/>
+          <p:cNvSpPr>
+            <a:spLocks noGrp="1"/>
+          </p:cNvSpPr>
+          <p:nvPr>
+            <p:ph type="title"/>
+          </p:nvPr>
+        </p:nvSpPr>
+        <p:spPr>
+          <a:xfrm>
+            <a:off x="504000" y="301320"/>
+            <a:ext cx="9072000" cy="1261800"/>
+          </a:xfrm>
+          <a:prstGeom prst="rect">
+            <a:avLst/>
+          </a:prstGeom>
+        </p:spPr>
+        <p:txBody>
+          <a:bodyPr lIns="0" rIns="0" tIns="0" bIns="0" anchor="ctr"/>
+          <a:p>
+            <a:pPr algn="ctr"/>
+            <a:endParaRPr/>
+          </a:p>
+        </p:txBody>
+      </p:sp>
+      <p:sp>
+        <p:nvSpPr>
+          <p:cNvPr id="113" name="PlaceHolder 2"/>
+          <p:cNvSpPr>
+            <a:spLocks noGrp="1"/>
+          </p:cNvSpPr>
+          <p:nvPr>
+            <p:ph type="body"/>
+          </p:nvPr>
+        </p:nvSpPr>
+        <p:spPr>
+          <a:xfrm>
+            <a:off x="504000" y="1768680"/>
+            <a:ext cx="9072000" cy="4384080"/>
           </a:xfrm>
           <a:prstGeom prst="rect">
             <a:avLst/>
@@ -629,7 +3113,7 @@
       </p:grpSpPr>
       <p:sp>
         <p:nvSpPr>
-          <p:cNvPr id="9" name="PlaceHolder 1"/>
+          <p:cNvPr id="6" name="PlaceHolder 1"/>
           <p:cNvSpPr>
             <a:spLocks noGrp="1"/>
           </p:cNvSpPr>
@@ -640,7 +3124,7 @@
         <p:spPr>
           <a:xfrm>
             <a:off x="504000" y="301320"/>
-            <a:ext cx="9071640" cy="1262160"/>
+            <a:ext cx="9072000" cy="1261800"/>
           </a:xfrm>
           <a:prstGeom prst="rect">
             <a:avLst/>
@@ -656,7 +3140,7 @@
       </p:sp>
       <p:sp>
         <p:nvSpPr>
-          <p:cNvPr id="10" name="PlaceHolder 2"/>
+          <p:cNvPr id="7" name="PlaceHolder 2"/>
           <p:cNvSpPr>
             <a:spLocks noGrp="1"/>
           </p:cNvSpPr>
@@ -666,8 +3150,8 @@
         </p:nvSpPr>
         <p:spPr>
           <a:xfrm>
-            <a:off x="504000" y="1769040"/>
-            <a:ext cx="4426920" cy="4384440"/>
+            <a:off x="504000" y="1768680"/>
+            <a:ext cx="4426920" cy="4384080"/>
           </a:xfrm>
           <a:prstGeom prst="rect">
             <a:avLst/>
@@ -682,7 +3166,7 @@
       </p:sp>
       <p:sp>
         <p:nvSpPr>
-          <p:cNvPr id="11" name="PlaceHolder 3"/>
+          <p:cNvPr id="8" name="PlaceHolder 3"/>
           <p:cNvSpPr>
             <a:spLocks noGrp="1"/>
           </p:cNvSpPr>
@@ -692,8 +3176,8 @@
         </p:nvSpPr>
         <p:spPr>
           <a:xfrm>
-            <a:off x="5152680" y="1769040"/>
-            <a:ext cx="4426920" cy="4384440"/>
+            <a:off x="5152680" y="1768680"/>
+            <a:ext cx="4426920" cy="4384080"/>
           </a:xfrm>
           <a:prstGeom prst="rect">
             <a:avLst/>
@@ -706,6 +3190,987 @@
           </a:p>
         </p:txBody>
       </p:sp>
+    </p:spTree>
+  </p:cSld>
+</p:sldLayout>
+</file>
+
+<file path=ppt/slideLayouts/slideLayout40.xml><?xml version="1.0" encoding="utf-8"?>
+<p:sldLayout xmlns:a="http://schemas.openxmlformats.org/drawingml/2006/main" xmlns:p="http://schemas.openxmlformats.org/presentationml/2006/main" xmlns:r="http://schemas.openxmlformats.org/officeDocument/2006/relationships" type="twoObj" preserve="1">
+  <p:cSld name="Title, 2 Content">
+    <p:spTree>
+      <p:nvGrpSpPr>
+        <p:cNvPr id="1" name=""/>
+        <p:cNvGrpSpPr/>
+        <p:nvPr/>
+      </p:nvGrpSpPr>
+      <p:grpSpPr>
+        <a:xfrm>
+          <a:off x="0" y="0"/>
+          <a:ext cx="0" cy="0"/>
+          <a:chOff x="0" y="0"/>
+          <a:chExt cx="0" cy="0"/>
+        </a:xfrm>
+      </p:grpSpPr>
+      <p:sp>
+        <p:nvSpPr>
+          <p:cNvPr id="114" name="PlaceHolder 1"/>
+          <p:cNvSpPr>
+            <a:spLocks noGrp="1"/>
+          </p:cNvSpPr>
+          <p:nvPr>
+            <p:ph type="title"/>
+          </p:nvPr>
+        </p:nvSpPr>
+        <p:spPr>
+          <a:xfrm>
+            <a:off x="504000" y="301320"/>
+            <a:ext cx="9072000" cy="1261800"/>
+          </a:xfrm>
+          <a:prstGeom prst="rect">
+            <a:avLst/>
+          </a:prstGeom>
+        </p:spPr>
+        <p:txBody>
+          <a:bodyPr lIns="0" rIns="0" tIns="0" bIns="0" anchor="ctr"/>
+          <a:p>
+            <a:pPr algn="ctr"/>
+            <a:endParaRPr/>
+          </a:p>
+        </p:txBody>
+      </p:sp>
+      <p:sp>
+        <p:nvSpPr>
+          <p:cNvPr id="115" name="PlaceHolder 2"/>
+          <p:cNvSpPr>
+            <a:spLocks noGrp="1"/>
+          </p:cNvSpPr>
+          <p:nvPr>
+            <p:ph type="body"/>
+          </p:nvPr>
+        </p:nvSpPr>
+        <p:spPr>
+          <a:xfrm>
+            <a:off x="504000" y="1768680"/>
+            <a:ext cx="4426920" cy="4384080"/>
+          </a:xfrm>
+          <a:prstGeom prst="rect">
+            <a:avLst/>
+          </a:prstGeom>
+        </p:spPr>
+        <p:txBody>
+          <a:bodyPr lIns="0" rIns="0" tIns="0" bIns="0"/>
+          <a:p>
+            <a:endParaRPr/>
+          </a:p>
+        </p:txBody>
+      </p:sp>
+      <p:sp>
+        <p:nvSpPr>
+          <p:cNvPr id="116" name="PlaceHolder 3"/>
+          <p:cNvSpPr>
+            <a:spLocks noGrp="1"/>
+          </p:cNvSpPr>
+          <p:nvPr>
+            <p:ph type="body"/>
+          </p:nvPr>
+        </p:nvSpPr>
+        <p:spPr>
+          <a:xfrm>
+            <a:off x="5152680" y="1768680"/>
+            <a:ext cx="4426920" cy="4384080"/>
+          </a:xfrm>
+          <a:prstGeom prst="rect">
+            <a:avLst/>
+          </a:prstGeom>
+        </p:spPr>
+        <p:txBody>
+          <a:bodyPr lIns="0" rIns="0" tIns="0" bIns="0"/>
+          <a:p>
+            <a:endParaRPr/>
+          </a:p>
+        </p:txBody>
+      </p:sp>
+    </p:spTree>
+  </p:cSld>
+</p:sldLayout>
+</file>
+
+<file path=ppt/slideLayouts/slideLayout41.xml><?xml version="1.0" encoding="utf-8"?>
+<p:sldLayout xmlns:a="http://schemas.openxmlformats.org/drawingml/2006/main" xmlns:p="http://schemas.openxmlformats.org/presentationml/2006/main" xmlns:r="http://schemas.openxmlformats.org/officeDocument/2006/relationships" type="titleOnly" preserve="1">
+  <p:cSld name="Title Only">
+    <p:spTree>
+      <p:nvGrpSpPr>
+        <p:cNvPr id="1" name=""/>
+        <p:cNvGrpSpPr/>
+        <p:nvPr/>
+      </p:nvGrpSpPr>
+      <p:grpSpPr>
+        <a:xfrm>
+          <a:off x="0" y="0"/>
+          <a:ext cx="0" cy="0"/>
+          <a:chOff x="0" y="0"/>
+          <a:chExt cx="0" cy="0"/>
+        </a:xfrm>
+      </p:grpSpPr>
+      <p:sp>
+        <p:nvSpPr>
+          <p:cNvPr id="117" name="PlaceHolder 1"/>
+          <p:cNvSpPr>
+            <a:spLocks noGrp="1"/>
+          </p:cNvSpPr>
+          <p:nvPr>
+            <p:ph type="title"/>
+          </p:nvPr>
+        </p:nvSpPr>
+        <p:spPr>
+          <a:xfrm>
+            <a:off x="504000" y="301320"/>
+            <a:ext cx="9072000" cy="1261800"/>
+          </a:xfrm>
+          <a:prstGeom prst="rect">
+            <a:avLst/>
+          </a:prstGeom>
+        </p:spPr>
+        <p:txBody>
+          <a:bodyPr lIns="0" rIns="0" tIns="0" bIns="0" anchor="ctr"/>
+          <a:p>
+            <a:pPr algn="ctr"/>
+            <a:endParaRPr/>
+          </a:p>
+        </p:txBody>
+      </p:sp>
+    </p:spTree>
+  </p:cSld>
+</p:sldLayout>
+</file>
+
+<file path=ppt/slideLayouts/slideLayout42.xml><?xml version="1.0" encoding="utf-8"?>
+<p:sldLayout xmlns:a="http://schemas.openxmlformats.org/drawingml/2006/main" xmlns:p="http://schemas.openxmlformats.org/presentationml/2006/main" xmlns:r="http://schemas.openxmlformats.org/officeDocument/2006/relationships" type="objOnly" preserve="1">
+  <p:cSld name="Centered Text">
+    <p:spTree>
+      <p:nvGrpSpPr>
+        <p:cNvPr id="1" name=""/>
+        <p:cNvGrpSpPr/>
+        <p:nvPr/>
+      </p:nvGrpSpPr>
+      <p:grpSpPr>
+        <a:xfrm>
+          <a:off x="0" y="0"/>
+          <a:ext cx="0" cy="0"/>
+          <a:chOff x="0" y="0"/>
+          <a:chExt cx="0" cy="0"/>
+        </a:xfrm>
+      </p:grpSpPr>
+      <p:sp>
+        <p:nvSpPr>
+          <p:cNvPr id="118" name="PlaceHolder 1"/>
+          <p:cNvSpPr>
+            <a:spLocks noGrp="1"/>
+          </p:cNvSpPr>
+          <p:nvPr>
+            <p:ph type="subTitle"/>
+          </p:nvPr>
+        </p:nvSpPr>
+        <p:spPr>
+          <a:xfrm>
+            <a:off x="504000" y="301320"/>
+            <a:ext cx="9072000" cy="5850360"/>
+          </a:xfrm>
+          <a:prstGeom prst="rect">
+            <a:avLst/>
+          </a:prstGeom>
+        </p:spPr>
+        <p:txBody>
+          <a:bodyPr lIns="0" rIns="0" tIns="0" bIns="0" anchor="ctr"/>
+          <a:p>
+            <a:pPr algn="ctr"/>
+            <a:endParaRPr/>
+          </a:p>
+        </p:txBody>
+      </p:sp>
+    </p:spTree>
+  </p:cSld>
+</p:sldLayout>
+</file>
+
+<file path=ppt/slideLayouts/slideLayout43.xml><?xml version="1.0" encoding="utf-8"?>
+<p:sldLayout xmlns:a="http://schemas.openxmlformats.org/drawingml/2006/main" xmlns:p="http://schemas.openxmlformats.org/presentationml/2006/main" xmlns:r="http://schemas.openxmlformats.org/officeDocument/2006/relationships" type="twoObjAndObj" preserve="1">
+  <p:cSld name="Title, 2 Content and Content">
+    <p:spTree>
+      <p:nvGrpSpPr>
+        <p:cNvPr id="1" name=""/>
+        <p:cNvGrpSpPr/>
+        <p:nvPr/>
+      </p:nvGrpSpPr>
+      <p:grpSpPr>
+        <a:xfrm>
+          <a:off x="0" y="0"/>
+          <a:ext cx="0" cy="0"/>
+          <a:chOff x="0" y="0"/>
+          <a:chExt cx="0" cy="0"/>
+        </a:xfrm>
+      </p:grpSpPr>
+      <p:sp>
+        <p:nvSpPr>
+          <p:cNvPr id="119" name="PlaceHolder 1"/>
+          <p:cNvSpPr>
+            <a:spLocks noGrp="1"/>
+          </p:cNvSpPr>
+          <p:nvPr>
+            <p:ph type="title"/>
+          </p:nvPr>
+        </p:nvSpPr>
+        <p:spPr>
+          <a:xfrm>
+            <a:off x="504000" y="301320"/>
+            <a:ext cx="9072000" cy="1261800"/>
+          </a:xfrm>
+          <a:prstGeom prst="rect">
+            <a:avLst/>
+          </a:prstGeom>
+        </p:spPr>
+        <p:txBody>
+          <a:bodyPr lIns="0" rIns="0" tIns="0" bIns="0" anchor="ctr"/>
+          <a:p>
+            <a:pPr algn="ctr"/>
+            <a:endParaRPr/>
+          </a:p>
+        </p:txBody>
+      </p:sp>
+      <p:sp>
+        <p:nvSpPr>
+          <p:cNvPr id="120" name="PlaceHolder 2"/>
+          <p:cNvSpPr>
+            <a:spLocks noGrp="1"/>
+          </p:cNvSpPr>
+          <p:nvPr>
+            <p:ph type="body"/>
+          </p:nvPr>
+        </p:nvSpPr>
+        <p:spPr>
+          <a:xfrm>
+            <a:off x="504000" y="1768680"/>
+            <a:ext cx="4426920" cy="2090880"/>
+          </a:xfrm>
+          <a:prstGeom prst="rect">
+            <a:avLst/>
+          </a:prstGeom>
+        </p:spPr>
+        <p:txBody>
+          <a:bodyPr lIns="0" rIns="0" tIns="0" bIns="0"/>
+          <a:p>
+            <a:endParaRPr/>
+          </a:p>
+        </p:txBody>
+      </p:sp>
+      <p:sp>
+        <p:nvSpPr>
+          <p:cNvPr id="121" name="PlaceHolder 3"/>
+          <p:cNvSpPr>
+            <a:spLocks noGrp="1"/>
+          </p:cNvSpPr>
+          <p:nvPr>
+            <p:ph type="body"/>
+          </p:nvPr>
+        </p:nvSpPr>
+        <p:spPr>
+          <a:xfrm>
+            <a:off x="504000" y="4058640"/>
+            <a:ext cx="4426920" cy="2090880"/>
+          </a:xfrm>
+          <a:prstGeom prst="rect">
+            <a:avLst/>
+          </a:prstGeom>
+        </p:spPr>
+        <p:txBody>
+          <a:bodyPr lIns="0" rIns="0" tIns="0" bIns="0"/>
+          <a:p>
+            <a:endParaRPr/>
+          </a:p>
+        </p:txBody>
+      </p:sp>
+      <p:sp>
+        <p:nvSpPr>
+          <p:cNvPr id="122" name="PlaceHolder 4"/>
+          <p:cNvSpPr>
+            <a:spLocks noGrp="1"/>
+          </p:cNvSpPr>
+          <p:nvPr>
+            <p:ph type="body"/>
+          </p:nvPr>
+        </p:nvSpPr>
+        <p:spPr>
+          <a:xfrm>
+            <a:off x="5152680" y="1768680"/>
+            <a:ext cx="4426920" cy="4384080"/>
+          </a:xfrm>
+          <a:prstGeom prst="rect">
+            <a:avLst/>
+          </a:prstGeom>
+        </p:spPr>
+        <p:txBody>
+          <a:bodyPr lIns="0" rIns="0" tIns="0" bIns="0"/>
+          <a:p>
+            <a:endParaRPr/>
+          </a:p>
+        </p:txBody>
+      </p:sp>
+    </p:spTree>
+  </p:cSld>
+</p:sldLayout>
+</file>
+
+<file path=ppt/slideLayouts/slideLayout44.xml><?xml version="1.0" encoding="utf-8"?>
+<p:sldLayout xmlns:a="http://schemas.openxmlformats.org/drawingml/2006/main" xmlns:p="http://schemas.openxmlformats.org/presentationml/2006/main" xmlns:r="http://schemas.openxmlformats.org/officeDocument/2006/relationships" type="objAndTwoObj" preserve="1">
+  <p:cSld name="Title Content and 2 Content">
+    <p:spTree>
+      <p:nvGrpSpPr>
+        <p:cNvPr id="1" name=""/>
+        <p:cNvGrpSpPr/>
+        <p:nvPr/>
+      </p:nvGrpSpPr>
+      <p:grpSpPr>
+        <a:xfrm>
+          <a:off x="0" y="0"/>
+          <a:ext cx="0" cy="0"/>
+          <a:chOff x="0" y="0"/>
+          <a:chExt cx="0" cy="0"/>
+        </a:xfrm>
+      </p:grpSpPr>
+      <p:sp>
+        <p:nvSpPr>
+          <p:cNvPr id="123" name="PlaceHolder 1"/>
+          <p:cNvSpPr>
+            <a:spLocks noGrp="1"/>
+          </p:cNvSpPr>
+          <p:nvPr>
+            <p:ph type="title"/>
+          </p:nvPr>
+        </p:nvSpPr>
+        <p:spPr>
+          <a:xfrm>
+            <a:off x="504000" y="301320"/>
+            <a:ext cx="9072000" cy="1261800"/>
+          </a:xfrm>
+          <a:prstGeom prst="rect">
+            <a:avLst/>
+          </a:prstGeom>
+        </p:spPr>
+        <p:txBody>
+          <a:bodyPr lIns="0" rIns="0" tIns="0" bIns="0" anchor="ctr"/>
+          <a:p>
+            <a:pPr algn="ctr"/>
+            <a:endParaRPr/>
+          </a:p>
+        </p:txBody>
+      </p:sp>
+      <p:sp>
+        <p:nvSpPr>
+          <p:cNvPr id="124" name="PlaceHolder 2"/>
+          <p:cNvSpPr>
+            <a:spLocks noGrp="1"/>
+          </p:cNvSpPr>
+          <p:nvPr>
+            <p:ph type="body"/>
+          </p:nvPr>
+        </p:nvSpPr>
+        <p:spPr>
+          <a:xfrm>
+            <a:off x="504000" y="1768680"/>
+            <a:ext cx="4426920" cy="4384080"/>
+          </a:xfrm>
+          <a:prstGeom prst="rect">
+            <a:avLst/>
+          </a:prstGeom>
+        </p:spPr>
+        <p:txBody>
+          <a:bodyPr lIns="0" rIns="0" tIns="0" bIns="0"/>
+          <a:p>
+            <a:endParaRPr/>
+          </a:p>
+        </p:txBody>
+      </p:sp>
+      <p:sp>
+        <p:nvSpPr>
+          <p:cNvPr id="125" name="PlaceHolder 3"/>
+          <p:cNvSpPr>
+            <a:spLocks noGrp="1"/>
+          </p:cNvSpPr>
+          <p:nvPr>
+            <p:ph type="body"/>
+          </p:nvPr>
+        </p:nvSpPr>
+        <p:spPr>
+          <a:xfrm>
+            <a:off x="5152680" y="1768680"/>
+            <a:ext cx="4426920" cy="2090880"/>
+          </a:xfrm>
+          <a:prstGeom prst="rect">
+            <a:avLst/>
+          </a:prstGeom>
+        </p:spPr>
+        <p:txBody>
+          <a:bodyPr lIns="0" rIns="0" tIns="0" bIns="0"/>
+          <a:p>
+            <a:endParaRPr/>
+          </a:p>
+        </p:txBody>
+      </p:sp>
+      <p:sp>
+        <p:nvSpPr>
+          <p:cNvPr id="126" name="PlaceHolder 4"/>
+          <p:cNvSpPr>
+            <a:spLocks noGrp="1"/>
+          </p:cNvSpPr>
+          <p:nvPr>
+            <p:ph type="body"/>
+          </p:nvPr>
+        </p:nvSpPr>
+        <p:spPr>
+          <a:xfrm>
+            <a:off x="5152680" y="4058640"/>
+            <a:ext cx="4426920" cy="2090880"/>
+          </a:xfrm>
+          <a:prstGeom prst="rect">
+            <a:avLst/>
+          </a:prstGeom>
+        </p:spPr>
+        <p:txBody>
+          <a:bodyPr lIns="0" rIns="0" tIns="0" bIns="0"/>
+          <a:p>
+            <a:endParaRPr/>
+          </a:p>
+        </p:txBody>
+      </p:sp>
+    </p:spTree>
+  </p:cSld>
+</p:sldLayout>
+</file>
+
+<file path=ppt/slideLayouts/slideLayout45.xml><?xml version="1.0" encoding="utf-8"?>
+<p:sldLayout xmlns:a="http://schemas.openxmlformats.org/drawingml/2006/main" xmlns:p="http://schemas.openxmlformats.org/presentationml/2006/main" xmlns:r="http://schemas.openxmlformats.org/officeDocument/2006/relationships" type="twoObjOverTx" preserve="1">
+  <p:cSld name="Title, 2 Content over Content">
+    <p:spTree>
+      <p:nvGrpSpPr>
+        <p:cNvPr id="1" name=""/>
+        <p:cNvGrpSpPr/>
+        <p:nvPr/>
+      </p:nvGrpSpPr>
+      <p:grpSpPr>
+        <a:xfrm>
+          <a:off x="0" y="0"/>
+          <a:ext cx="0" cy="0"/>
+          <a:chOff x="0" y="0"/>
+          <a:chExt cx="0" cy="0"/>
+        </a:xfrm>
+      </p:grpSpPr>
+      <p:sp>
+        <p:nvSpPr>
+          <p:cNvPr id="127" name="PlaceHolder 1"/>
+          <p:cNvSpPr>
+            <a:spLocks noGrp="1"/>
+          </p:cNvSpPr>
+          <p:nvPr>
+            <p:ph type="title"/>
+          </p:nvPr>
+        </p:nvSpPr>
+        <p:spPr>
+          <a:xfrm>
+            <a:off x="504000" y="301320"/>
+            <a:ext cx="9072000" cy="1261800"/>
+          </a:xfrm>
+          <a:prstGeom prst="rect">
+            <a:avLst/>
+          </a:prstGeom>
+        </p:spPr>
+        <p:txBody>
+          <a:bodyPr lIns="0" rIns="0" tIns="0" bIns="0" anchor="ctr"/>
+          <a:p>
+            <a:pPr algn="ctr"/>
+            <a:endParaRPr/>
+          </a:p>
+        </p:txBody>
+      </p:sp>
+      <p:sp>
+        <p:nvSpPr>
+          <p:cNvPr id="128" name="PlaceHolder 2"/>
+          <p:cNvSpPr>
+            <a:spLocks noGrp="1"/>
+          </p:cNvSpPr>
+          <p:nvPr>
+            <p:ph type="body"/>
+          </p:nvPr>
+        </p:nvSpPr>
+        <p:spPr>
+          <a:xfrm>
+            <a:off x="504000" y="1768680"/>
+            <a:ext cx="4426920" cy="2090880"/>
+          </a:xfrm>
+          <a:prstGeom prst="rect">
+            <a:avLst/>
+          </a:prstGeom>
+        </p:spPr>
+        <p:txBody>
+          <a:bodyPr lIns="0" rIns="0" tIns="0" bIns="0"/>
+          <a:p>
+            <a:endParaRPr/>
+          </a:p>
+        </p:txBody>
+      </p:sp>
+      <p:sp>
+        <p:nvSpPr>
+          <p:cNvPr id="129" name="PlaceHolder 3"/>
+          <p:cNvSpPr>
+            <a:spLocks noGrp="1"/>
+          </p:cNvSpPr>
+          <p:nvPr>
+            <p:ph type="body"/>
+          </p:nvPr>
+        </p:nvSpPr>
+        <p:spPr>
+          <a:xfrm>
+            <a:off x="5152680" y="1768680"/>
+            <a:ext cx="4426920" cy="2090880"/>
+          </a:xfrm>
+          <a:prstGeom prst="rect">
+            <a:avLst/>
+          </a:prstGeom>
+        </p:spPr>
+        <p:txBody>
+          <a:bodyPr lIns="0" rIns="0" tIns="0" bIns="0"/>
+          <a:p>
+            <a:endParaRPr/>
+          </a:p>
+        </p:txBody>
+      </p:sp>
+      <p:sp>
+        <p:nvSpPr>
+          <p:cNvPr id="130" name="PlaceHolder 4"/>
+          <p:cNvSpPr>
+            <a:spLocks noGrp="1"/>
+          </p:cNvSpPr>
+          <p:nvPr>
+            <p:ph type="body"/>
+          </p:nvPr>
+        </p:nvSpPr>
+        <p:spPr>
+          <a:xfrm>
+            <a:off x="504000" y="4058640"/>
+            <a:ext cx="9072000" cy="2090880"/>
+          </a:xfrm>
+          <a:prstGeom prst="rect">
+            <a:avLst/>
+          </a:prstGeom>
+        </p:spPr>
+        <p:txBody>
+          <a:bodyPr lIns="0" rIns="0" tIns="0" bIns="0"/>
+          <a:p>
+            <a:endParaRPr/>
+          </a:p>
+        </p:txBody>
+      </p:sp>
+    </p:spTree>
+  </p:cSld>
+</p:sldLayout>
+</file>
+
+<file path=ppt/slideLayouts/slideLayout46.xml><?xml version="1.0" encoding="utf-8"?>
+<p:sldLayout xmlns:a="http://schemas.openxmlformats.org/drawingml/2006/main" xmlns:p="http://schemas.openxmlformats.org/presentationml/2006/main" xmlns:r="http://schemas.openxmlformats.org/officeDocument/2006/relationships" type="objOverTx" preserve="1">
+  <p:cSld name="Title, Content over Content">
+    <p:spTree>
+      <p:nvGrpSpPr>
+        <p:cNvPr id="1" name=""/>
+        <p:cNvGrpSpPr/>
+        <p:nvPr/>
+      </p:nvGrpSpPr>
+      <p:grpSpPr>
+        <a:xfrm>
+          <a:off x="0" y="0"/>
+          <a:ext cx="0" cy="0"/>
+          <a:chOff x="0" y="0"/>
+          <a:chExt cx="0" cy="0"/>
+        </a:xfrm>
+      </p:grpSpPr>
+      <p:sp>
+        <p:nvSpPr>
+          <p:cNvPr id="131" name="PlaceHolder 1"/>
+          <p:cNvSpPr>
+            <a:spLocks noGrp="1"/>
+          </p:cNvSpPr>
+          <p:nvPr>
+            <p:ph type="title"/>
+          </p:nvPr>
+        </p:nvSpPr>
+        <p:spPr>
+          <a:xfrm>
+            <a:off x="504000" y="301320"/>
+            <a:ext cx="9072000" cy="1261800"/>
+          </a:xfrm>
+          <a:prstGeom prst="rect">
+            <a:avLst/>
+          </a:prstGeom>
+        </p:spPr>
+        <p:txBody>
+          <a:bodyPr lIns="0" rIns="0" tIns="0" bIns="0" anchor="ctr"/>
+          <a:p>
+            <a:pPr algn="ctr"/>
+            <a:endParaRPr/>
+          </a:p>
+        </p:txBody>
+      </p:sp>
+      <p:sp>
+        <p:nvSpPr>
+          <p:cNvPr id="132" name="PlaceHolder 2"/>
+          <p:cNvSpPr>
+            <a:spLocks noGrp="1"/>
+          </p:cNvSpPr>
+          <p:nvPr>
+            <p:ph type="body"/>
+          </p:nvPr>
+        </p:nvSpPr>
+        <p:spPr>
+          <a:xfrm>
+            <a:off x="504000" y="1768680"/>
+            <a:ext cx="9072000" cy="2090880"/>
+          </a:xfrm>
+          <a:prstGeom prst="rect">
+            <a:avLst/>
+          </a:prstGeom>
+        </p:spPr>
+        <p:txBody>
+          <a:bodyPr lIns="0" rIns="0" tIns="0" bIns="0"/>
+          <a:p>
+            <a:endParaRPr/>
+          </a:p>
+        </p:txBody>
+      </p:sp>
+      <p:sp>
+        <p:nvSpPr>
+          <p:cNvPr id="133" name="PlaceHolder 3"/>
+          <p:cNvSpPr>
+            <a:spLocks noGrp="1"/>
+          </p:cNvSpPr>
+          <p:nvPr>
+            <p:ph type="body"/>
+          </p:nvPr>
+        </p:nvSpPr>
+        <p:spPr>
+          <a:xfrm>
+            <a:off x="504000" y="4058640"/>
+            <a:ext cx="9072000" cy="2090880"/>
+          </a:xfrm>
+          <a:prstGeom prst="rect">
+            <a:avLst/>
+          </a:prstGeom>
+        </p:spPr>
+        <p:txBody>
+          <a:bodyPr lIns="0" rIns="0" tIns="0" bIns="0"/>
+          <a:p>
+            <a:endParaRPr/>
+          </a:p>
+        </p:txBody>
+      </p:sp>
+    </p:spTree>
+  </p:cSld>
+</p:sldLayout>
+</file>
+
+<file path=ppt/slideLayouts/slideLayout47.xml><?xml version="1.0" encoding="utf-8"?>
+<p:sldLayout xmlns:a="http://schemas.openxmlformats.org/drawingml/2006/main" xmlns:p="http://schemas.openxmlformats.org/presentationml/2006/main" xmlns:r="http://schemas.openxmlformats.org/officeDocument/2006/relationships" type="fourObj" preserve="1">
+  <p:cSld name="Title, 4 Content">
+    <p:spTree>
+      <p:nvGrpSpPr>
+        <p:cNvPr id="1" name=""/>
+        <p:cNvGrpSpPr/>
+        <p:nvPr/>
+      </p:nvGrpSpPr>
+      <p:grpSpPr>
+        <a:xfrm>
+          <a:off x="0" y="0"/>
+          <a:ext cx="0" cy="0"/>
+          <a:chOff x="0" y="0"/>
+          <a:chExt cx="0" cy="0"/>
+        </a:xfrm>
+      </p:grpSpPr>
+      <p:sp>
+        <p:nvSpPr>
+          <p:cNvPr id="134" name="PlaceHolder 1"/>
+          <p:cNvSpPr>
+            <a:spLocks noGrp="1"/>
+          </p:cNvSpPr>
+          <p:nvPr>
+            <p:ph type="title"/>
+          </p:nvPr>
+        </p:nvSpPr>
+        <p:spPr>
+          <a:xfrm>
+            <a:off x="504000" y="301320"/>
+            <a:ext cx="9072000" cy="1261800"/>
+          </a:xfrm>
+          <a:prstGeom prst="rect">
+            <a:avLst/>
+          </a:prstGeom>
+        </p:spPr>
+        <p:txBody>
+          <a:bodyPr lIns="0" rIns="0" tIns="0" bIns="0" anchor="ctr"/>
+          <a:p>
+            <a:pPr algn="ctr"/>
+            <a:endParaRPr/>
+          </a:p>
+        </p:txBody>
+      </p:sp>
+      <p:sp>
+        <p:nvSpPr>
+          <p:cNvPr id="135" name="PlaceHolder 2"/>
+          <p:cNvSpPr>
+            <a:spLocks noGrp="1"/>
+          </p:cNvSpPr>
+          <p:nvPr>
+            <p:ph type="body"/>
+          </p:nvPr>
+        </p:nvSpPr>
+        <p:spPr>
+          <a:xfrm>
+            <a:off x="504000" y="1768680"/>
+            <a:ext cx="4426920" cy="2090880"/>
+          </a:xfrm>
+          <a:prstGeom prst="rect">
+            <a:avLst/>
+          </a:prstGeom>
+        </p:spPr>
+        <p:txBody>
+          <a:bodyPr lIns="0" rIns="0" tIns="0" bIns="0"/>
+          <a:p>
+            <a:endParaRPr/>
+          </a:p>
+        </p:txBody>
+      </p:sp>
+      <p:sp>
+        <p:nvSpPr>
+          <p:cNvPr id="136" name="PlaceHolder 3"/>
+          <p:cNvSpPr>
+            <a:spLocks noGrp="1"/>
+          </p:cNvSpPr>
+          <p:nvPr>
+            <p:ph type="body"/>
+          </p:nvPr>
+        </p:nvSpPr>
+        <p:spPr>
+          <a:xfrm>
+            <a:off x="5152680" y="1768680"/>
+            <a:ext cx="4426920" cy="2090880"/>
+          </a:xfrm>
+          <a:prstGeom prst="rect">
+            <a:avLst/>
+          </a:prstGeom>
+        </p:spPr>
+        <p:txBody>
+          <a:bodyPr lIns="0" rIns="0" tIns="0" bIns="0"/>
+          <a:p>
+            <a:endParaRPr/>
+          </a:p>
+        </p:txBody>
+      </p:sp>
+      <p:sp>
+        <p:nvSpPr>
+          <p:cNvPr id="137" name="PlaceHolder 4"/>
+          <p:cNvSpPr>
+            <a:spLocks noGrp="1"/>
+          </p:cNvSpPr>
+          <p:nvPr>
+            <p:ph type="body"/>
+          </p:nvPr>
+        </p:nvSpPr>
+        <p:spPr>
+          <a:xfrm>
+            <a:off x="5152680" y="4058640"/>
+            <a:ext cx="4426920" cy="2090880"/>
+          </a:xfrm>
+          <a:prstGeom prst="rect">
+            <a:avLst/>
+          </a:prstGeom>
+        </p:spPr>
+        <p:txBody>
+          <a:bodyPr lIns="0" rIns="0" tIns="0" bIns="0"/>
+          <a:p>
+            <a:endParaRPr/>
+          </a:p>
+        </p:txBody>
+      </p:sp>
+      <p:sp>
+        <p:nvSpPr>
+          <p:cNvPr id="138" name="PlaceHolder 5"/>
+          <p:cNvSpPr>
+            <a:spLocks noGrp="1"/>
+          </p:cNvSpPr>
+          <p:nvPr>
+            <p:ph type="body"/>
+          </p:nvPr>
+        </p:nvSpPr>
+        <p:spPr>
+          <a:xfrm>
+            <a:off x="504000" y="4058640"/>
+            <a:ext cx="4426920" cy="2090880"/>
+          </a:xfrm>
+          <a:prstGeom prst="rect">
+            <a:avLst/>
+          </a:prstGeom>
+        </p:spPr>
+        <p:txBody>
+          <a:bodyPr lIns="0" rIns="0" tIns="0" bIns="0"/>
+          <a:p>
+            <a:endParaRPr/>
+          </a:p>
+        </p:txBody>
+      </p:sp>
+    </p:spTree>
+  </p:cSld>
+</p:sldLayout>
+</file>
+
+<file path=ppt/slideLayouts/slideLayout48.xml><?xml version="1.0" encoding="utf-8"?>
+<p:sldLayout xmlns:a="http://schemas.openxmlformats.org/drawingml/2006/main" xmlns:p="http://schemas.openxmlformats.org/presentationml/2006/main" xmlns:r="http://schemas.openxmlformats.org/officeDocument/2006/relationships" type="blank" preserve="1">
+  <p:cSld name="Title, 6 Content">
+    <p:spTree>
+      <p:nvGrpSpPr>
+        <p:cNvPr id="1" name=""/>
+        <p:cNvGrpSpPr/>
+        <p:nvPr/>
+      </p:nvGrpSpPr>
+      <p:grpSpPr>
+        <a:xfrm>
+          <a:off x="0" y="0"/>
+          <a:ext cx="0" cy="0"/>
+          <a:chOff x="0" y="0"/>
+          <a:chExt cx="0" cy="0"/>
+        </a:xfrm>
+      </p:grpSpPr>
+      <p:sp>
+        <p:nvSpPr>
+          <p:cNvPr id="139" name="PlaceHolder 1"/>
+          <p:cNvSpPr>
+            <a:spLocks noGrp="1"/>
+          </p:cNvSpPr>
+          <p:nvPr>
+            <p:ph type="title"/>
+          </p:nvPr>
+        </p:nvSpPr>
+        <p:spPr>
+          <a:xfrm>
+            <a:off x="504000" y="301320"/>
+            <a:ext cx="9072000" cy="1261800"/>
+          </a:xfrm>
+          <a:prstGeom prst="rect">
+            <a:avLst/>
+          </a:prstGeom>
+        </p:spPr>
+        <p:txBody>
+          <a:bodyPr lIns="0" rIns="0" tIns="0" bIns="0" anchor="ctr"/>
+          <a:p>
+            <a:pPr algn="ctr"/>
+            <a:endParaRPr/>
+          </a:p>
+        </p:txBody>
+      </p:sp>
+      <p:sp>
+        <p:nvSpPr>
+          <p:cNvPr id="140" name="PlaceHolder 2"/>
+          <p:cNvSpPr>
+            <a:spLocks noGrp="1"/>
+          </p:cNvSpPr>
+          <p:nvPr>
+            <p:ph type="body"/>
+          </p:nvPr>
+        </p:nvSpPr>
+        <p:spPr>
+          <a:xfrm>
+            <a:off x="504000" y="1768680"/>
+            <a:ext cx="9072000" cy="4384080"/>
+          </a:xfrm>
+          <a:prstGeom prst="rect">
+            <a:avLst/>
+          </a:prstGeom>
+        </p:spPr>
+        <p:txBody>
+          <a:bodyPr lIns="0" rIns="0" tIns="0" bIns="0"/>
+          <a:p>
+            <a:endParaRPr/>
+          </a:p>
+        </p:txBody>
+      </p:sp>
+      <p:sp>
+        <p:nvSpPr>
+          <p:cNvPr id="141" name="PlaceHolder 3"/>
+          <p:cNvSpPr>
+            <a:spLocks noGrp="1"/>
+          </p:cNvSpPr>
+          <p:nvPr>
+            <p:ph type="body"/>
+          </p:nvPr>
+        </p:nvSpPr>
+        <p:spPr>
+          <a:xfrm>
+            <a:off x="504000" y="1768680"/>
+            <a:ext cx="9072000" cy="4384080"/>
+          </a:xfrm>
+          <a:prstGeom prst="rect">
+            <a:avLst/>
+          </a:prstGeom>
+        </p:spPr>
+        <p:txBody>
+          <a:bodyPr lIns="0" rIns="0" tIns="0" bIns="0"/>
+          <a:p>
+            <a:endParaRPr/>
+          </a:p>
+        </p:txBody>
+      </p:sp>
+      <p:pic>
+        <p:nvPicPr>
+          <p:cNvPr id="142" name="" descr=""/>
+          <p:cNvPicPr/>
+          <p:nvPr/>
+        </p:nvPicPr>
+        <p:blipFill>
+          <a:blip r:embed="rId2"/>
+          <a:stretch/>
+        </p:blipFill>
+        <p:spPr>
+          <a:xfrm>
+            <a:off x="2292480" y="1768680"/>
+            <a:ext cx="5494680" cy="4384080"/>
+          </a:xfrm>
+          <a:prstGeom prst="rect">
+            <a:avLst/>
+          </a:prstGeom>
+          <a:ln>
+            <a:noFill/>
+          </a:ln>
+        </p:spPr>
+      </p:pic>
+      <p:pic>
+        <p:nvPicPr>
+          <p:cNvPr id="143" name="" descr=""/>
+          <p:cNvPicPr/>
+          <p:nvPr/>
+        </p:nvPicPr>
+        <p:blipFill>
+          <a:blip r:embed="rId3"/>
+          <a:stretch/>
+        </p:blipFill>
+        <p:spPr>
+          <a:xfrm>
+            <a:off x="2292480" y="1768680"/>
+            <a:ext cx="5494680" cy="4384080"/>
+          </a:xfrm>
+          <a:prstGeom prst="rect">
+            <a:avLst/>
+          </a:prstGeom>
+          <a:ln>
+            <a:noFill/>
+          </a:ln>
+        </p:spPr>
+      </p:pic>
     </p:spTree>
   </p:cSld>
 </p:sldLayout>
@@ -730,7 +4195,7 @@
       </p:grpSpPr>
       <p:sp>
         <p:nvSpPr>
-          <p:cNvPr id="12" name="PlaceHolder 1"/>
+          <p:cNvPr id="9" name="PlaceHolder 1"/>
           <p:cNvSpPr>
             <a:spLocks noGrp="1"/>
           </p:cNvSpPr>
@@ -741,7 +4206,7 @@
         <p:spPr>
           <a:xfrm>
             <a:off x="504000" y="301320"/>
-            <a:ext cx="9071640" cy="1262160"/>
+            <a:ext cx="9072000" cy="1261800"/>
           </a:xfrm>
           <a:prstGeom prst="rect">
             <a:avLst/>
@@ -779,7 +4244,7 @@
       </p:grpSpPr>
       <p:sp>
         <p:nvSpPr>
-          <p:cNvPr id="13" name="PlaceHolder 1"/>
+          <p:cNvPr id="10" name="PlaceHolder 1"/>
           <p:cNvSpPr>
             <a:spLocks noGrp="1"/>
           </p:cNvSpPr>
@@ -790,7 +4255,7 @@
         <p:spPr>
           <a:xfrm>
             <a:off x="504000" y="301320"/>
-            <a:ext cx="9071640" cy="5851800"/>
+            <a:ext cx="9072000" cy="5850360"/>
           </a:xfrm>
           <a:prstGeom prst="rect">
             <a:avLst/>
@@ -828,7 +4293,7 @@
       </p:grpSpPr>
       <p:sp>
         <p:nvSpPr>
-          <p:cNvPr id="14" name="PlaceHolder 1"/>
+          <p:cNvPr id="11" name="PlaceHolder 1"/>
           <p:cNvSpPr>
             <a:spLocks noGrp="1"/>
           </p:cNvSpPr>
@@ -839,7 +4304,7 @@
         <p:spPr>
           <a:xfrm>
             <a:off x="504000" y="301320"/>
-            <a:ext cx="9071640" cy="1262160"/>
+            <a:ext cx="9072000" cy="1261800"/>
           </a:xfrm>
           <a:prstGeom prst="rect">
             <a:avLst/>
@@ -855,7 +4320,7 @@
       </p:sp>
       <p:sp>
         <p:nvSpPr>
-          <p:cNvPr id="15" name="PlaceHolder 2"/>
+          <p:cNvPr id="12" name="PlaceHolder 2"/>
           <p:cNvSpPr>
             <a:spLocks noGrp="1"/>
           </p:cNvSpPr>
@@ -865,8 +4330,8 @@
         </p:nvSpPr>
         <p:spPr>
           <a:xfrm>
-            <a:off x="504000" y="1769040"/>
-            <a:ext cx="4426920" cy="2091240"/>
+            <a:off x="504000" y="1768680"/>
+            <a:ext cx="4426920" cy="2090880"/>
           </a:xfrm>
           <a:prstGeom prst="rect">
             <a:avLst/>
@@ -881,7 +4346,7 @@
       </p:sp>
       <p:sp>
         <p:nvSpPr>
-          <p:cNvPr id="16" name="PlaceHolder 3"/>
+          <p:cNvPr id="13" name="PlaceHolder 3"/>
           <p:cNvSpPr>
             <a:spLocks noGrp="1"/>
           </p:cNvSpPr>
@@ -891,8 +4356,8 @@
         </p:nvSpPr>
         <p:spPr>
           <a:xfrm>
-            <a:off x="504000" y="4059360"/>
-            <a:ext cx="4426920" cy="2091240"/>
+            <a:off x="504000" y="4058640"/>
+            <a:ext cx="4426920" cy="2090880"/>
           </a:xfrm>
           <a:prstGeom prst="rect">
             <a:avLst/>
@@ -907,7 +4372,7 @@
       </p:sp>
       <p:sp>
         <p:nvSpPr>
-          <p:cNvPr id="17" name="PlaceHolder 4"/>
+          <p:cNvPr id="14" name="PlaceHolder 4"/>
           <p:cNvSpPr>
             <a:spLocks noGrp="1"/>
           </p:cNvSpPr>
@@ -917,8 +4382,8 @@
         </p:nvSpPr>
         <p:spPr>
           <a:xfrm>
-            <a:off x="5152680" y="1769040"/>
-            <a:ext cx="4426920" cy="4384440"/>
+            <a:off x="5152680" y="1768680"/>
+            <a:ext cx="4426920" cy="4384080"/>
           </a:xfrm>
           <a:prstGeom prst="rect">
             <a:avLst/>
@@ -955,7 +4420,7 @@
       </p:grpSpPr>
       <p:sp>
         <p:nvSpPr>
-          <p:cNvPr id="18" name="PlaceHolder 1"/>
+          <p:cNvPr id="15" name="PlaceHolder 1"/>
           <p:cNvSpPr>
             <a:spLocks noGrp="1"/>
           </p:cNvSpPr>
@@ -966,7 +4431,7 @@
         <p:spPr>
           <a:xfrm>
             <a:off x="504000" y="301320"/>
-            <a:ext cx="9071640" cy="1262160"/>
+            <a:ext cx="9072000" cy="1261800"/>
           </a:xfrm>
           <a:prstGeom prst="rect">
             <a:avLst/>
@@ -982,7 +4447,7 @@
       </p:sp>
       <p:sp>
         <p:nvSpPr>
-          <p:cNvPr id="19" name="PlaceHolder 2"/>
+          <p:cNvPr id="16" name="PlaceHolder 2"/>
           <p:cNvSpPr>
             <a:spLocks noGrp="1"/>
           </p:cNvSpPr>
@@ -992,8 +4457,8 @@
         </p:nvSpPr>
         <p:spPr>
           <a:xfrm>
-            <a:off x="504000" y="1769040"/>
-            <a:ext cx="4426920" cy="4384440"/>
+            <a:off x="504000" y="1768680"/>
+            <a:ext cx="4426920" cy="4384080"/>
           </a:xfrm>
           <a:prstGeom prst="rect">
             <a:avLst/>
@@ -1008,7 +4473,7 @@
       </p:sp>
       <p:sp>
         <p:nvSpPr>
-          <p:cNvPr id="20" name="PlaceHolder 3"/>
+          <p:cNvPr id="17" name="PlaceHolder 3"/>
           <p:cNvSpPr>
             <a:spLocks noGrp="1"/>
           </p:cNvSpPr>
@@ -1018,8 +4483,8 @@
         </p:nvSpPr>
         <p:spPr>
           <a:xfrm>
-            <a:off x="5152680" y="1769040"/>
-            <a:ext cx="4426920" cy="2091240"/>
+            <a:off x="5152680" y="1768680"/>
+            <a:ext cx="4426920" cy="2090880"/>
           </a:xfrm>
           <a:prstGeom prst="rect">
             <a:avLst/>
@@ -1034,7 +4499,7 @@
       </p:sp>
       <p:sp>
         <p:nvSpPr>
-          <p:cNvPr id="21" name="PlaceHolder 4"/>
+          <p:cNvPr id="18" name="PlaceHolder 4"/>
           <p:cNvSpPr>
             <a:spLocks noGrp="1"/>
           </p:cNvSpPr>
@@ -1044,8 +4509,8 @@
         </p:nvSpPr>
         <p:spPr>
           <a:xfrm>
-            <a:off x="5152680" y="4059360"/>
-            <a:ext cx="4426920" cy="2091240"/>
+            <a:off x="5152680" y="4058640"/>
+            <a:ext cx="4426920" cy="2090880"/>
           </a:xfrm>
           <a:prstGeom prst="rect">
             <a:avLst/>
@@ -1082,7 +4547,7 @@
       </p:grpSpPr>
       <p:sp>
         <p:nvSpPr>
-          <p:cNvPr id="22" name="PlaceHolder 1"/>
+          <p:cNvPr id="19" name="PlaceHolder 1"/>
           <p:cNvSpPr>
             <a:spLocks noGrp="1"/>
           </p:cNvSpPr>
@@ -1093,7 +4558,7 @@
         <p:spPr>
           <a:xfrm>
             <a:off x="504000" y="301320"/>
-            <a:ext cx="9071640" cy="1262160"/>
+            <a:ext cx="9072000" cy="1261800"/>
           </a:xfrm>
           <a:prstGeom prst="rect">
             <a:avLst/>
@@ -1109,7 +4574,7 @@
       </p:sp>
       <p:sp>
         <p:nvSpPr>
-          <p:cNvPr id="23" name="PlaceHolder 2"/>
+          <p:cNvPr id="20" name="PlaceHolder 2"/>
           <p:cNvSpPr>
             <a:spLocks noGrp="1"/>
           </p:cNvSpPr>
@@ -1119,8 +4584,8 @@
         </p:nvSpPr>
         <p:spPr>
           <a:xfrm>
-            <a:off x="504000" y="1769040"/>
-            <a:ext cx="4426920" cy="2091240"/>
+            <a:off x="504000" y="1768680"/>
+            <a:ext cx="4426920" cy="2090880"/>
           </a:xfrm>
           <a:prstGeom prst="rect">
             <a:avLst/>
@@ -1135,7 +4600,7 @@
       </p:sp>
       <p:sp>
         <p:nvSpPr>
-          <p:cNvPr id="24" name="PlaceHolder 3"/>
+          <p:cNvPr id="21" name="PlaceHolder 3"/>
           <p:cNvSpPr>
             <a:spLocks noGrp="1"/>
           </p:cNvSpPr>
@@ -1145,8 +4610,8 @@
         </p:nvSpPr>
         <p:spPr>
           <a:xfrm>
-            <a:off x="5152680" y="1769040"/>
-            <a:ext cx="4426920" cy="2091240"/>
+            <a:off x="5152680" y="1768680"/>
+            <a:ext cx="4426920" cy="2090880"/>
           </a:xfrm>
           <a:prstGeom prst="rect">
             <a:avLst/>
@@ -1161,7 +4626,7 @@
       </p:sp>
       <p:sp>
         <p:nvSpPr>
-          <p:cNvPr id="25" name="PlaceHolder 4"/>
+          <p:cNvPr id="22" name="PlaceHolder 4"/>
           <p:cNvSpPr>
             <a:spLocks noGrp="1"/>
           </p:cNvSpPr>
@@ -1171,8 +4636,8 @@
         </p:nvSpPr>
         <p:spPr>
           <a:xfrm>
-            <a:off x="504000" y="4059360"/>
-            <a:ext cx="9071640" cy="2091240"/>
+            <a:off x="504000" y="4058640"/>
+            <a:ext cx="9072000" cy="2090880"/>
           </a:xfrm>
           <a:prstGeom prst="rect">
             <a:avLst/>
@@ -1220,7 +4685,7 @@
         <p:spPr>
           <a:xfrm>
             <a:off x="504000" y="301320"/>
-            <a:ext cx="9071640" cy="1262160"/>
+            <a:ext cx="9071280" cy="1261800"/>
           </a:xfrm>
           <a:prstGeom prst="rect">
             <a:avLst/>
@@ -1229,9 +4694,8 @@
         <p:txBody>
           <a:bodyPr lIns="0" rIns="0" tIns="0" bIns="0" anchor="ctr"/>
           <a:p>
-            <a:pPr algn="ctr"/>
             <a:r>
-              <a:rPr lang="it-IT" sz="4400">
+              <a:rPr lang="it-IT">
                 <a:latin typeface="Arial"/>
               </a:rPr>
               <a:t>Fai clic per modificare il formato del testo del titolo</a:t>
@@ -1252,8 +4716,8 @@
         </p:nvSpPr>
         <p:spPr>
           <a:xfrm>
-            <a:off x="504000" y="1769040"/>
-            <a:ext cx="9071640" cy="4384440"/>
+            <a:off x="504000" y="1768680"/>
+            <a:ext cx="9072000" cy="4384080"/>
           </a:xfrm>
           <a:prstGeom prst="rect">
             <a:avLst/>
@@ -1357,104 +4821,6 @@
               </a:rPr>
               <a:t>Settimo livello struttura</a:t>
             </a:r>
-            <a:endParaRPr/>
-          </a:p>
-        </p:txBody>
-      </p:sp>
-      <p:sp>
-        <p:nvSpPr>
-          <p:cNvPr id="2" name="PlaceHolder 3"/>
-          <p:cNvSpPr>
-            <a:spLocks noGrp="1"/>
-          </p:cNvSpPr>
-          <p:nvPr>
-            <p:ph type="dt"/>
-          </p:nvPr>
-        </p:nvSpPr>
-        <p:spPr>
-          <a:xfrm>
-            <a:off x="504000" y="6887160"/>
-            <a:ext cx="2348280" cy="521280"/>
-          </a:xfrm>
-          <a:prstGeom prst="rect">
-            <a:avLst/>
-          </a:prstGeom>
-        </p:spPr>
-        <p:txBody>
-          <a:bodyPr lIns="0" rIns="0" tIns="0" bIns="0"/>
-          <a:p>
-            <a:r>
-              <a:rPr lang="it-IT" sz="1400">
-                <a:latin typeface="Times New Roman"/>
-              </a:rPr>
-              <a:t>&lt;data/ora&gt;</a:t>
-            </a:r>
-            <a:endParaRPr/>
-          </a:p>
-        </p:txBody>
-      </p:sp>
-      <p:sp>
-        <p:nvSpPr>
-          <p:cNvPr id="3" name="PlaceHolder 4"/>
-          <p:cNvSpPr>
-            <a:spLocks noGrp="1"/>
-          </p:cNvSpPr>
-          <p:nvPr>
-            <p:ph type="ftr"/>
-          </p:nvPr>
-        </p:nvSpPr>
-        <p:spPr>
-          <a:xfrm>
-            <a:off x="3447360" y="6887160"/>
-            <a:ext cx="3195000" cy="521280"/>
-          </a:xfrm>
-          <a:prstGeom prst="rect">
-            <a:avLst/>
-          </a:prstGeom>
-        </p:spPr>
-        <p:txBody>
-          <a:bodyPr lIns="0" rIns="0" tIns="0" bIns="0"/>
-          <a:p>
-            <a:pPr algn="ctr"/>
-            <a:r>
-              <a:rPr lang="it-IT" sz="1400">
-                <a:latin typeface="Times New Roman"/>
-              </a:rPr>
-              <a:t>&lt;piè di pagina&gt;</a:t>
-            </a:r>
-            <a:endParaRPr/>
-          </a:p>
-        </p:txBody>
-      </p:sp>
-      <p:sp>
-        <p:nvSpPr>
-          <p:cNvPr id="4" name="PlaceHolder 5"/>
-          <p:cNvSpPr>
-            <a:spLocks noGrp="1"/>
-          </p:cNvSpPr>
-          <p:nvPr>
-            <p:ph type="sldNum"/>
-          </p:nvPr>
-        </p:nvSpPr>
-        <p:spPr>
-          <a:xfrm>
-            <a:off x="7227360" y="6887160"/>
-            <a:ext cx="2348280" cy="521280"/>
-          </a:xfrm>
-          <a:prstGeom prst="rect">
-            <a:avLst/>
-          </a:prstGeom>
-        </p:spPr>
-        <p:txBody>
-          <a:bodyPr lIns="0" rIns="0" tIns="0" bIns="0"/>
-          <a:p>
-            <a:pPr algn="r"/>
-            <a:fld id="{35B0A438-BD96-48F8-AFCC-543712CBEC6B}" type="slidenum">
-              <a:rPr lang="it-IT" sz="1400">
-                <a:latin typeface="Times New Roman"/>
-              </a:rPr>
-              <a:t>&lt;numero&gt;</a:t>
-            </a:fld>
             <a:endParaRPr/>
           </a:p>
         </p:txBody>
@@ -1475,6 +4841,578 @@
     <p:sldLayoutId id="2147483658" r:id="rId11"/>
     <p:sldLayoutId id="2147483659" r:id="rId12"/>
     <p:sldLayoutId id="2147483660" r:id="rId13"/>
+  </p:sldLayoutIdLst>
+</p:sldMaster>
+</file>
+
+<file path=ppt/slideMasters/slideMaster2.xml><?xml version="1.0" encoding="utf-8"?>
+<p:sldMaster xmlns:a="http://schemas.openxmlformats.org/drawingml/2006/main" xmlns:p="http://schemas.openxmlformats.org/presentationml/2006/main" xmlns:r="http://schemas.openxmlformats.org/officeDocument/2006/relationships">
+  <p:cSld>
+    <p:spTree>
+      <p:nvGrpSpPr>
+        <p:cNvPr id="1" name=""/>
+        <p:cNvGrpSpPr/>
+        <p:nvPr/>
+      </p:nvGrpSpPr>
+      <p:grpSpPr>
+        <a:xfrm>
+          <a:off x="0" y="0"/>
+          <a:ext cx="0" cy="0"/>
+          <a:chOff x="0" y="0"/>
+          <a:chExt cx="0" cy="0"/>
+        </a:xfrm>
+      </p:grpSpPr>
+      <p:sp>
+        <p:nvSpPr>
+          <p:cNvPr id="36" name="PlaceHolder 1"/>
+          <p:cNvSpPr>
+            <a:spLocks noGrp="1"/>
+          </p:cNvSpPr>
+          <p:nvPr>
+            <p:ph type="title"/>
+          </p:nvPr>
+        </p:nvSpPr>
+        <p:spPr>
+          <a:xfrm>
+            <a:off x="504000" y="301320"/>
+            <a:ext cx="9071280" cy="1261800"/>
+          </a:xfrm>
+          <a:prstGeom prst="rect">
+            <a:avLst/>
+          </a:prstGeom>
+        </p:spPr>
+        <p:txBody>
+          <a:bodyPr lIns="0" rIns="0" tIns="0" bIns="0" anchor="ctr"/>
+          <a:p>
+            <a:r>
+              <a:rPr lang="it-IT">
+                <a:latin typeface="Arial"/>
+              </a:rPr>
+              <a:t>Fai clic per modificare il formato del testo del titolo</a:t>
+            </a:r>
+            <a:endParaRPr/>
+          </a:p>
+        </p:txBody>
+      </p:sp>
+      <p:sp>
+        <p:nvSpPr>
+          <p:cNvPr id="37" name="PlaceHolder 2"/>
+          <p:cNvSpPr>
+            <a:spLocks noGrp="1"/>
+          </p:cNvSpPr>
+          <p:nvPr>
+            <p:ph type="body"/>
+          </p:nvPr>
+        </p:nvSpPr>
+        <p:spPr>
+          <a:xfrm>
+            <a:off x="504000" y="1769040"/>
+            <a:ext cx="9071280" cy="4384080"/>
+          </a:xfrm>
+          <a:prstGeom prst="rect">
+            <a:avLst/>
+          </a:prstGeom>
+        </p:spPr>
+        <p:txBody>
+          <a:bodyPr lIns="0" rIns="0" tIns="0" bIns="0"/>
+          <a:p>
+            <a:pPr>
+              <a:buSzPct val="45000"/>
+              <a:buFont typeface="StarSymbol"/>
+              <a:buChar char=""/>
+            </a:pPr>
+            <a:r>
+              <a:rPr lang="it-IT">
+                <a:latin typeface="Arial"/>
+              </a:rPr>
+              <a:t>Fai clic per modificare il formato del testo della struttura</a:t>
+            </a:r>
+            <a:endParaRPr/>
+          </a:p>
+          <a:p>
+            <a:pPr lvl="1">
+              <a:buSzPct val="75000"/>
+              <a:buFont typeface="StarSymbol"/>
+              <a:buChar char=""/>
+            </a:pPr>
+            <a:r>
+              <a:rPr lang="it-IT">
+                <a:latin typeface="Arial"/>
+              </a:rPr>
+              <a:t>Secondo livello struttura</a:t>
+            </a:r>
+            <a:endParaRPr/>
+          </a:p>
+          <a:p>
+            <a:pPr lvl="2">
+              <a:buSzPct val="45000"/>
+              <a:buFont typeface="StarSymbol"/>
+              <a:buChar char=""/>
+            </a:pPr>
+            <a:r>
+              <a:rPr lang="it-IT">
+                <a:latin typeface="Arial"/>
+              </a:rPr>
+              <a:t>Terzo livello struttura</a:t>
+            </a:r>
+            <a:endParaRPr/>
+          </a:p>
+          <a:p>
+            <a:pPr lvl="3">
+              <a:buSzPct val="75000"/>
+              <a:buFont typeface="StarSymbol"/>
+              <a:buChar char=""/>
+            </a:pPr>
+            <a:r>
+              <a:rPr lang="it-IT">
+                <a:latin typeface="Arial"/>
+              </a:rPr>
+              <a:t>Quarto livello struttura</a:t>
+            </a:r>
+            <a:endParaRPr/>
+          </a:p>
+          <a:p>
+            <a:pPr lvl="4">
+              <a:buSzPct val="45000"/>
+              <a:buFont typeface="StarSymbol"/>
+              <a:buChar char=""/>
+            </a:pPr>
+            <a:r>
+              <a:rPr lang="it-IT">
+                <a:latin typeface="Arial"/>
+              </a:rPr>
+              <a:t>Quinto livello struttura</a:t>
+            </a:r>
+            <a:endParaRPr/>
+          </a:p>
+          <a:p>
+            <a:pPr lvl="5">
+              <a:buSzPct val="45000"/>
+              <a:buFont typeface="StarSymbol"/>
+              <a:buChar char=""/>
+            </a:pPr>
+            <a:r>
+              <a:rPr lang="it-IT">
+                <a:latin typeface="Arial"/>
+              </a:rPr>
+              <a:t>Sesto livello struttura</a:t>
+            </a:r>
+            <a:endParaRPr/>
+          </a:p>
+          <a:p>
+            <a:pPr lvl="6">
+              <a:buSzPct val="45000"/>
+              <a:buFont typeface="StarSymbol"/>
+              <a:buChar char=""/>
+            </a:pPr>
+            <a:r>
+              <a:rPr lang="it-IT">
+                <a:latin typeface="Arial"/>
+              </a:rPr>
+              <a:t>Settimo livello struttura</a:t>
+            </a:r>
+            <a:endParaRPr/>
+          </a:p>
+        </p:txBody>
+      </p:sp>
+    </p:spTree>
+  </p:cSld>
+  <p:clrMap bg1="lt1" bg2="lt2" tx1="dk1" tx2="dk2" accent1="accent1" accent2="accent2" accent3="accent3" accent4="accent4" accent5="accent5" accent6="accent6" hlink="hlink" folHlink="folHlink"/>
+  <p:sldLayoutIdLst>
+    <p:sldLayoutId id="2147483662" r:id="rId2"/>
+    <p:sldLayoutId id="2147483663" r:id="rId3"/>
+    <p:sldLayoutId id="2147483664" r:id="rId4"/>
+    <p:sldLayoutId id="2147483665" r:id="rId5"/>
+    <p:sldLayoutId id="2147483666" r:id="rId6"/>
+    <p:sldLayoutId id="2147483667" r:id="rId7"/>
+    <p:sldLayoutId id="2147483668" r:id="rId8"/>
+    <p:sldLayoutId id="2147483669" r:id="rId9"/>
+    <p:sldLayoutId id="2147483670" r:id="rId10"/>
+    <p:sldLayoutId id="2147483671" r:id="rId11"/>
+    <p:sldLayoutId id="2147483672" r:id="rId12"/>
+    <p:sldLayoutId id="2147483673" r:id="rId13"/>
+  </p:sldLayoutIdLst>
+</p:sldMaster>
+</file>
+
+<file path=ppt/slideMasters/slideMaster3.xml><?xml version="1.0" encoding="utf-8"?>
+<p:sldMaster xmlns:a="http://schemas.openxmlformats.org/drawingml/2006/main" xmlns:p="http://schemas.openxmlformats.org/presentationml/2006/main" xmlns:r="http://schemas.openxmlformats.org/officeDocument/2006/relationships">
+  <p:cSld>
+    <p:spTree>
+      <p:nvGrpSpPr>
+        <p:cNvPr id="1" name=""/>
+        <p:cNvGrpSpPr/>
+        <p:nvPr/>
+      </p:nvGrpSpPr>
+      <p:grpSpPr>
+        <a:xfrm>
+          <a:off x="0" y="0"/>
+          <a:ext cx="0" cy="0"/>
+          <a:chOff x="0" y="0"/>
+          <a:chExt cx="0" cy="0"/>
+        </a:xfrm>
+      </p:grpSpPr>
+      <p:sp>
+        <p:nvSpPr>
+          <p:cNvPr id="72" name="PlaceHolder 1"/>
+          <p:cNvSpPr>
+            <a:spLocks noGrp="1"/>
+          </p:cNvSpPr>
+          <p:nvPr>
+            <p:ph type="title"/>
+          </p:nvPr>
+        </p:nvSpPr>
+        <p:spPr>
+          <a:xfrm>
+            <a:off x="504000" y="301320"/>
+            <a:ext cx="9072000" cy="1261800"/>
+          </a:xfrm>
+          <a:prstGeom prst="rect">
+            <a:avLst/>
+          </a:prstGeom>
+        </p:spPr>
+        <p:txBody>
+          <a:bodyPr lIns="0" rIns="0" tIns="0" bIns="0" anchor="ctr"/>
+          <a:p>
+            <a:pPr algn="ctr"/>
+            <a:r>
+              <a:rPr lang="it-IT" sz="4400">
+                <a:latin typeface="Arial"/>
+              </a:rPr>
+              <a:t>Fai clic per modificare il formato del testo del titolo</a:t>
+            </a:r>
+            <a:endParaRPr/>
+          </a:p>
+        </p:txBody>
+      </p:sp>
+      <p:sp>
+        <p:nvSpPr>
+          <p:cNvPr id="73" name="PlaceHolder 2"/>
+          <p:cNvSpPr>
+            <a:spLocks noGrp="1"/>
+          </p:cNvSpPr>
+          <p:nvPr>
+            <p:ph type="body"/>
+          </p:nvPr>
+        </p:nvSpPr>
+        <p:spPr>
+          <a:xfrm>
+            <a:off x="504000" y="1768680"/>
+            <a:ext cx="9072000" cy="4384080"/>
+          </a:xfrm>
+          <a:prstGeom prst="rect">
+            <a:avLst/>
+          </a:prstGeom>
+        </p:spPr>
+        <p:txBody>
+          <a:bodyPr lIns="0" rIns="0" tIns="0" bIns="0"/>
+          <a:p>
+            <a:pPr>
+              <a:buSzPct val="45000"/>
+              <a:buFont typeface="StarSymbol"/>
+              <a:buChar char=""/>
+            </a:pPr>
+            <a:r>
+              <a:rPr lang="it-IT" sz="3200">
+                <a:latin typeface="Arial"/>
+              </a:rPr>
+              <a:t>Fai clic per modificare il formato del testo della struttura</a:t>
+            </a:r>
+            <a:endParaRPr/>
+          </a:p>
+          <a:p>
+            <a:pPr lvl="1">
+              <a:buSzPct val="75000"/>
+              <a:buFont typeface="StarSymbol"/>
+              <a:buChar char=""/>
+            </a:pPr>
+            <a:r>
+              <a:rPr lang="it-IT" sz="2800">
+                <a:latin typeface="Arial"/>
+              </a:rPr>
+              <a:t>Secondo livello struttura</a:t>
+            </a:r>
+            <a:endParaRPr/>
+          </a:p>
+          <a:p>
+            <a:pPr lvl="2">
+              <a:buSzPct val="45000"/>
+              <a:buFont typeface="StarSymbol"/>
+              <a:buChar char=""/>
+            </a:pPr>
+            <a:r>
+              <a:rPr lang="it-IT" sz="2400">
+                <a:latin typeface="Arial"/>
+              </a:rPr>
+              <a:t>Terzo livello struttura</a:t>
+            </a:r>
+            <a:endParaRPr/>
+          </a:p>
+          <a:p>
+            <a:pPr lvl="3">
+              <a:buSzPct val="75000"/>
+              <a:buFont typeface="StarSymbol"/>
+              <a:buChar char=""/>
+            </a:pPr>
+            <a:r>
+              <a:rPr lang="it-IT" sz="2000">
+                <a:latin typeface="Arial"/>
+              </a:rPr>
+              <a:t>Quarto livello struttura</a:t>
+            </a:r>
+            <a:endParaRPr/>
+          </a:p>
+          <a:p>
+            <a:pPr lvl="4">
+              <a:buSzPct val="45000"/>
+              <a:buFont typeface="StarSymbol"/>
+              <a:buChar char=""/>
+            </a:pPr>
+            <a:r>
+              <a:rPr lang="it-IT" sz="2000">
+                <a:latin typeface="Arial"/>
+              </a:rPr>
+              <a:t>Quinto livello struttura</a:t>
+            </a:r>
+            <a:endParaRPr/>
+          </a:p>
+          <a:p>
+            <a:pPr lvl="5">
+              <a:buSzPct val="45000"/>
+              <a:buFont typeface="StarSymbol"/>
+              <a:buChar char=""/>
+            </a:pPr>
+            <a:r>
+              <a:rPr lang="it-IT" sz="2000">
+                <a:latin typeface="Arial"/>
+              </a:rPr>
+              <a:t>Sesto livello struttura</a:t>
+            </a:r>
+            <a:endParaRPr/>
+          </a:p>
+          <a:p>
+            <a:pPr lvl="6">
+              <a:buSzPct val="45000"/>
+              <a:buFont typeface="StarSymbol"/>
+              <a:buChar char=""/>
+            </a:pPr>
+            <a:r>
+              <a:rPr lang="it-IT" sz="2000">
+                <a:latin typeface="Arial"/>
+              </a:rPr>
+              <a:t>Settimo livello struttura</a:t>
+            </a:r>
+            <a:endParaRPr/>
+          </a:p>
+        </p:txBody>
+      </p:sp>
+    </p:spTree>
+  </p:cSld>
+  <p:clrMap bg1="lt1" bg2="lt2" tx1="dk1" tx2="dk2" accent1="accent1" accent2="accent2" accent3="accent3" accent4="accent4" accent5="accent5" accent6="accent6" hlink="hlink" folHlink="folHlink"/>
+  <p:sldLayoutIdLst>
+    <p:sldLayoutId id="2147483675" r:id="rId2"/>
+    <p:sldLayoutId id="2147483676" r:id="rId3"/>
+    <p:sldLayoutId id="2147483677" r:id="rId4"/>
+    <p:sldLayoutId id="2147483678" r:id="rId5"/>
+    <p:sldLayoutId id="2147483679" r:id="rId6"/>
+    <p:sldLayoutId id="2147483680" r:id="rId7"/>
+    <p:sldLayoutId id="2147483681" r:id="rId8"/>
+    <p:sldLayoutId id="2147483682" r:id="rId9"/>
+    <p:sldLayoutId id="2147483683" r:id="rId10"/>
+    <p:sldLayoutId id="2147483684" r:id="rId11"/>
+    <p:sldLayoutId id="2147483685" r:id="rId12"/>
+    <p:sldLayoutId id="2147483686" r:id="rId13"/>
+  </p:sldLayoutIdLst>
+</p:sldMaster>
+</file>
+
+<file path=ppt/slideMasters/slideMaster4.xml><?xml version="1.0" encoding="utf-8"?>
+<p:sldMaster xmlns:a="http://schemas.openxmlformats.org/drawingml/2006/main" xmlns:p="http://schemas.openxmlformats.org/presentationml/2006/main" xmlns:r="http://schemas.openxmlformats.org/officeDocument/2006/relationships">
+  <p:cSld>
+    <p:spTree>
+      <p:nvGrpSpPr>
+        <p:cNvPr id="1" name=""/>
+        <p:cNvGrpSpPr/>
+        <p:nvPr/>
+      </p:nvGrpSpPr>
+      <p:grpSpPr>
+        <a:xfrm>
+          <a:off x="0" y="0"/>
+          <a:ext cx="0" cy="0"/>
+          <a:chOff x="0" y="0"/>
+          <a:chExt cx="0" cy="0"/>
+        </a:xfrm>
+      </p:grpSpPr>
+      <p:sp>
+        <p:nvSpPr>
+          <p:cNvPr id="108" name="PlaceHolder 1"/>
+          <p:cNvSpPr>
+            <a:spLocks noGrp="1"/>
+          </p:cNvSpPr>
+          <p:nvPr>
+            <p:ph type="title"/>
+          </p:nvPr>
+        </p:nvSpPr>
+        <p:spPr>
+          <a:xfrm>
+            <a:off x="504000" y="301320"/>
+            <a:ext cx="9072000" cy="1261800"/>
+          </a:xfrm>
+          <a:prstGeom prst="rect">
+            <a:avLst/>
+          </a:prstGeom>
+        </p:spPr>
+        <p:txBody>
+          <a:bodyPr lIns="0" rIns="0" tIns="0" bIns="0" anchor="ctr"/>
+          <a:p>
+            <a:pPr algn="ctr"/>
+            <a:r>
+              <a:rPr lang="it-IT" sz="4400">
+                <a:latin typeface="Arial"/>
+              </a:rPr>
+              <a:t>Fai clic per modificare il formato del testo del titolo</a:t>
+            </a:r>
+            <a:endParaRPr/>
+          </a:p>
+        </p:txBody>
+      </p:sp>
+      <p:sp>
+        <p:nvSpPr>
+          <p:cNvPr id="109" name="PlaceHolder 2"/>
+          <p:cNvSpPr>
+            <a:spLocks noGrp="1"/>
+          </p:cNvSpPr>
+          <p:nvPr>
+            <p:ph type="body"/>
+          </p:nvPr>
+        </p:nvSpPr>
+        <p:spPr>
+          <a:xfrm>
+            <a:off x="504000" y="1768680"/>
+            <a:ext cx="9072000" cy="4384080"/>
+          </a:xfrm>
+          <a:prstGeom prst="rect">
+            <a:avLst/>
+          </a:prstGeom>
+        </p:spPr>
+        <p:txBody>
+          <a:bodyPr lIns="0" rIns="0" tIns="0" bIns="0"/>
+          <a:p>
+            <a:pPr>
+              <a:buSzPct val="45000"/>
+              <a:buFont typeface="StarSymbol"/>
+              <a:buChar char=""/>
+            </a:pPr>
+            <a:r>
+              <a:rPr lang="it-IT" sz="3200">
+                <a:latin typeface="Arial"/>
+              </a:rPr>
+              <a:t>Fai clic per modificare il formato del testo della struttura</a:t>
+            </a:r>
+            <a:endParaRPr/>
+          </a:p>
+          <a:p>
+            <a:pPr lvl="1">
+              <a:buSzPct val="75000"/>
+              <a:buFont typeface="StarSymbol"/>
+              <a:buChar char=""/>
+            </a:pPr>
+            <a:r>
+              <a:rPr lang="it-IT" sz="2800">
+                <a:latin typeface="Arial"/>
+              </a:rPr>
+              <a:t>Secondo livello struttura</a:t>
+            </a:r>
+            <a:endParaRPr/>
+          </a:p>
+          <a:p>
+            <a:pPr lvl="2">
+              <a:buSzPct val="45000"/>
+              <a:buFont typeface="StarSymbol"/>
+              <a:buChar char=""/>
+            </a:pPr>
+            <a:r>
+              <a:rPr lang="it-IT" sz="2400">
+                <a:latin typeface="Arial"/>
+              </a:rPr>
+              <a:t>Terzo livello struttura</a:t>
+            </a:r>
+            <a:endParaRPr/>
+          </a:p>
+          <a:p>
+            <a:pPr lvl="3">
+              <a:buSzPct val="75000"/>
+              <a:buFont typeface="StarSymbol"/>
+              <a:buChar char=""/>
+            </a:pPr>
+            <a:r>
+              <a:rPr lang="it-IT" sz="2000">
+                <a:latin typeface="Arial"/>
+              </a:rPr>
+              <a:t>Quarto livello struttura</a:t>
+            </a:r>
+            <a:endParaRPr/>
+          </a:p>
+          <a:p>
+            <a:pPr lvl="4">
+              <a:buSzPct val="45000"/>
+              <a:buFont typeface="StarSymbol"/>
+              <a:buChar char=""/>
+            </a:pPr>
+            <a:r>
+              <a:rPr lang="it-IT" sz="2000">
+                <a:latin typeface="Arial"/>
+              </a:rPr>
+              <a:t>Quinto livello struttura</a:t>
+            </a:r>
+            <a:endParaRPr/>
+          </a:p>
+          <a:p>
+            <a:pPr lvl="5">
+              <a:buSzPct val="45000"/>
+              <a:buFont typeface="StarSymbol"/>
+              <a:buChar char=""/>
+            </a:pPr>
+            <a:r>
+              <a:rPr lang="it-IT" sz="2000">
+                <a:latin typeface="Arial"/>
+              </a:rPr>
+              <a:t>Sesto livello struttura</a:t>
+            </a:r>
+            <a:endParaRPr/>
+          </a:p>
+          <a:p>
+            <a:pPr lvl="6">
+              <a:buSzPct val="45000"/>
+              <a:buFont typeface="StarSymbol"/>
+              <a:buChar char=""/>
+            </a:pPr>
+            <a:r>
+              <a:rPr lang="it-IT" sz="2000">
+                <a:latin typeface="Arial"/>
+              </a:rPr>
+              <a:t>Settimo livello struttura</a:t>
+            </a:r>
+            <a:endParaRPr/>
+          </a:p>
+        </p:txBody>
+      </p:sp>
+    </p:spTree>
+  </p:cSld>
+  <p:clrMap bg1="lt1" bg2="lt2" tx1="dk1" tx2="dk2" accent1="accent1" accent2="accent2" accent3="accent3" accent4="accent4" accent5="accent5" accent6="accent6" hlink="hlink" folHlink="folHlink"/>
+  <p:sldLayoutIdLst>
+    <p:sldLayoutId id="2147483688" r:id="rId2"/>
+    <p:sldLayoutId id="2147483689" r:id="rId3"/>
+    <p:sldLayoutId id="2147483690" r:id="rId4"/>
+    <p:sldLayoutId id="2147483691" r:id="rId5"/>
+    <p:sldLayoutId id="2147483692" r:id="rId6"/>
+    <p:sldLayoutId id="2147483693" r:id="rId7"/>
+    <p:sldLayoutId id="2147483694" r:id="rId8"/>
+    <p:sldLayoutId id="2147483695" r:id="rId9"/>
+    <p:sldLayoutId id="2147483696" r:id="rId10"/>
+    <p:sldLayoutId id="2147483697" r:id="rId11"/>
+    <p:sldLayoutId id="2147483698" r:id="rId12"/>
+    <p:sldLayoutId id="2147483699" r:id="rId13"/>
   </p:sldLayoutIdLst>
 </p:sldMaster>
 </file>
@@ -1498,14 +5436,14 @@
       </p:grpSpPr>
       <p:sp>
         <p:nvSpPr>
-          <p:cNvPr id="39" name="TextShape 1"/>
-          <p:cNvSpPr txBox="1"/>
+          <p:cNvPr id="144" name="CustomShape 1"/>
+          <p:cNvSpPr/>
           <p:nvPr/>
         </p:nvSpPr>
         <p:spPr>
           <a:xfrm>
             <a:off x="504360" y="2736000"/>
-            <a:ext cx="9071640" cy="1262160"/>
+            <a:ext cx="9071280" cy="1261800"/>
           </a:xfrm>
           <a:prstGeom prst="rect">
             <a:avLst/>
@@ -1515,43 +5453,80 @@
             <a:noFill/>
           </a:ln>
         </p:spPr>
+        <p:style>
+          <a:lnRef idx="0"/>
+          <a:fillRef idx="0"/>
+          <a:effectRef idx="0"/>
+          <a:fontRef idx="minor"/>
+        </p:style>
         <p:txBody>
           <a:bodyPr lIns="0" rIns="0" tIns="0" bIns="0" anchor="ctr"/>
           <a:p>
             <a:pPr algn="ctr"/>
             <a:r>
-              <a:rPr b="1" lang="it-IT" sz="4400">
+              <a:rPr b="1" lang="it-IT" sz="4400" strike="noStrike">
                 <a:latin typeface="Arial"/>
               </a:rPr>
               <a:t>Design Document (DD)</a:t>
             </a:r>
+            <a:endParaRPr/>
+          </a:p>
+          <a:p>
+            <a:pPr algn="ctr">
+              <a:lnSpc>
+                <a:spcPct val="100000"/>
+              </a:lnSpc>
+            </a:pPr>
             <a:r>
-              <a:rPr b="1" lang="it-IT" sz="4400">
-                <a:latin typeface="Arial"/>
-              </a:rPr>
-              <a:t>
-</a:t>
-            </a:r>
-            <a:r>
-              <a:rPr b="1" lang="it-IT" sz="4400">
+              <a:rPr b="1" lang="it-IT" sz="4400" strike="noStrike">
                 <a:latin typeface="Arial"/>
               </a:rPr>
               <a:t>Delivery</a:t>
             </a:r>
             <a:endParaRPr/>
           </a:p>
-        </p:txBody>
-      </p:sp>
-      <p:sp>
-        <p:nvSpPr>
-          <p:cNvPr id="40" name="TextShape 2"/>
-          <p:cNvSpPr txBox="1"/>
+          <a:p>
+            <a:pPr algn="ctr">
+              <a:lnSpc>
+                <a:spcPct val="100000"/>
+              </a:lnSpc>
+            </a:pPr>
+            <a:endParaRPr/>
+          </a:p>
+          <a:p>
+            <a:pPr algn="ctr">
+              <a:lnSpc>
+                <a:spcPct val="100000"/>
+              </a:lnSpc>
+            </a:pPr>
+            <a:r>
+              <a:rPr i="1" lang="it-IT" sz="2800" strike="noStrike">
+                <a:latin typeface="Arial"/>
+              </a:rPr>
+              <a:t>Scotti Giovanni, Trabucchi Marco</a:t>
+            </a:r>
+            <a:endParaRPr/>
+          </a:p>
+          <a:p>
+            <a:pPr algn="ctr">
+              <a:lnSpc>
+                <a:spcPct val="100000"/>
+              </a:lnSpc>
+            </a:pPr>
+            <a:endParaRPr/>
+          </a:p>
+        </p:txBody>
+      </p:sp>
+      <p:sp>
+        <p:nvSpPr>
+          <p:cNvPr id="145" name="CustomShape 2"/>
+          <p:cNvSpPr/>
           <p:nvPr/>
         </p:nvSpPr>
         <p:spPr>
           <a:xfrm>
             <a:off x="504360" y="3566520"/>
-            <a:ext cx="9071640" cy="1905480"/>
+            <a:ext cx="9071280" cy="1905120"/>
           </a:xfrm>
           <a:prstGeom prst="rect">
             <a:avLst/>
@@ -1561,15 +5536,25 @@
             <a:noFill/>
           </a:ln>
         </p:spPr>
+        <p:style>
+          <a:lnRef idx="0"/>
+          <a:fillRef idx="0"/>
+          <a:effectRef idx="0"/>
+          <a:fontRef idx="minor"/>
+        </p:style>
         <p:txBody>
           <a:bodyPr lIns="0" rIns="0" tIns="0" bIns="0" anchor="ctr"/>
           <a:p>
-            <a:pPr algn="ctr"/>
+            <a:pPr algn="ctr">
+              <a:lnSpc>
+                <a:spcPct val="100000"/>
+              </a:lnSpc>
+            </a:pPr>
             <a:r>
-              <a:rPr lang="it-IT" sz="3200">
+              <a:rPr lang="it-IT" sz="3200" strike="noStrike">
                 <a:latin typeface="Arial"/>
               </a:rPr>
-              <a:t>Lab 11/12/2016</a:t>
+              <a:t>Lab 14/12/2016</a:t>
             </a:r>
             <a:endParaRPr/>
           </a:p>
@@ -1626,7 +5611,7 @@
       </p:grpSpPr>
       <p:pic>
         <p:nvPicPr>
-          <p:cNvPr id="51" name="" descr=""/>
+          <p:cNvPr id="156" name="" descr=""/>
           <p:cNvPicPr/>
           <p:nvPr/>
         </p:nvPicPr>
@@ -1637,7 +5622,7 @@
         <p:spPr>
           <a:xfrm>
             <a:off x="158760" y="59760"/>
-            <a:ext cx="9921240" cy="7788240"/>
+            <a:ext cx="9920880" cy="7787880"/>
           </a:xfrm>
           <a:prstGeom prst="rect">
             <a:avLst/>
@@ -1649,14 +5634,14 @@
       </p:pic>
       <p:sp>
         <p:nvSpPr>
-          <p:cNvPr id="52" name="CustomShape 1"/>
+          <p:cNvPr id="157" name="CustomShape 1"/>
           <p:cNvSpPr/>
           <p:nvPr/>
         </p:nvSpPr>
         <p:spPr>
           <a:xfrm rot="152400">
-            <a:off x="4107600" y="5661720"/>
-            <a:ext cx="4421160" cy="1729440"/>
+            <a:off x="4107240" y="5661360"/>
+            <a:ext cx="4420800" cy="1729080"/>
           </a:xfrm>
           <a:prstGeom prst="ellipse">
             <a:avLst/>
@@ -1727,7 +5712,7 @@
       </p:grpSpPr>
       <p:pic>
         <p:nvPicPr>
-          <p:cNvPr id="53" name="" descr=""/>
+          <p:cNvPr id="158" name="" descr=""/>
           <p:cNvPicPr/>
           <p:nvPr/>
         </p:nvPicPr>
@@ -1738,7 +5723,7 @@
         <p:spPr>
           <a:xfrm>
             <a:off x="936000" y="36000"/>
-            <a:ext cx="8280000" cy="7462800"/>
+            <a:ext cx="8279640" cy="7462440"/>
           </a:xfrm>
           <a:prstGeom prst="rect">
             <a:avLst/>
@@ -1799,7 +5784,7 @@
       </p:grpSpPr>
       <p:pic>
         <p:nvPicPr>
-          <p:cNvPr id="54" name="" descr=""/>
+          <p:cNvPr id="159" name="" descr=""/>
           <p:cNvPicPr/>
           <p:nvPr/>
         </p:nvPicPr>
@@ -1810,7 +5795,7 @@
         <p:spPr>
           <a:xfrm>
             <a:off x="158760" y="59760"/>
-            <a:ext cx="9921240" cy="7788240"/>
+            <a:ext cx="9920880" cy="7787880"/>
           </a:xfrm>
           <a:prstGeom prst="rect">
             <a:avLst/>
@@ -1822,14 +5807,14 @@
       </p:pic>
       <p:sp>
         <p:nvSpPr>
-          <p:cNvPr id="55" name="CustomShape 1"/>
+          <p:cNvPr id="160" name="CustomShape 1"/>
           <p:cNvSpPr/>
           <p:nvPr/>
         </p:nvSpPr>
         <p:spPr>
           <a:xfrm rot="152400">
-            <a:off x="3940920" y="4429800"/>
-            <a:ext cx="3813480" cy="1607040"/>
+            <a:off x="3940560" y="4429440"/>
+            <a:ext cx="3813120" cy="1606680"/>
           </a:xfrm>
           <a:prstGeom prst="ellipse">
             <a:avLst/>
@@ -1900,7 +5885,7 @@
       </p:grpSpPr>
       <p:pic>
         <p:nvPicPr>
-          <p:cNvPr id="56" name="" descr=""/>
+          <p:cNvPr id="161" name="" descr=""/>
           <p:cNvPicPr/>
           <p:nvPr/>
         </p:nvPicPr>
@@ -1911,7 +5896,7 @@
         <p:spPr>
           <a:xfrm>
             <a:off x="844920" y="165960"/>
-            <a:ext cx="8666280" cy="7314120"/>
+            <a:ext cx="8665920" cy="7313760"/>
           </a:xfrm>
           <a:prstGeom prst="rect">
             <a:avLst/>
@@ -1972,7 +5957,7 @@
       </p:grpSpPr>
       <p:pic>
         <p:nvPicPr>
-          <p:cNvPr id="57" name="" descr=""/>
+          <p:cNvPr id="162" name="" descr=""/>
           <p:cNvPicPr/>
           <p:nvPr/>
         </p:nvPicPr>
@@ -1983,7 +5968,7 @@
         <p:spPr>
           <a:xfrm>
             <a:off x="158760" y="59760"/>
-            <a:ext cx="9921240" cy="7788240"/>
+            <a:ext cx="9920880" cy="7787880"/>
           </a:xfrm>
           <a:prstGeom prst="rect">
             <a:avLst/>
@@ -1995,14 +5980,14 @@
       </p:pic>
       <p:sp>
         <p:nvSpPr>
-          <p:cNvPr id="58" name="CustomShape 1"/>
+          <p:cNvPr id="163" name="CustomShape 1"/>
           <p:cNvSpPr/>
           <p:nvPr/>
         </p:nvSpPr>
         <p:spPr>
           <a:xfrm rot="21547800">
             <a:off x="4043880" y="3023280"/>
-            <a:ext cx="3813480" cy="1699200"/>
+            <a:ext cx="3813120" cy="1698840"/>
           </a:xfrm>
           <a:prstGeom prst="ellipse">
             <a:avLst/>
@@ -2073,7 +6058,7 @@
       </p:grpSpPr>
       <p:pic>
         <p:nvPicPr>
-          <p:cNvPr id="59" name="" descr=""/>
+          <p:cNvPr id="164" name="" descr=""/>
           <p:cNvPicPr/>
           <p:nvPr/>
         </p:nvPicPr>
@@ -2084,7 +6069,7 @@
         <p:spPr>
           <a:xfrm>
             <a:off x="130680" y="2120040"/>
-            <a:ext cx="9793800" cy="3379680"/>
+            <a:ext cx="9793440" cy="3379320"/>
           </a:xfrm>
           <a:prstGeom prst="rect">
             <a:avLst/>
@@ -2145,7 +6130,7 @@
       </p:grpSpPr>
       <p:pic>
         <p:nvPicPr>
-          <p:cNvPr id="60" name="" descr=""/>
+          <p:cNvPr id="165" name="" descr=""/>
           <p:cNvPicPr/>
           <p:nvPr/>
         </p:nvPicPr>
@@ -2156,7 +6141,7 @@
         <p:spPr>
           <a:xfrm>
             <a:off x="158760" y="59760"/>
-            <a:ext cx="9921240" cy="7788240"/>
+            <a:ext cx="9920880" cy="7787880"/>
           </a:xfrm>
           <a:prstGeom prst="rect">
             <a:avLst/>
@@ -2168,14 +6153,14 @@
       </p:pic>
       <p:sp>
         <p:nvSpPr>
-          <p:cNvPr id="61" name="CustomShape 1"/>
+          <p:cNvPr id="166" name="CustomShape 1"/>
           <p:cNvSpPr/>
           <p:nvPr/>
         </p:nvSpPr>
         <p:spPr>
           <a:xfrm rot="207600">
-            <a:off x="3859200" y="113400"/>
-            <a:ext cx="5532840" cy="1257120"/>
+            <a:off x="3858840" y="113040"/>
+            <a:ext cx="5532480" cy="1256760"/>
           </a:xfrm>
           <a:prstGeom prst="ellipse">
             <a:avLst/>
@@ -2246,7 +6231,7 @@
       </p:grpSpPr>
       <p:pic>
         <p:nvPicPr>
-          <p:cNvPr id="62" name="" descr=""/>
+          <p:cNvPr id="167" name="" descr=""/>
           <p:cNvPicPr/>
           <p:nvPr/>
         </p:nvPicPr>
@@ -2257,7 +6242,7 @@
         <p:spPr>
           <a:xfrm>
             <a:off x="216000" y="1400760"/>
-            <a:ext cx="9648000" cy="4818240"/>
+            <a:ext cx="9647640" cy="4817880"/>
           </a:xfrm>
           <a:prstGeom prst="rect">
             <a:avLst/>
@@ -2318,7 +6303,7 @@
       </p:grpSpPr>
       <p:pic>
         <p:nvPicPr>
-          <p:cNvPr id="63" name="" descr=""/>
+          <p:cNvPr id="168" name="" descr=""/>
           <p:cNvPicPr/>
           <p:nvPr/>
         </p:nvPicPr>
@@ -2329,7 +6314,7 @@
         <p:spPr>
           <a:xfrm>
             <a:off x="158760" y="59760"/>
-            <a:ext cx="9921240" cy="7788240"/>
+            <a:ext cx="9920880" cy="7787880"/>
           </a:xfrm>
           <a:prstGeom prst="rect">
             <a:avLst/>
@@ -2341,14 +6326,14 @@
       </p:pic>
       <p:sp>
         <p:nvSpPr>
-          <p:cNvPr id="64" name="CustomShape 1"/>
+          <p:cNvPr id="169" name="CustomShape 1"/>
           <p:cNvSpPr/>
           <p:nvPr/>
         </p:nvSpPr>
         <p:spPr>
           <a:xfrm rot="207600">
-            <a:off x="3856320" y="2199240"/>
-            <a:ext cx="6103800" cy="1331280"/>
+            <a:off x="3855960" y="2199240"/>
+            <a:ext cx="6103440" cy="1330920"/>
           </a:xfrm>
           <a:prstGeom prst="ellipse">
             <a:avLst/>
@@ -2419,7 +6404,7 @@
       </p:grpSpPr>
       <p:pic>
         <p:nvPicPr>
-          <p:cNvPr id="65" name="" descr=""/>
+          <p:cNvPr id="170" name="" descr=""/>
           <p:cNvPicPr/>
           <p:nvPr/>
         </p:nvPicPr>
@@ -2430,7 +6415,7 @@
         <p:spPr>
           <a:xfrm>
             <a:off x="216000" y="1544040"/>
-            <a:ext cx="9648000" cy="4531320"/>
+            <a:ext cx="9647640" cy="4530960"/>
           </a:xfrm>
           <a:prstGeom prst="rect">
             <a:avLst/>
@@ -2491,14 +6476,14 @@
       </p:grpSpPr>
       <p:sp>
         <p:nvSpPr>
-          <p:cNvPr id="41" name="TextShape 1"/>
-          <p:cNvSpPr txBox="1"/>
+          <p:cNvPr id="146" name="CustomShape 1"/>
+          <p:cNvSpPr/>
           <p:nvPr/>
         </p:nvSpPr>
         <p:spPr>
           <a:xfrm>
             <a:off x="504000" y="301320"/>
-            <a:ext cx="9071640" cy="1262160"/>
+            <a:ext cx="9071280" cy="1261800"/>
           </a:xfrm>
           <a:prstGeom prst="rect">
             <a:avLst/>
@@ -2508,12 +6493,22 @@
             <a:noFill/>
           </a:ln>
         </p:spPr>
+        <p:style>
+          <a:lnRef idx="0"/>
+          <a:fillRef idx="0"/>
+          <a:effectRef idx="0"/>
+          <a:fontRef idx="minor"/>
+        </p:style>
         <p:txBody>
           <a:bodyPr lIns="0" rIns="0" tIns="0" bIns="0" anchor="ctr"/>
           <a:p>
-            <a:pPr algn="ctr"/>
+            <a:pPr algn="ctr">
+              <a:lnSpc>
+                <a:spcPct val="100000"/>
+              </a:lnSpc>
+            </a:pPr>
             <a:r>
-              <a:rPr b="1" lang="it-IT" sz="4400">
+              <a:rPr b="1" lang="it-IT" sz="4400" strike="noStrike">
                 <a:latin typeface="Arial"/>
               </a:rPr>
               <a:t>Structure of the document</a:t>
@@ -2524,14 +6519,14 @@
       </p:sp>
       <p:sp>
         <p:nvSpPr>
-          <p:cNvPr id="42" name="TextShape 2"/>
-          <p:cNvSpPr txBox="1"/>
+          <p:cNvPr id="147" name="CustomShape 2"/>
+          <p:cNvSpPr/>
           <p:nvPr/>
         </p:nvSpPr>
         <p:spPr>
           <a:xfrm>
             <a:off x="504000" y="1769040"/>
-            <a:ext cx="9071640" cy="4384440"/>
+            <a:ext cx="9071280" cy="4384080"/>
           </a:xfrm>
           <a:prstGeom prst="rect">
             <a:avLst/>
@@ -2541,6 +6536,12 @@
             <a:noFill/>
           </a:ln>
         </p:spPr>
+        <p:style>
+          <a:lnRef idx="0"/>
+          <a:fillRef idx="0"/>
+          <a:effectRef idx="0"/>
+          <a:fontRef idx="minor"/>
+        </p:style>
         <p:txBody>
           <a:bodyPr lIns="0" rIns="0" tIns="0" bIns="0"/>
           <a:p>
@@ -2549,26 +6550,14 @@
                 <a:spcPct val="100000"/>
               </a:lnSpc>
               <a:buSzPct val="45000"/>
-              <a:buFont typeface="StarSymbol"/>
-              <a:buChar char=""/>
+              <a:buFont typeface="Segoe UI"/>
+              <a:buChar char="–"/>
             </a:pPr>
             <a:r>
-              <a:rPr b="1" lang="it-IT" sz="3200" strike="noStrike">
-                <a:solidFill>
-                  <a:srgbClr val="000000"/>
-                </a:solidFill>
+              <a:rPr lang="it-IT" sz="2800">
                 <a:latin typeface="Calibri"/>
               </a:rPr>
-              <a:t>IEEE</a:t>
-            </a:r>
-            <a:r>
-              <a:rPr lang="it-IT" sz="3200" strike="noStrike">
-                <a:solidFill>
-                  <a:srgbClr val="000000"/>
-                </a:solidFill>
-                <a:latin typeface="Calibri"/>
-              </a:rPr>
-              <a:t> standard 1016:2009</a:t>
+              <a:t>IEEE standard 1016:2009</a:t>
             </a:r>
             <a:endParaRPr/>
           </a:p>
@@ -2578,14 +6567,11 @@
                 <a:spcPct val="100000"/>
               </a:lnSpc>
               <a:buSzPct val="45000"/>
-              <a:buFont typeface="StarSymbol"/>
-              <a:buChar char=""/>
+              <a:buFont typeface="Segoe UI"/>
+              <a:buChar char="–"/>
             </a:pPr>
             <a:r>
-              <a:rPr lang="it-IT" sz="3200" strike="noStrike">
-                <a:solidFill>
-                  <a:srgbClr val="000000"/>
-                </a:solidFill>
+              <a:rPr lang="it-IT" sz="2800">
                 <a:latin typeface="Calibri"/>
               </a:rPr>
               <a:t>5 sections:</a:t>
@@ -2598,23 +6584,17 @@
                 <a:spcPct val="100000"/>
               </a:lnSpc>
               <a:buSzPct val="75000"/>
-              <a:buFont typeface="StarSymbol"/>
-              <a:buChar char=""/>
+              <a:buFont typeface="Segoe UI"/>
+              <a:buChar char="–"/>
             </a:pPr>
             <a:r>
-              <a:rPr b="1" lang="it-IT" sz="2800" strike="noStrike">
-                <a:solidFill>
-                  <a:srgbClr val="000000"/>
-                </a:solidFill>
+              <a:rPr b="1" lang="it-IT" sz="2800">
                 <a:latin typeface="Calibri"/>
               </a:rPr>
               <a:t>Introduction</a:t>
             </a:r>
             <a:r>
-              <a:rPr lang="it-IT" sz="2800" strike="noStrike">
-                <a:solidFill>
-                  <a:srgbClr val="000000"/>
-                </a:solidFill>
+              <a:rPr lang="it-IT" sz="2800">
                 <a:latin typeface="Calibri"/>
               </a:rPr>
               <a:t>;</a:t>
@@ -2627,26 +6607,20 @@
                 <a:spcPct val="100000"/>
               </a:lnSpc>
               <a:buSzPct val="75000"/>
-              <a:buFont typeface="StarSymbol"/>
-              <a:buChar char=""/>
+              <a:buFont typeface="Segoe UI"/>
+              <a:buChar char="–"/>
             </a:pPr>
             <a:r>
-              <a:rPr b="1" lang="it-IT" sz="2800" strike="noStrike">
-                <a:solidFill>
-                  <a:srgbClr val="000000"/>
-                </a:solidFill>
+              <a:rPr b="1" lang="it-IT" sz="2800">
                 <a:latin typeface="Calibri"/>
               </a:rPr>
-              <a:t>Architectural Design:</a:t>
+              <a:t>Architectural Design</a:t>
             </a:r>
             <a:r>
-              <a:rPr lang="it-IT" sz="2800" strike="noStrike">
-                <a:solidFill>
-                  <a:srgbClr val="000000"/>
-                </a:solidFill>
+              <a:rPr lang="it-IT" sz="2800">
                 <a:latin typeface="Calibri"/>
               </a:rPr>
-              <a:t> gradual analysis of the system components with a top-down approach, description of architectural choices;</a:t>
+              <a:t>: gradual analysis of the system components with a top-down approach, description of architectural choices;</a:t>
             </a:r>
             <a:endParaRPr/>
           </a:p>
@@ -2656,26 +6630,20 @@
                 <a:spcPct val="100000"/>
               </a:lnSpc>
               <a:buSzPct val="75000"/>
-              <a:buFont typeface="StarSymbol"/>
-              <a:buChar char=""/>
+              <a:buFont typeface="Segoe UI"/>
+              <a:buChar char="–"/>
             </a:pPr>
             <a:r>
-              <a:rPr b="1" lang="it-IT" sz="2800" strike="noStrike">
-                <a:solidFill>
-                  <a:srgbClr val="000000"/>
-                </a:solidFill>
+              <a:rPr b="1" lang="it-IT" sz="2800">
                 <a:latin typeface="Calibri"/>
               </a:rPr>
-              <a:t>Algorithm Design:</a:t>
+              <a:t>Algorithm Design</a:t>
             </a:r>
             <a:r>
-              <a:rPr lang="it-IT" sz="2800" strike="noStrike">
-                <a:solidFill>
-                  <a:srgbClr val="000000"/>
-                </a:solidFill>
+              <a:rPr lang="it-IT" sz="2800">
                 <a:latin typeface="Calibri"/>
               </a:rPr>
-              <a:t> description of the most crucial algorithms for the application;</a:t>
+              <a:t>: description of the most crucial algorithms for the application;</a:t>
             </a:r>
             <a:endParaRPr/>
           </a:p>
@@ -2732,7 +6700,7 @@
       </p:grpSpPr>
       <p:pic>
         <p:nvPicPr>
-          <p:cNvPr id="66" name="" descr=""/>
+          <p:cNvPr id="171" name="" descr=""/>
           <p:cNvPicPr/>
           <p:nvPr/>
         </p:nvPicPr>
@@ -2743,7 +6711,7 @@
         <p:spPr>
           <a:xfrm>
             <a:off x="158760" y="59760"/>
-            <a:ext cx="9921240" cy="7788240"/>
+            <a:ext cx="9920880" cy="7787880"/>
           </a:xfrm>
           <a:prstGeom prst="rect">
             <a:avLst/>
@@ -2755,14 +6723,14 @@
       </p:pic>
       <p:sp>
         <p:nvSpPr>
-          <p:cNvPr id="67" name="CustomShape 1"/>
+          <p:cNvPr id="172" name="CustomShape 1"/>
           <p:cNvSpPr/>
           <p:nvPr/>
         </p:nvSpPr>
         <p:spPr>
           <a:xfrm rot="207600">
-            <a:off x="3797280" y="1149480"/>
-            <a:ext cx="6103800" cy="1331280"/>
+            <a:off x="3796920" y="1149480"/>
+            <a:ext cx="6103440" cy="1330920"/>
           </a:xfrm>
           <a:prstGeom prst="ellipse">
             <a:avLst/>
@@ -2833,14 +6801,14 @@
       </p:grpSpPr>
       <p:sp>
         <p:nvSpPr>
-          <p:cNvPr id="68" name="TextShape 1"/>
-          <p:cNvSpPr txBox="1"/>
+          <p:cNvPr id="173" name="CustomShape 1"/>
+          <p:cNvSpPr/>
           <p:nvPr/>
         </p:nvSpPr>
         <p:spPr>
           <a:xfrm>
             <a:off x="504360" y="864000"/>
-            <a:ext cx="9071640" cy="5851800"/>
+            <a:ext cx="9071280" cy="5851440"/>
           </a:xfrm>
           <a:prstGeom prst="rect">
             <a:avLst/>
@@ -2850,24 +6818,34 @@
             <a:noFill/>
           </a:ln>
         </p:spPr>
+        <p:style>
+          <a:lnRef idx="0"/>
+          <a:fillRef idx="0"/>
+          <a:effectRef idx="0"/>
+          <a:fontRef idx="minor"/>
+        </p:style>
         <p:txBody>
           <a:bodyPr lIns="0" rIns="0" tIns="0" bIns="0" anchor="ctr"/>
           <a:p>
-            <a:pPr algn="ctr"/>
+            <a:pPr algn="ctr">
+              <a:lnSpc>
+                <a:spcPct val="100000"/>
+              </a:lnSpc>
+            </a:pPr>
             <a:r>
-              <a:rPr lang="it-IT" sz="3200">
+              <a:rPr lang="it-IT" sz="3200" strike="noStrike">
                 <a:latin typeface="Arial"/>
               </a:rPr>
               <a:t>Now that we have seen the specific design decisions, let's have a look at the </a:t>
             </a:r>
             <a:r>
-              <a:rPr b="1" lang="it-IT" sz="3200">
+              <a:rPr b="1" lang="it-IT" sz="3200" strike="noStrike">
                 <a:latin typeface="Arial"/>
               </a:rPr>
               <a:t>deployment choices</a:t>
             </a:r>
             <a:r>
-              <a:rPr lang="it-IT" sz="3200">
+              <a:rPr lang="it-IT" sz="3200" strike="noStrike">
                 <a:latin typeface="Arial"/>
               </a:rPr>
               <a:t> for all the components...</a:t>
@@ -2927,7 +6905,7 @@
       </p:grpSpPr>
       <p:pic>
         <p:nvPicPr>
-          <p:cNvPr id="69" name="" descr=""/>
+          <p:cNvPr id="174" name="" descr=""/>
           <p:cNvPicPr/>
           <p:nvPr/>
         </p:nvPicPr>
@@ -2938,7 +6916,7 @@
         <p:spPr>
           <a:xfrm>
             <a:off x="1296000" y="216000"/>
-            <a:ext cx="7309800" cy="11123640"/>
+            <a:ext cx="7309440" cy="11123280"/>
           </a:xfrm>
           <a:prstGeom prst="rect">
             <a:avLst/>
@@ -2999,7 +6977,7 @@
       </p:grpSpPr>
       <p:pic>
         <p:nvPicPr>
-          <p:cNvPr id="70" name="" descr=""/>
+          <p:cNvPr id="175" name="" descr=""/>
           <p:cNvPicPr/>
           <p:nvPr/>
         </p:nvPicPr>
@@ -3010,7 +6988,7 @@
         <p:spPr>
           <a:xfrm>
             <a:off x="1224000" y="-3780000"/>
-            <a:ext cx="7309800" cy="11123640"/>
+            <a:ext cx="7309440" cy="11123280"/>
           </a:xfrm>
           <a:prstGeom prst="rect">
             <a:avLst/>
@@ -3071,14 +7049,14 @@
       </p:grpSpPr>
       <p:sp>
         <p:nvSpPr>
-          <p:cNvPr id="71" name="TextShape 1"/>
-          <p:cNvSpPr txBox="1"/>
+          <p:cNvPr id="176" name="CustomShape 1"/>
+          <p:cNvSpPr/>
           <p:nvPr/>
         </p:nvSpPr>
         <p:spPr>
           <a:xfrm>
             <a:off x="504360" y="792000"/>
-            <a:ext cx="9071640" cy="5851800"/>
+            <a:ext cx="9071280" cy="5851440"/>
           </a:xfrm>
           <a:prstGeom prst="rect">
             <a:avLst/>
@@ -3088,36 +7066,34 @@
             <a:noFill/>
           </a:ln>
         </p:spPr>
+        <p:style>
+          <a:lnRef idx="0"/>
+          <a:fillRef idx="0"/>
+          <a:effectRef idx="0"/>
+          <a:fontRef idx="minor"/>
+        </p:style>
         <p:txBody>
           <a:bodyPr lIns="0" rIns="0" tIns="0" bIns="0" anchor="ctr"/>
           <a:p>
-            <a:pPr algn="ctr"/>
+            <a:pPr algn="ctr">
+              <a:lnSpc>
+                <a:spcPct val="100000"/>
+              </a:lnSpc>
+            </a:pPr>
             <a:r>
-              <a:rPr lang="it-IT" sz="3200">
+              <a:rPr lang="it-IT" sz="3200" strike="noStrike">
                 <a:latin typeface="Arial"/>
               </a:rPr>
-              <a:t>Let's see </a:t>
+              <a:t>Let's see the document for some insight on the </a:t>
             </a:r>
             <a:r>
-              <a:rPr lang="it-IT" sz="3200">
-                <a:latin typeface="Arial"/>
-              </a:rPr>
-              <a:t>the document</a:t>
-            </a:r>
-            <a:r>
-              <a:rPr lang="it-IT" sz="3200">
-                <a:latin typeface="Arial"/>
-              </a:rPr>
-              <a:t> for some insight on the </a:t>
-            </a:r>
-            <a:r>
-              <a:rPr b="1" lang="it-IT" sz="3200">
+              <a:rPr b="1" lang="it-IT" sz="3200" strike="noStrike">
                 <a:latin typeface="Arial"/>
               </a:rPr>
               <a:t>runtime view</a:t>
             </a:r>
             <a:r>
-              <a:rPr lang="it-IT" sz="3200">
+              <a:rPr lang="it-IT" sz="3200" strike="noStrike">
                 <a:latin typeface="Arial"/>
               </a:rPr>
               <a:t> for the most relevant aspects of the application...</a:t>
@@ -3125,25 +7101,33 @@
             <a:endParaRPr/>
           </a:p>
           <a:p>
-            <a:pPr algn="ctr"/>
-            <a:endParaRPr/>
-          </a:p>
-          <a:p>
-            <a:pPr algn="ctr"/>
+            <a:pPr algn="ctr">
+              <a:lnSpc>
+                <a:spcPct val="100000"/>
+              </a:lnSpc>
+            </a:pPr>
+            <a:endParaRPr/>
+          </a:p>
+          <a:p>
+            <a:pPr algn="ctr">
+              <a:lnSpc>
+                <a:spcPct val="100000"/>
+              </a:lnSpc>
+            </a:pPr>
             <a:r>
-              <a:rPr lang="it-IT" sz="3200">
+              <a:rPr lang="it-IT" sz="3200" strike="noStrike">
                 <a:latin typeface="Arial"/>
               </a:rPr>
               <a:t>...and an overall view of how the </a:t>
             </a:r>
             <a:r>
-              <a:rPr b="1" lang="it-IT" sz="3200">
+              <a:rPr b="1" lang="it-IT" sz="3200" strike="noStrike">
                 <a:latin typeface="Arial"/>
               </a:rPr>
               <a:t>User Interface</a:t>
             </a:r>
             <a:r>
-              <a:rPr lang="it-IT" sz="3200">
+              <a:rPr lang="it-IT" sz="3200" strike="noStrike">
                 <a:latin typeface="Arial"/>
               </a:rPr>
               <a:t> for the application should look like.</a:t>
@@ -3203,14 +7187,14 @@
       </p:grpSpPr>
       <p:sp>
         <p:nvSpPr>
-          <p:cNvPr id="72" name="TextShape 1"/>
-          <p:cNvSpPr txBox="1"/>
+          <p:cNvPr id="177" name="CustomShape 1"/>
+          <p:cNvSpPr/>
           <p:nvPr/>
         </p:nvSpPr>
         <p:spPr>
           <a:xfrm>
             <a:off x="504360" y="792000"/>
-            <a:ext cx="9071640" cy="5851800"/>
+            <a:ext cx="9071280" cy="5851440"/>
           </a:xfrm>
           <a:prstGeom prst="rect">
             <a:avLst/>
@@ -3220,12 +7204,22 @@
             <a:noFill/>
           </a:ln>
         </p:spPr>
+        <p:style>
+          <a:lnRef idx="0"/>
+          <a:fillRef idx="0"/>
+          <a:effectRef idx="0"/>
+          <a:fontRef idx="minor"/>
+        </p:style>
         <p:txBody>
           <a:bodyPr lIns="0" rIns="0" tIns="0" bIns="0" anchor="ctr"/>
           <a:p>
-            <a:pPr algn="ctr"/>
+            <a:pPr algn="ctr">
+              <a:lnSpc>
+                <a:spcPct val="100000"/>
+              </a:lnSpc>
+            </a:pPr>
             <a:r>
-              <a:rPr b="1" lang="it-IT" sz="3200">
+              <a:rPr b="1" lang="it-IT" sz="3200" strike="noStrike">
                 <a:latin typeface="Arial"/>
               </a:rPr>
               <a:t>QUESTIONS?</a:t>
@@ -3285,14 +7279,14 @@
       </p:grpSpPr>
       <p:sp>
         <p:nvSpPr>
-          <p:cNvPr id="43" name="TextShape 1"/>
-          <p:cNvSpPr txBox="1"/>
+          <p:cNvPr id="148" name="CustomShape 1"/>
+          <p:cNvSpPr/>
           <p:nvPr/>
         </p:nvSpPr>
         <p:spPr>
           <a:xfrm>
             <a:off x="1080000" y="1769040"/>
-            <a:ext cx="8495640" cy="4384440"/>
+            <a:ext cx="8495280" cy="4384080"/>
           </a:xfrm>
           <a:prstGeom prst="rect">
             <a:avLst/>
@@ -3302,6 +7296,12 @@
             <a:noFill/>
           </a:ln>
         </p:spPr>
+        <p:style>
+          <a:lnRef idx="0"/>
+          <a:fillRef idx="0"/>
+          <a:effectRef idx="0"/>
+          <a:fontRef idx="minor"/>
+        </p:style>
         <p:txBody>
           <a:bodyPr lIns="0" rIns="0" tIns="0" bIns="0"/>
           <a:p>
@@ -3415,14 +7415,14 @@
       </p:grpSpPr>
       <p:sp>
         <p:nvSpPr>
-          <p:cNvPr id="44" name="TextShape 1"/>
-          <p:cNvSpPr txBox="1"/>
+          <p:cNvPr id="149" name="CustomShape 1"/>
+          <p:cNvSpPr/>
           <p:nvPr/>
         </p:nvSpPr>
         <p:spPr>
           <a:xfrm>
             <a:off x="504360" y="864000"/>
-            <a:ext cx="9071640" cy="5851800"/>
+            <a:ext cx="9071280" cy="5851440"/>
           </a:xfrm>
           <a:prstGeom prst="rect">
             <a:avLst/>
@@ -3432,30 +7432,34 @@
             <a:noFill/>
           </a:ln>
         </p:spPr>
+        <p:style>
+          <a:lnRef idx="0"/>
+          <a:fillRef idx="0"/>
+          <a:effectRef idx="0"/>
+          <a:fontRef idx="minor"/>
+        </p:style>
         <p:txBody>
           <a:bodyPr lIns="0" rIns="0" tIns="0" bIns="0" anchor="ctr"/>
           <a:p>
-            <a:pPr algn="ctr"/>
+            <a:pPr algn="ctr">
+              <a:lnSpc>
+                <a:spcPct val="100000"/>
+              </a:lnSpc>
+            </a:pPr>
             <a:r>
-              <a:rPr lang="it-IT" sz="3200">
+              <a:rPr lang="it-IT" sz="3200" strike="noStrike">
                 <a:latin typeface="Arial"/>
               </a:rPr>
-              <a:t>Let's see </a:t>
+              <a:t>Let's see the</a:t>
             </a:r>
             <a:r>
-              <a:rPr lang="it-IT" sz="3200">
-                <a:latin typeface="Arial"/>
-              </a:rPr>
-              <a:t>the</a:t>
-            </a:r>
-            <a:r>
-              <a:rPr b="1" lang="it-IT" sz="3200">
+              <a:rPr b="1" lang="it-IT" sz="3200" strike="noStrike">
                 <a:latin typeface="Arial"/>
               </a:rPr>
               <a:t> design process</a:t>
             </a:r>
             <a:r>
-              <a:rPr lang="it-IT" sz="3200">
+              <a:rPr lang="it-IT" sz="3200" strike="noStrike">
                 <a:latin typeface="Arial"/>
               </a:rPr>
               <a:t> by analyzing the decision tree for the PowerEnJoy application project...</a:t>
@@ -3515,7 +7519,7 @@
       </p:grpSpPr>
       <p:pic>
         <p:nvPicPr>
-          <p:cNvPr id="45" name="" descr=""/>
+          <p:cNvPr id="150" name="" descr=""/>
           <p:cNvPicPr/>
           <p:nvPr/>
         </p:nvPicPr>
@@ -3526,7 +7530,7 @@
         <p:spPr>
           <a:xfrm>
             <a:off x="158760" y="59760"/>
-            <a:ext cx="9921240" cy="7788240"/>
+            <a:ext cx="9920880" cy="7787880"/>
           </a:xfrm>
           <a:prstGeom prst="rect">
             <a:avLst/>
@@ -3587,7 +7591,7 @@
       </p:grpSpPr>
       <p:pic>
         <p:nvPicPr>
-          <p:cNvPr id="46" name="" descr=""/>
+          <p:cNvPr id="151" name="" descr=""/>
           <p:cNvPicPr/>
           <p:nvPr/>
         </p:nvPicPr>
@@ -3598,7 +7602,7 @@
         <p:spPr>
           <a:xfrm>
             <a:off x="158760" y="59760"/>
-            <a:ext cx="9921240" cy="7788240"/>
+            <a:ext cx="9920880" cy="7787880"/>
           </a:xfrm>
           <a:prstGeom prst="rect">
             <a:avLst/>
@@ -3610,14 +7614,14 @@
       </p:pic>
       <p:sp>
         <p:nvSpPr>
-          <p:cNvPr id="47" name="CustomShape 1"/>
+          <p:cNvPr id="152" name="CustomShape 1"/>
           <p:cNvSpPr/>
           <p:nvPr/>
         </p:nvSpPr>
         <p:spPr>
           <a:xfrm rot="830400">
-            <a:off x="325080" y="2269080"/>
-            <a:ext cx="3471120" cy="1701360"/>
+            <a:off x="324720" y="2268720"/>
+            <a:ext cx="3470760" cy="1701000"/>
           </a:xfrm>
           <a:prstGeom prst="ellipse">
             <a:avLst/>
@@ -3688,7 +7692,7 @@
       </p:grpSpPr>
       <p:pic>
         <p:nvPicPr>
-          <p:cNvPr id="48" name="" descr=""/>
+          <p:cNvPr id="153" name="" descr=""/>
           <p:cNvPicPr/>
           <p:nvPr/>
         </p:nvPicPr>
@@ -3699,7 +7703,7 @@
         <p:spPr>
           <a:xfrm>
             <a:off x="576000" y="936000"/>
-            <a:ext cx="8855640" cy="5760000"/>
+            <a:ext cx="8855280" cy="5759640"/>
           </a:xfrm>
           <a:prstGeom prst="rect">
             <a:avLst/>
@@ -3760,7 +7764,7 @@
       </p:grpSpPr>
       <p:pic>
         <p:nvPicPr>
-          <p:cNvPr id="49" name="" descr=""/>
+          <p:cNvPr id="154" name="" descr=""/>
           <p:cNvPicPr/>
           <p:nvPr/>
         </p:nvPicPr>
@@ -3771,7 +7775,7 @@
         <p:spPr>
           <a:xfrm>
             <a:off x="72000" y="144000"/>
-            <a:ext cx="9906120" cy="7273800"/>
+            <a:ext cx="9905760" cy="7273440"/>
           </a:xfrm>
           <a:prstGeom prst="rect">
             <a:avLst/>
@@ -3832,7 +7836,7 @@
       </p:grpSpPr>
       <p:pic>
         <p:nvPicPr>
-          <p:cNvPr id="50" name="" descr=""/>
+          <p:cNvPr id="155" name="" descr=""/>
           <p:cNvPicPr/>
           <p:nvPr/>
         </p:nvPicPr>
@@ -3843,7 +7847,7 @@
         <p:spPr>
           <a:xfrm>
             <a:off x="416880" y="29880"/>
-            <a:ext cx="9386280" cy="7559640"/>
+            <a:ext cx="9385920" cy="7559280"/>
           </a:xfrm>
           <a:prstGeom prst="rect">
             <a:avLst/>
@@ -4106,4 +8110,673 @@
     </a:fmtScheme>
   </a:themeElements>
 </a:theme>
+</file>
+
+<file path=ppt/theme/theme2.xml><?xml version="1.0" encoding="utf-8"?>
+<a:theme xmlns:a="http://schemas.openxmlformats.org/drawingml/2006/main" name="Office Theme">
+  <a:themeElements>
+    <a:clrScheme name="Office">
+      <a:dk1>
+        <a:sysClr val="windowText" lastClr="000000"/>
+      </a:dk1>
+      <a:lt1>
+        <a:sysClr val="window" lastClr="FFFFFF"/>
+      </a:lt1>
+      <a:dk2>
+        <a:srgbClr val="1F497D"/>
+      </a:dk2>
+      <a:lt2>
+        <a:srgbClr val="EEECE1"/>
+      </a:lt2>
+      <a:accent1>
+        <a:srgbClr val="4F81BD"/>
+      </a:accent1>
+      <a:accent2>
+        <a:srgbClr val="C0504D"/>
+      </a:accent2>
+      <a:accent3>
+        <a:srgbClr val="9BBB59"/>
+      </a:accent3>
+      <a:accent4>
+        <a:srgbClr val="8064A2"/>
+      </a:accent4>
+      <a:accent5>
+        <a:srgbClr val="4BACC6"/>
+      </a:accent5>
+      <a:accent6>
+        <a:srgbClr val="F79646"/>
+      </a:accent6>
+      <a:hlink>
+        <a:srgbClr val="0000FF"/>
+      </a:hlink>
+      <a:folHlink>
+        <a:srgbClr val="800080"/>
+      </a:folHlink>
+    </a:clrScheme>
+    <a:fontScheme name="Office">
+      <a:majorFont>
+        <a:latin typeface="Arial"/>
+        <a:ea typeface="DejaVu Sans"/>
+        <a:cs typeface="DejaVu Sans"/>
+      </a:majorFont>
+      <a:minorFont>
+        <a:latin typeface="Arial"/>
+        <a:ea typeface="DejaVu Sans"/>
+        <a:cs typeface="DejaVu Sans"/>
+      </a:minorFont>
+    </a:fontScheme>
+    <a:fmtScheme name="Office">
+      <a:fillStyleLst>
+        <a:solidFill>
+          <a:schemeClr val="phClr"/>
+        </a:solidFill>
+        <a:gradFill rotWithShape="1">
+          <a:gsLst>
+            <a:gs pos="0">
+              <a:schemeClr val="phClr">
+                <a:tint val="50000"/>
+                <a:satMod val="300000"/>
+              </a:schemeClr>
+            </a:gs>
+            <a:gs pos="35000">
+              <a:schemeClr val="phClr">
+                <a:tint val="37000"/>
+                <a:satMod val="300000"/>
+              </a:schemeClr>
+            </a:gs>
+            <a:gs pos="100000">
+              <a:schemeClr val="phClr">
+                <a:tint val="15000"/>
+                <a:satMod val="350000"/>
+              </a:schemeClr>
+            </a:gs>
+          </a:gsLst>
+          <a:lin ang="16200000" scaled="1"/>
+        </a:gradFill>
+        <a:gradFill rotWithShape="1">
+          <a:gsLst>
+            <a:gs pos="0">
+              <a:schemeClr val="phClr">
+                <a:shade val="51000"/>
+                <a:satMod val="130000"/>
+              </a:schemeClr>
+            </a:gs>
+            <a:gs pos="80000">
+              <a:schemeClr val="phClr">
+                <a:shade val="93000"/>
+                <a:satMod val="130000"/>
+              </a:schemeClr>
+            </a:gs>
+            <a:gs pos="100000">
+              <a:schemeClr val="phClr">
+                <a:shade val="94000"/>
+                <a:satMod val="135000"/>
+              </a:schemeClr>
+            </a:gs>
+          </a:gsLst>
+          <a:lin ang="16200000" scaled="0"/>
+        </a:gradFill>
+      </a:fillStyleLst>
+      <a:lnStyleLst>
+        <a:ln w="9525" cap="flat" cmpd="sng" algn="ctr">
+          <a:solidFill>
+            <a:schemeClr val="phClr">
+              <a:shade val="95000"/>
+              <a:satMod val="105000"/>
+            </a:schemeClr>
+          </a:solidFill>
+          <a:prstDash val="solid"/>
+        </a:ln>
+        <a:ln w="25400" cap="flat" cmpd="sng" algn="ctr">
+          <a:solidFill>
+            <a:schemeClr val="phClr"/>
+          </a:solidFill>
+          <a:prstDash val="solid"/>
+        </a:ln>
+        <a:ln w="38100" cap="flat" cmpd="sng" algn="ctr">
+          <a:solidFill>
+            <a:schemeClr val="phClr"/>
+          </a:solidFill>
+          <a:prstDash val="solid"/>
+        </a:ln>
+      </a:lnStyleLst>
+      <a:effectStyleLst>
+        <a:effectStyle>
+          <a:effectLst>
+            <a:outerShdw blurRad="40000" dist="20000" dir="5400000" rotWithShape="0">
+              <a:srgbClr val="000000">
+                <a:alpha val="38000"/>
+              </a:srgbClr>
+            </a:outerShdw>
+          </a:effectLst>
+        </a:effectStyle>
+        <a:effectStyle>
+          <a:effectLst>
+            <a:outerShdw blurRad="40000" dist="23000" dir="5400000" rotWithShape="0">
+              <a:srgbClr val="000000">
+                <a:alpha val="35000"/>
+              </a:srgbClr>
+            </a:outerShdw>
+          </a:effectLst>
+        </a:effectStyle>
+        <a:effectStyle>
+          <a:effectLst>
+            <a:outerShdw blurRad="40000" dist="23000" dir="5400000" rotWithShape="0">
+              <a:srgbClr val="000000">
+                <a:alpha val="35000"/>
+              </a:srgbClr>
+            </a:outerShdw>
+          </a:effectLst>
+          <a:scene3d>
+            <a:camera prst="orthographicFront">
+              <a:rot lat="0" lon="0" rev="0"/>
+            </a:camera>
+            <a:lightRig rig="threePt" dir="t">
+              <a:rot lat="0" lon="0" rev="1200000"/>
+            </a:lightRig>
+          </a:scene3d>
+          <a:sp3d>
+            <a:bevelT w="63500" h="25400"/>
+          </a:sp3d>
+        </a:effectStyle>
+      </a:effectStyleLst>
+      <a:bgFillStyleLst>
+        <a:solidFill>
+          <a:schemeClr val="phClr"/>
+        </a:solidFill>
+        <a:gradFill rotWithShape="1">
+          <a:gsLst>
+            <a:gs pos="0">
+              <a:schemeClr val="phClr">
+                <a:tint val="40000"/>
+                <a:satMod val="350000"/>
+              </a:schemeClr>
+            </a:gs>
+            <a:gs pos="40000">
+              <a:schemeClr val="phClr">
+                <a:tint val="45000"/>
+                <a:shade val="99000"/>
+                <a:satMod val="350000"/>
+              </a:schemeClr>
+            </a:gs>
+            <a:gs pos="100000">
+              <a:schemeClr val="phClr">
+                <a:shade val="20000"/>
+                <a:satMod val="255000"/>
+              </a:schemeClr>
+            </a:gs>
+          </a:gsLst>
+          <a:path path="circle">
+            <a:fillToRect l="50000" t="-80000" r="50000" b="180000"/>
+          </a:path>
+        </a:gradFill>
+        <a:gradFill rotWithShape="1">
+          <a:gsLst>
+            <a:gs pos="0">
+              <a:schemeClr val="phClr">
+                <a:tint val="80000"/>
+                <a:satMod val="300000"/>
+              </a:schemeClr>
+            </a:gs>
+            <a:gs pos="100000">
+              <a:schemeClr val="phClr">
+                <a:shade val="30000"/>
+                <a:satMod val="200000"/>
+              </a:schemeClr>
+            </a:gs>
+          </a:gsLst>
+          <a:path path="circle">
+            <a:fillToRect l="50000" t="50000" r="50000" b="50000"/>
+          </a:path>
+        </a:gradFill>
+      </a:bgFillStyleLst>
+    </a:fmtScheme>
+  </a:themeElements>
+</a:theme>
+</file>
+
+<file path=ppt/theme/theme3.xml><?xml version="1.0" encoding="utf-8"?>
+<a:theme xmlns:a="http://schemas.openxmlformats.org/drawingml/2006/main" name="Office Theme">
+  <a:themeElements>
+    <a:clrScheme name="Office">
+      <a:dk1>
+        <a:sysClr val="windowText" lastClr="000000"/>
+      </a:dk1>
+      <a:lt1>
+        <a:sysClr val="window" lastClr="FFFFFF"/>
+      </a:lt1>
+      <a:dk2>
+        <a:srgbClr val="1F497D"/>
+      </a:dk2>
+      <a:lt2>
+        <a:srgbClr val="EEECE1"/>
+      </a:lt2>
+      <a:accent1>
+        <a:srgbClr val="4F81BD"/>
+      </a:accent1>
+      <a:accent2>
+        <a:srgbClr val="C0504D"/>
+      </a:accent2>
+      <a:accent3>
+        <a:srgbClr val="9BBB59"/>
+      </a:accent3>
+      <a:accent4>
+        <a:srgbClr val="8064A2"/>
+      </a:accent4>
+      <a:accent5>
+        <a:srgbClr val="4BACC6"/>
+      </a:accent5>
+      <a:accent6>
+        <a:srgbClr val="F79646"/>
+      </a:accent6>
+      <a:hlink>
+        <a:srgbClr val="0000FF"/>
+      </a:hlink>
+      <a:folHlink>
+        <a:srgbClr val="800080"/>
+      </a:folHlink>
+    </a:clrScheme>
+    <a:fontScheme name="Office">
+      <a:majorFont>
+        <a:latin typeface="Arial"/>
+        <a:ea typeface="DejaVu Sans"/>
+        <a:cs typeface="DejaVu Sans"/>
+      </a:majorFont>
+      <a:minorFont>
+        <a:latin typeface="Arial"/>
+        <a:ea typeface="DejaVu Sans"/>
+        <a:cs typeface="DejaVu Sans"/>
+      </a:minorFont>
+    </a:fontScheme>
+    <a:fmtScheme name="Office">
+      <a:fillStyleLst>
+        <a:solidFill>
+          <a:schemeClr val="phClr"/>
+        </a:solidFill>
+        <a:gradFill rotWithShape="1">
+          <a:gsLst>
+            <a:gs pos="0">
+              <a:schemeClr val="phClr">
+                <a:tint val="50000"/>
+                <a:satMod val="300000"/>
+              </a:schemeClr>
+            </a:gs>
+            <a:gs pos="35000">
+              <a:schemeClr val="phClr">
+                <a:tint val="37000"/>
+                <a:satMod val="300000"/>
+              </a:schemeClr>
+            </a:gs>
+            <a:gs pos="100000">
+              <a:schemeClr val="phClr">
+                <a:tint val="15000"/>
+                <a:satMod val="350000"/>
+              </a:schemeClr>
+            </a:gs>
+          </a:gsLst>
+          <a:lin ang="16200000" scaled="1"/>
+        </a:gradFill>
+        <a:gradFill rotWithShape="1">
+          <a:gsLst>
+            <a:gs pos="0">
+              <a:schemeClr val="phClr">
+                <a:shade val="51000"/>
+                <a:satMod val="130000"/>
+              </a:schemeClr>
+            </a:gs>
+            <a:gs pos="80000">
+              <a:schemeClr val="phClr">
+                <a:shade val="93000"/>
+                <a:satMod val="130000"/>
+              </a:schemeClr>
+            </a:gs>
+            <a:gs pos="100000">
+              <a:schemeClr val="phClr">
+                <a:shade val="94000"/>
+                <a:satMod val="135000"/>
+              </a:schemeClr>
+            </a:gs>
+          </a:gsLst>
+          <a:lin ang="16200000" scaled="0"/>
+        </a:gradFill>
+      </a:fillStyleLst>
+      <a:lnStyleLst>
+        <a:ln w="9525" cap="flat" cmpd="sng" algn="ctr">
+          <a:solidFill>
+            <a:schemeClr val="phClr">
+              <a:shade val="95000"/>
+              <a:satMod val="105000"/>
+            </a:schemeClr>
+          </a:solidFill>
+          <a:prstDash val="solid"/>
+        </a:ln>
+        <a:ln w="25400" cap="flat" cmpd="sng" algn="ctr">
+          <a:solidFill>
+            <a:schemeClr val="phClr"/>
+          </a:solidFill>
+          <a:prstDash val="solid"/>
+        </a:ln>
+        <a:ln w="38100" cap="flat" cmpd="sng" algn="ctr">
+          <a:solidFill>
+            <a:schemeClr val="phClr"/>
+          </a:solidFill>
+          <a:prstDash val="solid"/>
+        </a:ln>
+      </a:lnStyleLst>
+      <a:effectStyleLst>
+        <a:effectStyle>
+          <a:effectLst>
+            <a:outerShdw blurRad="40000" dist="20000" dir="5400000" rotWithShape="0">
+              <a:srgbClr val="000000">
+                <a:alpha val="38000"/>
+              </a:srgbClr>
+            </a:outerShdw>
+          </a:effectLst>
+        </a:effectStyle>
+        <a:effectStyle>
+          <a:effectLst>
+            <a:outerShdw blurRad="40000" dist="23000" dir="5400000" rotWithShape="0">
+              <a:srgbClr val="000000">
+                <a:alpha val="35000"/>
+              </a:srgbClr>
+            </a:outerShdw>
+          </a:effectLst>
+        </a:effectStyle>
+        <a:effectStyle>
+          <a:effectLst>
+            <a:outerShdw blurRad="40000" dist="23000" dir="5400000" rotWithShape="0">
+              <a:srgbClr val="000000">
+                <a:alpha val="35000"/>
+              </a:srgbClr>
+            </a:outerShdw>
+          </a:effectLst>
+          <a:scene3d>
+            <a:camera prst="orthographicFront">
+              <a:rot lat="0" lon="0" rev="0"/>
+            </a:camera>
+            <a:lightRig rig="threePt" dir="t">
+              <a:rot lat="0" lon="0" rev="1200000"/>
+            </a:lightRig>
+          </a:scene3d>
+          <a:sp3d>
+            <a:bevelT w="63500" h="25400"/>
+          </a:sp3d>
+        </a:effectStyle>
+      </a:effectStyleLst>
+      <a:bgFillStyleLst>
+        <a:solidFill>
+          <a:schemeClr val="phClr"/>
+        </a:solidFill>
+        <a:gradFill rotWithShape="1">
+          <a:gsLst>
+            <a:gs pos="0">
+              <a:schemeClr val="phClr">
+                <a:tint val="40000"/>
+                <a:satMod val="350000"/>
+              </a:schemeClr>
+            </a:gs>
+            <a:gs pos="40000">
+              <a:schemeClr val="phClr">
+                <a:tint val="45000"/>
+                <a:shade val="99000"/>
+                <a:satMod val="350000"/>
+              </a:schemeClr>
+            </a:gs>
+            <a:gs pos="100000">
+              <a:schemeClr val="phClr">
+                <a:shade val="20000"/>
+                <a:satMod val="255000"/>
+              </a:schemeClr>
+            </a:gs>
+          </a:gsLst>
+          <a:path path="circle">
+            <a:fillToRect l="50000" t="-80000" r="50000" b="180000"/>
+          </a:path>
+        </a:gradFill>
+        <a:gradFill rotWithShape="1">
+          <a:gsLst>
+            <a:gs pos="0">
+              <a:schemeClr val="phClr">
+                <a:tint val="80000"/>
+                <a:satMod val="300000"/>
+              </a:schemeClr>
+            </a:gs>
+            <a:gs pos="100000">
+              <a:schemeClr val="phClr">
+                <a:shade val="30000"/>
+                <a:satMod val="200000"/>
+              </a:schemeClr>
+            </a:gs>
+          </a:gsLst>
+          <a:path path="circle">
+            <a:fillToRect l="50000" t="50000" r="50000" b="50000"/>
+          </a:path>
+        </a:gradFill>
+      </a:bgFillStyleLst>
+    </a:fmtScheme>
+  </a:themeElements>
+</a:theme>
+</file>
+
+<file path=ppt/theme/theme4.xml><?xml version="1.0" encoding="utf-8"?>
+<a:theme xmlns:a="http://schemas.openxmlformats.org/drawingml/2006/main" name="Office Theme">
+  <a:themeElements>
+    <a:clrScheme name="Office">
+      <a:dk1>
+        <a:sysClr val="windowText" lastClr="000000"/>
+      </a:dk1>
+      <a:lt1>
+        <a:sysClr val="window" lastClr="FFFFFF"/>
+      </a:lt1>
+      <a:dk2>
+        <a:srgbClr val="1F497D"/>
+      </a:dk2>
+      <a:lt2>
+        <a:srgbClr val="EEECE1"/>
+      </a:lt2>
+      <a:accent1>
+        <a:srgbClr val="4F81BD"/>
+      </a:accent1>
+      <a:accent2>
+        <a:srgbClr val="C0504D"/>
+      </a:accent2>
+      <a:accent3>
+        <a:srgbClr val="9BBB59"/>
+      </a:accent3>
+      <a:accent4>
+        <a:srgbClr val="8064A2"/>
+      </a:accent4>
+      <a:accent5>
+        <a:srgbClr val="4BACC6"/>
+      </a:accent5>
+      <a:accent6>
+        <a:srgbClr val="F79646"/>
+      </a:accent6>
+      <a:hlink>
+        <a:srgbClr val="0000FF"/>
+      </a:hlink>
+      <a:folHlink>
+        <a:srgbClr val="800080"/>
+      </a:folHlink>
+    </a:clrScheme>
+    <a:fontScheme name="Office">
+      <a:majorFont>
+        <a:latin typeface="Arial"/>
+        <a:ea typeface="DejaVu Sans"/>
+        <a:cs typeface="DejaVu Sans"/>
+      </a:majorFont>
+      <a:minorFont>
+        <a:latin typeface="Arial"/>
+        <a:ea typeface="DejaVu Sans"/>
+        <a:cs typeface="DejaVu Sans"/>
+      </a:minorFont>
+    </a:fontScheme>
+    <a:fmtScheme name="Office">
+      <a:fillStyleLst>
+        <a:solidFill>
+          <a:schemeClr val="phClr"/>
+        </a:solidFill>
+        <a:gradFill rotWithShape="1">
+          <a:gsLst>
+            <a:gs pos="0">
+              <a:schemeClr val="phClr">
+                <a:tint val="50000"/>
+                <a:satMod val="300000"/>
+              </a:schemeClr>
+            </a:gs>
+            <a:gs pos="35000">
+              <a:schemeClr val="phClr">
+                <a:tint val="37000"/>
+                <a:satMod val="300000"/>
+              </a:schemeClr>
+            </a:gs>
+            <a:gs pos="100000">
+              <a:schemeClr val="phClr">
+                <a:tint val="15000"/>
+                <a:satMod val="350000"/>
+              </a:schemeClr>
+            </a:gs>
+          </a:gsLst>
+          <a:lin ang="16200000" scaled="1"/>
+        </a:gradFill>
+        <a:gradFill rotWithShape="1">
+          <a:gsLst>
+            <a:gs pos="0">
+              <a:schemeClr val="phClr">
+                <a:shade val="51000"/>
+                <a:satMod val="130000"/>
+              </a:schemeClr>
+            </a:gs>
+            <a:gs pos="80000">
+              <a:schemeClr val="phClr">
+                <a:shade val="93000"/>
+                <a:satMod val="130000"/>
+              </a:schemeClr>
+            </a:gs>
+            <a:gs pos="100000">
+              <a:schemeClr val="phClr">
+                <a:shade val="94000"/>
+                <a:satMod val="135000"/>
+              </a:schemeClr>
+            </a:gs>
+          </a:gsLst>
+          <a:lin ang="16200000" scaled="0"/>
+        </a:gradFill>
+      </a:fillStyleLst>
+      <a:lnStyleLst>
+        <a:ln w="9525" cap="flat" cmpd="sng" algn="ctr">
+          <a:solidFill>
+            <a:schemeClr val="phClr">
+              <a:shade val="95000"/>
+              <a:satMod val="105000"/>
+            </a:schemeClr>
+          </a:solidFill>
+          <a:prstDash val="solid"/>
+        </a:ln>
+        <a:ln w="25400" cap="flat" cmpd="sng" algn="ctr">
+          <a:solidFill>
+            <a:schemeClr val="phClr"/>
+          </a:solidFill>
+          <a:prstDash val="solid"/>
+        </a:ln>
+        <a:ln w="38100" cap="flat" cmpd="sng" algn="ctr">
+          <a:solidFill>
+            <a:schemeClr val="phClr"/>
+          </a:solidFill>
+          <a:prstDash val="solid"/>
+        </a:ln>
+      </a:lnStyleLst>
+      <a:effectStyleLst>
+        <a:effectStyle>
+          <a:effectLst>
+            <a:outerShdw blurRad="40000" dist="20000" dir="5400000" rotWithShape="0">
+              <a:srgbClr val="000000">
+                <a:alpha val="38000"/>
+              </a:srgbClr>
+            </a:outerShdw>
+          </a:effectLst>
+        </a:effectStyle>
+        <a:effectStyle>
+          <a:effectLst>
+            <a:outerShdw blurRad="40000" dist="23000" dir="5400000" rotWithShape="0">
+              <a:srgbClr val="000000">
+                <a:alpha val="35000"/>
+              </a:srgbClr>
+            </a:outerShdw>
+          </a:effectLst>
+        </a:effectStyle>
+        <a:effectStyle>
+          <a:effectLst>
+            <a:outerShdw blurRad="40000" dist="23000" dir="5400000" rotWithShape="0">
+              <a:srgbClr val="000000">
+                <a:alpha val="35000"/>
+              </a:srgbClr>
+            </a:outerShdw>
+          </a:effectLst>
+          <a:scene3d>
+            <a:camera prst="orthographicFront">
+              <a:rot lat="0" lon="0" rev="0"/>
+            </a:camera>
+            <a:lightRig rig="threePt" dir="t">
+              <a:rot lat="0" lon="0" rev="1200000"/>
+            </a:lightRig>
+          </a:scene3d>
+          <a:sp3d>
+            <a:bevelT w="63500" h="25400"/>
+          </a:sp3d>
+        </a:effectStyle>
+      </a:effectStyleLst>
+      <a:bgFillStyleLst>
+        <a:solidFill>
+          <a:schemeClr val="phClr"/>
+        </a:solidFill>
+        <a:gradFill rotWithShape="1">
+          <a:gsLst>
+            <a:gs pos="0">
+              <a:schemeClr val="phClr">
+                <a:tint val="40000"/>
+                <a:satMod val="350000"/>
+              </a:schemeClr>
+            </a:gs>
+            <a:gs pos="40000">
+              <a:schemeClr val="phClr">
+                <a:tint val="45000"/>
+                <a:shade val="99000"/>
+                <a:satMod val="350000"/>
+              </a:schemeClr>
+            </a:gs>
+            <a:gs pos="100000">
+              <a:schemeClr val="phClr">
+                <a:shade val="20000"/>
+                <a:satMod val="255000"/>
+              </a:schemeClr>
+            </a:gs>
+          </a:gsLst>
+          <a:path path="circle">
+            <a:fillToRect l="50000" t="-80000" r="50000" b="180000"/>
+          </a:path>
+        </a:gradFill>
+        <a:gradFill rotWithShape="1">
+          <a:gsLst>
+            <a:gs pos="0">
+              <a:schemeClr val="phClr">
+                <a:tint val="80000"/>
+                <a:satMod val="300000"/>
+              </a:schemeClr>
+            </a:gs>
+            <a:gs pos="100000">
+              <a:schemeClr val="phClr">
+                <a:shade val="30000"/>
+                <a:satMod val="200000"/>
+              </a:schemeClr>
+            </a:gs>
+          </a:gsLst>
+          <a:path path="circle">
+            <a:fillToRect l="50000" t="50000" r="50000" b="50000"/>
+          </a:path>
+        </a:gradFill>
+      </a:bgFillStyleLst>
+    </a:fmtScheme>
+  </a:themeElements>
+</a:theme>
 </file>